--- a/Lec-18-19-20.pptx
+++ b/Lec-18-19-20.pptx
@@ -5,62 +5,55 @@
     <p:sldMasterId id="2147483648" r:id="rId1"/>
   </p:sldMasterIdLst>
   <p:notesMasterIdLst>
-    <p:notesMasterId r:id="rId55"/>
+    <p:notesMasterId r:id="rId48"/>
   </p:notesMasterIdLst>
   <p:sldIdLst>
     <p:sldId id="337" r:id="rId2"/>
-    <p:sldId id="431" r:id="rId3"/>
-    <p:sldId id="432" r:id="rId4"/>
-    <p:sldId id="433" r:id="rId5"/>
-    <p:sldId id="434" r:id="rId6"/>
-    <p:sldId id="435" r:id="rId7"/>
-    <p:sldId id="436" r:id="rId8"/>
-    <p:sldId id="437" r:id="rId9"/>
-    <p:sldId id="438" r:id="rId10"/>
-    <p:sldId id="439" r:id="rId11"/>
-    <p:sldId id="440" r:id="rId12"/>
-    <p:sldId id="441" r:id="rId13"/>
-    <p:sldId id="442" r:id="rId14"/>
-    <p:sldId id="443" r:id="rId15"/>
-    <p:sldId id="444" r:id="rId16"/>
-    <p:sldId id="445" r:id="rId17"/>
-    <p:sldId id="447" r:id="rId18"/>
-    <p:sldId id="448" r:id="rId19"/>
-    <p:sldId id="446" r:id="rId20"/>
-    <p:sldId id="449" r:id="rId21"/>
-    <p:sldId id="450" r:id="rId22"/>
-    <p:sldId id="451" r:id="rId23"/>
-    <p:sldId id="452" r:id="rId24"/>
-    <p:sldId id="453" r:id="rId25"/>
-    <p:sldId id="454" r:id="rId26"/>
-    <p:sldId id="455" r:id="rId27"/>
-    <p:sldId id="456" r:id="rId28"/>
-    <p:sldId id="457" r:id="rId29"/>
-    <p:sldId id="458" r:id="rId30"/>
-    <p:sldId id="459" r:id="rId31"/>
-    <p:sldId id="460" r:id="rId32"/>
-    <p:sldId id="461" r:id="rId33"/>
-    <p:sldId id="462" r:id="rId34"/>
-    <p:sldId id="463" r:id="rId35"/>
-    <p:sldId id="402" r:id="rId36"/>
-    <p:sldId id="464" r:id="rId37"/>
-    <p:sldId id="465" r:id="rId38"/>
-    <p:sldId id="466" r:id="rId39"/>
-    <p:sldId id="468" r:id="rId40"/>
-    <p:sldId id="469" r:id="rId41"/>
-    <p:sldId id="467" r:id="rId42"/>
-    <p:sldId id="470" r:id="rId43"/>
-    <p:sldId id="471" r:id="rId44"/>
-    <p:sldId id="472" r:id="rId45"/>
-    <p:sldId id="473" r:id="rId46"/>
-    <p:sldId id="474" r:id="rId47"/>
-    <p:sldId id="475" r:id="rId48"/>
-    <p:sldId id="476" r:id="rId49"/>
-    <p:sldId id="477" r:id="rId50"/>
-    <p:sldId id="478" r:id="rId51"/>
-    <p:sldId id="479" r:id="rId52"/>
-    <p:sldId id="480" r:id="rId53"/>
-    <p:sldId id="481" r:id="rId54"/>
+    <p:sldId id="438" r:id="rId3"/>
+    <p:sldId id="439" r:id="rId4"/>
+    <p:sldId id="440" r:id="rId5"/>
+    <p:sldId id="441" r:id="rId6"/>
+    <p:sldId id="442" r:id="rId7"/>
+    <p:sldId id="443" r:id="rId8"/>
+    <p:sldId id="444" r:id="rId9"/>
+    <p:sldId id="445" r:id="rId10"/>
+    <p:sldId id="447" r:id="rId11"/>
+    <p:sldId id="448" r:id="rId12"/>
+    <p:sldId id="446" r:id="rId13"/>
+    <p:sldId id="449" r:id="rId14"/>
+    <p:sldId id="450" r:id="rId15"/>
+    <p:sldId id="451" r:id="rId16"/>
+    <p:sldId id="452" r:id="rId17"/>
+    <p:sldId id="453" r:id="rId18"/>
+    <p:sldId id="454" r:id="rId19"/>
+    <p:sldId id="455" r:id="rId20"/>
+    <p:sldId id="456" r:id="rId21"/>
+    <p:sldId id="457" r:id="rId22"/>
+    <p:sldId id="458" r:id="rId23"/>
+    <p:sldId id="459" r:id="rId24"/>
+    <p:sldId id="460" r:id="rId25"/>
+    <p:sldId id="461" r:id="rId26"/>
+    <p:sldId id="462" r:id="rId27"/>
+    <p:sldId id="463" r:id="rId28"/>
+    <p:sldId id="402" r:id="rId29"/>
+    <p:sldId id="464" r:id="rId30"/>
+    <p:sldId id="465" r:id="rId31"/>
+    <p:sldId id="466" r:id="rId32"/>
+    <p:sldId id="468" r:id="rId33"/>
+    <p:sldId id="469" r:id="rId34"/>
+    <p:sldId id="467" r:id="rId35"/>
+    <p:sldId id="470" r:id="rId36"/>
+    <p:sldId id="471" r:id="rId37"/>
+    <p:sldId id="472" r:id="rId38"/>
+    <p:sldId id="473" r:id="rId39"/>
+    <p:sldId id="474" r:id="rId40"/>
+    <p:sldId id="475" r:id="rId41"/>
+    <p:sldId id="476" r:id="rId42"/>
+    <p:sldId id="477" r:id="rId43"/>
+    <p:sldId id="478" r:id="rId44"/>
+    <p:sldId id="479" r:id="rId45"/>
+    <p:sldId id="480" r:id="rId46"/>
+    <p:sldId id="481" r:id="rId47"/>
   </p:sldIdLst>
   <p:sldSz cx="9144000" cy="6858000" type="screen4x3"/>
   <p:notesSz cx="6858000" cy="9144000"/>
@@ -342,7 +335,7 @@
               <a:pPr>
                 <a:defRPr/>
               </a:pPr>
-              <a:t>9/18/2025</a:t>
+              <a:t>9/22/2025</a:t>
             </a:fld>
             <a:endParaRPr lang="en-US"/>
           </a:p>
@@ -6666,1743 +6659,6 @@
           <p:cNvPr id="3" name="Content Placeholder 2">
             <a:extLst>
               <a:ext uri="{FF2B5EF4-FFF2-40B4-BE49-F238E27FC236}">
-                <a16:creationId xmlns:a16="http://schemas.microsoft.com/office/drawing/2014/main" id="{57EB8B21-C423-DDD6-8E68-96D09B952D97}"/>
-              </a:ext>
-            </a:extLst>
-          </p:cNvPr>
-          <p:cNvSpPr>
-            <a:spLocks noGrp="1"/>
-          </p:cNvSpPr>
-          <p:nvPr>
-            <p:ph sz="quarter" idx="10"/>
-          </p:nvPr>
-        </p:nvSpPr>
-        <p:spPr/>
-        <p:txBody>
-          <a:bodyPr/>
-          <a:lstStyle/>
-          <a:p>
-            <a:r>
-              <a:rPr lang="en-US" dirty="0"/>
-              <a:t>Step 1.1: Make the state diagram</a:t>
-            </a:r>
-            <a:endParaRPr lang="en-IN" dirty="0"/>
-          </a:p>
-        </p:txBody>
-      </p:sp>
-      <p:pic>
-        <p:nvPicPr>
-          <p:cNvPr id="4" name="Content Placeholder 3">
-            <a:extLst>
-              <a:ext uri="{FF2B5EF4-FFF2-40B4-BE49-F238E27FC236}">
-                <a16:creationId xmlns:a16="http://schemas.microsoft.com/office/drawing/2014/main" id="{B8D27E0D-1551-5A7A-FF81-51E9027D0A05}"/>
-              </a:ext>
-            </a:extLst>
-          </p:cNvPr>
-          <p:cNvPicPr>
-            <a:picLocks noGrp="1" noChangeAspect="1" noChangeArrowheads="1"/>
-          </p:cNvPicPr>
-          <p:nvPr>
-            <p:ph idx="1"/>
-          </p:nvPr>
-        </p:nvPicPr>
-        <p:blipFill rotWithShape="1">
-          <a:blip r:embed="rId2">
-            <a:extLst>
-              <a:ext uri="{28A0092B-C50C-407E-A947-70E740481C1C}">
-                <a14:useLocalDpi xmlns:a14="http://schemas.microsoft.com/office/drawing/2010/main" val="0"/>
-              </a:ext>
-            </a:extLst>
-          </a:blip>
-          <a:srcRect t="15566"/>
-          <a:stretch>
-            <a:fillRect/>
-          </a:stretch>
-        </p:blipFill>
-        <p:spPr bwMode="auto">
-          <a:xfrm>
-            <a:off x="113947" y="1524000"/>
-            <a:ext cx="8916106" cy="3352801"/>
-          </a:xfrm>
-          <a:prstGeom prst="rect">
-            <a:avLst/>
-          </a:prstGeom>
-          <a:noFill/>
-          <a:ln>
-            <a:noFill/>
-          </a:ln>
-          <a:effectLst/>
-          <a:extLst>
-            <a:ext uri="{909E8E84-426E-40DD-AFC4-6F175D3DCCD1}">
-              <a14:hiddenFill xmlns:a14="http://schemas.microsoft.com/office/drawing/2010/main">
-                <a:solidFill>
-                  <a:schemeClr val="accent1"/>
-                </a:solidFill>
-              </a14:hiddenFill>
-            </a:ext>
-            <a:ext uri="{91240B29-F687-4F45-9708-019B960494DF}">
-              <a14:hiddenLine xmlns:a14="http://schemas.microsoft.com/office/drawing/2010/main" w="9525">
-                <a:solidFill>
-                  <a:schemeClr val="tx1"/>
-                </a:solidFill>
-                <a:miter lim="800000"/>
-                <a:headEnd/>
-                <a:tailEnd/>
-              </a14:hiddenLine>
-            </a:ext>
-            <a:ext uri="{AF507438-7753-43E0-B8FC-AC1667EBCBE1}">
-              <a14:hiddenEffects xmlns:a14="http://schemas.microsoft.com/office/drawing/2010/main">
-                <a:effectLst>
-                  <a:outerShdw dist="35921" dir="2700000" algn="ctr" rotWithShape="0">
-                    <a:schemeClr val="bg2"/>
-                  </a:outerShdw>
-                </a:effectLst>
-              </a14:hiddenEffects>
-            </a:ext>
-          </a:extLst>
-        </p:spPr>
-      </p:pic>
-    </p:spTree>
-    <p:extLst>
-      <p:ext uri="{BB962C8B-B14F-4D97-AF65-F5344CB8AC3E}">
-        <p14:creationId xmlns:p14="http://schemas.microsoft.com/office/powerpoint/2010/main" val="2959984680"/>
-      </p:ext>
-    </p:extLst>
-  </p:cSld>
-  <p:clrMapOvr>
-    <a:masterClrMapping/>
-  </p:clrMapOvr>
-</p:sld>
-</file>
-
-<file path=ppt/slides/slide11.xml><?xml version="1.0" encoding="utf-8"?>
-<p:sld xmlns:a="http://schemas.openxmlformats.org/drawingml/2006/main" xmlns:r="http://schemas.openxmlformats.org/officeDocument/2006/relationships" xmlns:p="http://schemas.openxmlformats.org/presentationml/2006/main">
-  <p:cSld>
-    <p:spTree>
-      <p:nvGrpSpPr>
-        <p:cNvPr id="1" name=""/>
-        <p:cNvGrpSpPr/>
-        <p:nvPr/>
-      </p:nvGrpSpPr>
-      <p:grpSpPr>
-        <a:xfrm>
-          <a:off x="0" y="0"/>
-          <a:ext cx="0" cy="0"/>
-          <a:chOff x="0" y="0"/>
-          <a:chExt cx="0" cy="0"/>
-        </a:xfrm>
-      </p:grpSpPr>
-      <p:sp>
-        <p:nvSpPr>
-          <p:cNvPr id="3" name="Content Placeholder 2">
-            <a:extLst>
-              <a:ext uri="{FF2B5EF4-FFF2-40B4-BE49-F238E27FC236}">
-                <a16:creationId xmlns:a16="http://schemas.microsoft.com/office/drawing/2014/main" id="{0CB6B2F2-7FAA-D191-84A9-7031E5AE988A}"/>
-              </a:ext>
-            </a:extLst>
-          </p:cNvPr>
-          <p:cNvSpPr>
-            <a:spLocks noGrp="1"/>
-          </p:cNvSpPr>
-          <p:nvPr>
-            <p:ph sz="quarter" idx="10"/>
-          </p:nvPr>
-        </p:nvSpPr>
-        <p:spPr/>
-        <p:txBody>
-          <a:bodyPr/>
-          <a:lstStyle/>
-          <a:p>
-            <a:r>
-              <a:rPr lang="en-US" dirty="0"/>
-              <a:t>Sequence recognizer state diagram</a:t>
-            </a:r>
-            <a:endParaRPr lang="en-IN" dirty="0"/>
-          </a:p>
-        </p:txBody>
-      </p:sp>
-      <p:pic>
-        <p:nvPicPr>
-          <p:cNvPr id="4" name="Content Placeholder 3">
-            <a:extLst>
-              <a:ext uri="{FF2B5EF4-FFF2-40B4-BE49-F238E27FC236}">
-                <a16:creationId xmlns:a16="http://schemas.microsoft.com/office/drawing/2014/main" id="{3F3F9A38-ED6B-67F8-855E-EA80545CA886}"/>
-              </a:ext>
-            </a:extLst>
-          </p:cNvPr>
-          <p:cNvPicPr>
-            <a:picLocks noGrp="1" noChangeAspect="1" noChangeArrowheads="1"/>
-          </p:cNvPicPr>
-          <p:nvPr>
-            <p:ph idx="1"/>
-          </p:nvPr>
-        </p:nvPicPr>
-        <p:blipFill rotWithShape="1">
-          <a:blip r:embed="rId2">
-            <a:extLst>
-              <a:ext uri="{28A0092B-C50C-407E-A947-70E740481C1C}">
-                <a14:useLocalDpi xmlns:a14="http://schemas.microsoft.com/office/drawing/2010/main" val="0"/>
-              </a:ext>
-            </a:extLst>
-          </a:blip>
-          <a:srcRect t="10768" b="85050"/>
-          <a:stretch>
-            <a:fillRect/>
-          </a:stretch>
-        </p:blipFill>
-        <p:spPr bwMode="auto">
-          <a:xfrm>
-            <a:off x="762000" y="1524001"/>
-            <a:ext cx="7620000" cy="228600"/>
-          </a:xfrm>
-          <a:prstGeom prst="rect">
-            <a:avLst/>
-          </a:prstGeom>
-          <a:noFill/>
-          <a:ln>
-            <a:noFill/>
-          </a:ln>
-          <a:effectLst/>
-          <a:extLst>
-            <a:ext uri="{909E8E84-426E-40DD-AFC4-6F175D3DCCD1}">
-              <a14:hiddenFill xmlns:a14="http://schemas.microsoft.com/office/drawing/2010/main">
-                <a:solidFill>
-                  <a:schemeClr val="accent1"/>
-                </a:solidFill>
-              </a14:hiddenFill>
-            </a:ext>
-            <a:ext uri="{91240B29-F687-4F45-9708-019B960494DF}">
-              <a14:hiddenLine xmlns:a14="http://schemas.microsoft.com/office/drawing/2010/main" w="9525">
-                <a:solidFill>
-                  <a:schemeClr val="tx1"/>
-                </a:solidFill>
-                <a:miter lim="800000"/>
-                <a:headEnd/>
-                <a:tailEnd/>
-              </a14:hiddenLine>
-            </a:ext>
-            <a:ext uri="{AF507438-7753-43E0-B8FC-AC1667EBCBE1}">
-              <a14:hiddenEffects xmlns:a14="http://schemas.microsoft.com/office/drawing/2010/main">
-                <a:effectLst>
-                  <a:outerShdw dist="35921" dir="2700000" algn="ctr" rotWithShape="0">
-                    <a:schemeClr val="bg2"/>
-                  </a:outerShdw>
-                </a:effectLst>
-              </a14:hiddenEffects>
-            </a:ext>
-          </a:extLst>
-        </p:spPr>
-      </p:pic>
-      <p:pic>
-        <p:nvPicPr>
-          <p:cNvPr id="5" name="Content Placeholder 3">
-            <a:extLst>
-              <a:ext uri="{FF2B5EF4-FFF2-40B4-BE49-F238E27FC236}">
-                <a16:creationId xmlns:a16="http://schemas.microsoft.com/office/drawing/2014/main" id="{A6112DCD-A03A-F497-4449-064CA37B47C7}"/>
-              </a:ext>
-            </a:extLst>
-          </p:cNvPr>
-          <p:cNvPicPr>
-            <a:picLocks noChangeAspect="1" noChangeArrowheads="1"/>
-          </p:cNvPicPr>
-          <p:nvPr/>
-        </p:nvPicPr>
-        <p:blipFill rotWithShape="1">
-          <a:blip r:embed="rId2">
-            <a:extLst>
-              <a:ext uri="{28A0092B-C50C-407E-A947-70E740481C1C}">
-                <a14:useLocalDpi xmlns:a14="http://schemas.microsoft.com/office/drawing/2010/main" val="0"/>
-              </a:ext>
-            </a:extLst>
-          </a:blip>
-          <a:srcRect t="10770" b="68320"/>
-          <a:stretch>
-            <a:fillRect/>
-          </a:stretch>
-        </p:blipFill>
-        <p:spPr bwMode="auto">
-          <a:xfrm>
-            <a:off x="762000" y="1524000"/>
-            <a:ext cx="7620000" cy="1142999"/>
-          </a:xfrm>
-          <a:prstGeom prst="rect">
-            <a:avLst/>
-          </a:prstGeom>
-          <a:noFill/>
-          <a:ln>
-            <a:noFill/>
-          </a:ln>
-          <a:effectLst/>
-          <a:extLst>
-            <a:ext uri="{909E8E84-426E-40DD-AFC4-6F175D3DCCD1}">
-              <a14:hiddenFill xmlns:a14="http://schemas.microsoft.com/office/drawing/2010/main">
-                <a:solidFill>
-                  <a:schemeClr val="accent1"/>
-                </a:solidFill>
-              </a14:hiddenFill>
-            </a:ext>
-            <a:ext uri="{91240B29-F687-4F45-9708-019B960494DF}">
-              <a14:hiddenLine xmlns:a14="http://schemas.microsoft.com/office/drawing/2010/main" w="9525">
-                <a:solidFill>
-                  <a:schemeClr val="tx1"/>
-                </a:solidFill>
-                <a:miter lim="800000"/>
-                <a:headEnd/>
-                <a:tailEnd/>
-              </a14:hiddenLine>
-            </a:ext>
-            <a:ext uri="{AF507438-7753-43E0-B8FC-AC1667EBCBE1}">
-              <a14:hiddenEffects xmlns:a14="http://schemas.microsoft.com/office/drawing/2010/main">
-                <a:effectLst>
-                  <a:outerShdw dist="35921" dir="2700000" algn="ctr" rotWithShape="0">
-                    <a:schemeClr val="bg2"/>
-                  </a:outerShdw>
-                </a:effectLst>
-              </a14:hiddenEffects>
-            </a:ext>
-          </a:extLst>
-        </p:spPr>
-      </p:pic>
-      <p:pic>
-        <p:nvPicPr>
-          <p:cNvPr id="6" name="Content Placeholder 3">
-            <a:extLst>
-              <a:ext uri="{FF2B5EF4-FFF2-40B4-BE49-F238E27FC236}">
-                <a16:creationId xmlns:a16="http://schemas.microsoft.com/office/drawing/2014/main" id="{B5A8881B-00EC-04A6-5320-BEE2E1535889}"/>
-              </a:ext>
-            </a:extLst>
-          </p:cNvPr>
-          <p:cNvPicPr>
-            <a:picLocks noChangeAspect="1" noChangeArrowheads="1"/>
-          </p:cNvPicPr>
-          <p:nvPr/>
-        </p:nvPicPr>
-        <p:blipFill rotWithShape="1">
-          <a:blip r:embed="rId2">
-            <a:extLst>
-              <a:ext uri="{28A0092B-C50C-407E-A947-70E740481C1C}">
-                <a14:useLocalDpi xmlns:a14="http://schemas.microsoft.com/office/drawing/2010/main" val="0"/>
-              </a:ext>
-            </a:extLst>
-          </a:blip>
-          <a:srcRect t="10769" b="58563"/>
-          <a:stretch>
-            <a:fillRect/>
-          </a:stretch>
-        </p:blipFill>
-        <p:spPr bwMode="auto">
-          <a:xfrm>
-            <a:off x="762000" y="1523999"/>
-            <a:ext cx="7620000" cy="1676401"/>
-          </a:xfrm>
-          <a:prstGeom prst="rect">
-            <a:avLst/>
-          </a:prstGeom>
-          <a:noFill/>
-          <a:ln>
-            <a:noFill/>
-          </a:ln>
-          <a:effectLst/>
-          <a:extLst>
-            <a:ext uri="{909E8E84-426E-40DD-AFC4-6F175D3DCCD1}">
-              <a14:hiddenFill xmlns:a14="http://schemas.microsoft.com/office/drawing/2010/main">
-                <a:solidFill>
-                  <a:schemeClr val="accent1"/>
-                </a:solidFill>
-              </a14:hiddenFill>
-            </a:ext>
-            <a:ext uri="{91240B29-F687-4F45-9708-019B960494DF}">
-              <a14:hiddenLine xmlns:a14="http://schemas.microsoft.com/office/drawing/2010/main" w="9525">
-                <a:solidFill>
-                  <a:schemeClr val="tx1"/>
-                </a:solidFill>
-                <a:miter lim="800000"/>
-                <a:headEnd/>
-                <a:tailEnd/>
-              </a14:hiddenLine>
-            </a:ext>
-            <a:ext uri="{AF507438-7753-43E0-B8FC-AC1667EBCBE1}">
-              <a14:hiddenEffects xmlns:a14="http://schemas.microsoft.com/office/drawing/2010/main">
-                <a:effectLst>
-                  <a:outerShdw dist="35921" dir="2700000" algn="ctr" rotWithShape="0">
-                    <a:schemeClr val="bg2"/>
-                  </a:outerShdw>
-                </a:effectLst>
-              </a14:hiddenEffects>
-            </a:ext>
-          </a:extLst>
-        </p:spPr>
-      </p:pic>
-      <p:pic>
-        <p:nvPicPr>
-          <p:cNvPr id="7" name="Content Placeholder 3">
-            <a:extLst>
-              <a:ext uri="{FF2B5EF4-FFF2-40B4-BE49-F238E27FC236}">
-                <a16:creationId xmlns:a16="http://schemas.microsoft.com/office/drawing/2014/main" id="{08CE59F7-0419-2B4B-A84C-E4FD94A3883F}"/>
-              </a:ext>
-            </a:extLst>
-          </p:cNvPr>
-          <p:cNvPicPr>
-            <a:picLocks noChangeAspect="1" noChangeArrowheads="1"/>
-          </p:cNvPicPr>
-          <p:nvPr/>
-        </p:nvPicPr>
-        <p:blipFill rotWithShape="1">
-          <a:blip r:embed="rId2">
-            <a:extLst>
-              <a:ext uri="{28A0092B-C50C-407E-A947-70E740481C1C}">
-                <a14:useLocalDpi xmlns:a14="http://schemas.microsoft.com/office/drawing/2010/main" val="0"/>
-              </a:ext>
-            </a:extLst>
-          </a:blip>
-          <a:srcRect t="41436" b="16"/>
-          <a:stretch>
-            <a:fillRect/>
-          </a:stretch>
-        </p:blipFill>
-        <p:spPr bwMode="auto">
-          <a:xfrm>
-            <a:off x="745475" y="3200400"/>
-            <a:ext cx="7620000" cy="3200400"/>
-          </a:xfrm>
-          <a:prstGeom prst="rect">
-            <a:avLst/>
-          </a:prstGeom>
-          <a:noFill/>
-          <a:ln>
-            <a:noFill/>
-          </a:ln>
-          <a:effectLst/>
-          <a:extLst>
-            <a:ext uri="{909E8E84-426E-40DD-AFC4-6F175D3DCCD1}">
-              <a14:hiddenFill xmlns:a14="http://schemas.microsoft.com/office/drawing/2010/main">
-                <a:solidFill>
-                  <a:schemeClr val="accent1"/>
-                </a:solidFill>
-              </a14:hiddenFill>
-            </a:ext>
-            <a:ext uri="{91240B29-F687-4F45-9708-019B960494DF}">
-              <a14:hiddenLine xmlns:a14="http://schemas.microsoft.com/office/drawing/2010/main" w="9525">
-                <a:solidFill>
-                  <a:schemeClr val="tx1"/>
-                </a:solidFill>
-                <a:miter lim="800000"/>
-                <a:headEnd/>
-                <a:tailEnd/>
-              </a14:hiddenLine>
-            </a:ext>
-            <a:ext uri="{AF507438-7753-43E0-B8FC-AC1667EBCBE1}">
-              <a14:hiddenEffects xmlns:a14="http://schemas.microsoft.com/office/drawing/2010/main">
-                <a:effectLst>
-                  <a:outerShdw dist="35921" dir="2700000" algn="ctr" rotWithShape="0">
-                    <a:schemeClr val="bg2"/>
-                  </a:outerShdw>
-                </a:effectLst>
-              </a14:hiddenEffects>
-            </a:ext>
-          </a:extLst>
-        </p:spPr>
-      </p:pic>
-    </p:spTree>
-    <p:extLst>
-      <p:ext uri="{BB962C8B-B14F-4D97-AF65-F5344CB8AC3E}">
-        <p14:creationId xmlns:p14="http://schemas.microsoft.com/office/powerpoint/2010/main" val="1677339676"/>
-      </p:ext>
-    </p:extLst>
-  </p:cSld>
-  <p:clrMapOvr>
-    <a:masterClrMapping/>
-  </p:clrMapOvr>
-  <p:timing>
-    <p:tnLst>
-      <p:par>
-        <p:cTn id="1" dur="indefinite" restart="never" nodeType="tmRoot">
-          <p:childTnLst>
-            <p:seq concurrent="1" nextAc="seek">
-              <p:cTn id="2" dur="indefinite" nodeType="mainSeq">
-                <p:childTnLst>
-                  <p:par>
-                    <p:cTn id="3" fill="hold">
-                      <p:stCondLst>
-                        <p:cond delay="indefinite"/>
-                      </p:stCondLst>
-                      <p:childTnLst>
-                        <p:par>
-                          <p:cTn id="4" fill="hold">
-                            <p:stCondLst>
-                              <p:cond delay="0"/>
-                            </p:stCondLst>
-                            <p:childTnLst>
-                              <p:par>
-                                <p:cTn id="5" presetID="1" presetClass="entr" presetSubtype="0" fill="hold" nodeType="clickEffect">
-                                  <p:stCondLst>
-                                    <p:cond delay="0"/>
-                                  </p:stCondLst>
-                                  <p:childTnLst>
-                                    <p:set>
-                                      <p:cBhvr>
-                                        <p:cTn id="6" dur="1" fill="hold">
-                                          <p:stCondLst>
-                                            <p:cond delay="0"/>
-                                          </p:stCondLst>
-                                        </p:cTn>
-                                        <p:tgtEl>
-                                          <p:spTgt spid="5"/>
-                                        </p:tgtEl>
-                                        <p:attrNameLst>
-                                          <p:attrName>style.visibility</p:attrName>
-                                        </p:attrNameLst>
-                                      </p:cBhvr>
-                                      <p:to>
-                                        <p:strVal val="visible"/>
-                                      </p:to>
-                                    </p:set>
-                                  </p:childTnLst>
-                                </p:cTn>
-                              </p:par>
-                            </p:childTnLst>
-                          </p:cTn>
-                        </p:par>
-                      </p:childTnLst>
-                    </p:cTn>
-                  </p:par>
-                  <p:par>
-                    <p:cTn id="7" fill="hold">
-                      <p:stCondLst>
-                        <p:cond delay="indefinite"/>
-                      </p:stCondLst>
-                      <p:childTnLst>
-                        <p:par>
-                          <p:cTn id="8" fill="hold">
-                            <p:stCondLst>
-                              <p:cond delay="0"/>
-                            </p:stCondLst>
-                            <p:childTnLst>
-                              <p:par>
-                                <p:cTn id="9" presetID="1" presetClass="entr" presetSubtype="0" fill="hold" nodeType="clickEffect">
-                                  <p:stCondLst>
-                                    <p:cond delay="0"/>
-                                  </p:stCondLst>
-                                  <p:childTnLst>
-                                    <p:set>
-                                      <p:cBhvr>
-                                        <p:cTn id="10" dur="1" fill="hold">
-                                          <p:stCondLst>
-                                            <p:cond delay="0"/>
-                                          </p:stCondLst>
-                                        </p:cTn>
-                                        <p:tgtEl>
-                                          <p:spTgt spid="6"/>
-                                        </p:tgtEl>
-                                        <p:attrNameLst>
-                                          <p:attrName>style.visibility</p:attrName>
-                                        </p:attrNameLst>
-                                      </p:cBhvr>
-                                      <p:to>
-                                        <p:strVal val="visible"/>
-                                      </p:to>
-                                    </p:set>
-                                  </p:childTnLst>
-                                </p:cTn>
-                              </p:par>
-                            </p:childTnLst>
-                          </p:cTn>
-                        </p:par>
-                      </p:childTnLst>
-                    </p:cTn>
-                  </p:par>
-                  <p:par>
-                    <p:cTn id="11" fill="hold">
-                      <p:stCondLst>
-                        <p:cond delay="indefinite"/>
-                      </p:stCondLst>
-                      <p:childTnLst>
-                        <p:par>
-                          <p:cTn id="12" fill="hold">
-                            <p:stCondLst>
-                              <p:cond delay="0"/>
-                            </p:stCondLst>
-                            <p:childTnLst>
-                              <p:par>
-                                <p:cTn id="13" presetID="1" presetClass="entr" presetSubtype="0" fill="hold" nodeType="clickEffect">
-                                  <p:stCondLst>
-                                    <p:cond delay="0"/>
-                                  </p:stCondLst>
-                                  <p:childTnLst>
-                                    <p:set>
-                                      <p:cBhvr>
-                                        <p:cTn id="14" dur="1" fill="hold">
-                                          <p:stCondLst>
-                                            <p:cond delay="0"/>
-                                          </p:stCondLst>
-                                        </p:cTn>
-                                        <p:tgtEl>
-                                          <p:spTgt spid="7"/>
-                                        </p:tgtEl>
-                                        <p:attrNameLst>
-                                          <p:attrName>style.visibility</p:attrName>
-                                        </p:attrNameLst>
-                                      </p:cBhvr>
-                                      <p:to>
-                                        <p:strVal val="visible"/>
-                                      </p:to>
-                                    </p:set>
-                                  </p:childTnLst>
-                                </p:cTn>
-                              </p:par>
-                            </p:childTnLst>
-                          </p:cTn>
-                        </p:par>
-                      </p:childTnLst>
-                    </p:cTn>
-                  </p:par>
-                </p:childTnLst>
-              </p:cTn>
-              <p:prevCondLst>
-                <p:cond evt="onPrev" delay="0">
-                  <p:tgtEl>
-                    <p:sldTgt/>
-                  </p:tgtEl>
-                </p:cond>
-              </p:prevCondLst>
-              <p:nextCondLst>
-                <p:cond evt="onNext" delay="0">
-                  <p:tgtEl>
-                    <p:sldTgt/>
-                  </p:tgtEl>
-                </p:cond>
-              </p:nextCondLst>
-            </p:seq>
-          </p:childTnLst>
-        </p:cTn>
-      </p:par>
-    </p:tnLst>
-  </p:timing>
-</p:sld>
-</file>
-
-<file path=ppt/slides/slide12.xml><?xml version="1.0" encoding="utf-8"?>
-<p:sld xmlns:a="http://schemas.openxmlformats.org/drawingml/2006/main" xmlns:r="http://schemas.openxmlformats.org/officeDocument/2006/relationships" xmlns:p="http://schemas.openxmlformats.org/presentationml/2006/main">
-  <p:cSld>
-    <p:spTree>
-      <p:nvGrpSpPr>
-        <p:cNvPr id="1" name=""/>
-        <p:cNvGrpSpPr/>
-        <p:nvPr/>
-      </p:nvGrpSpPr>
-      <p:grpSpPr>
-        <a:xfrm>
-          <a:off x="0" y="0"/>
-          <a:ext cx="0" cy="0"/>
-          <a:chOff x="0" y="0"/>
-          <a:chExt cx="0" cy="0"/>
-        </a:xfrm>
-      </p:grpSpPr>
-      <p:sp>
-        <p:nvSpPr>
-          <p:cNvPr id="3" name="Content Placeholder 2">
-            <a:extLst>
-              <a:ext uri="{FF2B5EF4-FFF2-40B4-BE49-F238E27FC236}">
-                <a16:creationId xmlns:a16="http://schemas.microsoft.com/office/drawing/2014/main" id="{F89DCE74-BF64-01B9-5674-B16217F767D9}"/>
-              </a:ext>
-            </a:extLst>
-          </p:cNvPr>
-          <p:cNvSpPr>
-            <a:spLocks noGrp="1"/>
-          </p:cNvSpPr>
-          <p:nvPr>
-            <p:ph sz="quarter" idx="10"/>
-          </p:nvPr>
-        </p:nvSpPr>
-        <p:spPr/>
-        <p:txBody>
-          <a:bodyPr/>
-          <a:lstStyle/>
-          <a:p>
-            <a:r>
-              <a:rPr lang="en-US" dirty="0"/>
-              <a:t>Where should the system go from D?</a:t>
-            </a:r>
-            <a:endParaRPr lang="en-IN" dirty="0"/>
-          </a:p>
-        </p:txBody>
-      </p:sp>
-      <p:pic>
-        <p:nvPicPr>
-          <p:cNvPr id="4" name="Content Placeholder 3">
-            <a:extLst>
-              <a:ext uri="{FF2B5EF4-FFF2-40B4-BE49-F238E27FC236}">
-                <a16:creationId xmlns:a16="http://schemas.microsoft.com/office/drawing/2014/main" id="{68882F8B-C05E-6655-96AE-F55D08BED2EB}"/>
-              </a:ext>
-            </a:extLst>
-          </p:cNvPr>
-          <p:cNvPicPr>
-            <a:picLocks noGrp="1" noChangeAspect="1" noChangeArrowheads="1"/>
-          </p:cNvPicPr>
-          <p:nvPr>
-            <p:ph idx="1"/>
-          </p:nvPr>
-        </p:nvPicPr>
-        <p:blipFill rotWithShape="1">
-          <a:blip r:embed="rId2">
-            <a:extLst>
-              <a:ext uri="{28A0092B-C50C-407E-A947-70E740481C1C}">
-                <a14:useLocalDpi xmlns:a14="http://schemas.microsoft.com/office/drawing/2010/main" val="0"/>
-              </a:ext>
-            </a:extLst>
-          </a:blip>
-          <a:srcRect t="20130" b="1166"/>
-          <a:stretch>
-            <a:fillRect/>
-          </a:stretch>
-        </p:blipFill>
-        <p:spPr bwMode="auto">
-          <a:xfrm>
-            <a:off x="632473" y="1752600"/>
-            <a:ext cx="7879054" cy="4343400"/>
-          </a:xfrm>
-          <a:prstGeom prst="rect">
-            <a:avLst/>
-          </a:prstGeom>
-          <a:noFill/>
-          <a:ln>
-            <a:noFill/>
-          </a:ln>
-          <a:effectLst/>
-          <a:extLst>
-            <a:ext uri="{909E8E84-426E-40DD-AFC4-6F175D3DCCD1}">
-              <a14:hiddenFill xmlns:a14="http://schemas.microsoft.com/office/drawing/2010/main">
-                <a:solidFill>
-                  <a:schemeClr val="accent1"/>
-                </a:solidFill>
-              </a14:hiddenFill>
-            </a:ext>
-            <a:ext uri="{91240B29-F687-4F45-9708-019B960494DF}">
-              <a14:hiddenLine xmlns:a14="http://schemas.microsoft.com/office/drawing/2010/main" w="9525">
-                <a:solidFill>
-                  <a:schemeClr val="tx1"/>
-                </a:solidFill>
-                <a:miter lim="800000"/>
-                <a:headEnd/>
-                <a:tailEnd/>
-              </a14:hiddenLine>
-            </a:ext>
-            <a:ext uri="{AF507438-7753-43E0-B8FC-AC1667EBCBE1}">
-              <a14:hiddenEffects xmlns:a14="http://schemas.microsoft.com/office/drawing/2010/main">
-                <a:effectLst>
-                  <a:outerShdw dist="35921" dir="2700000" algn="ctr" rotWithShape="0">
-                    <a:schemeClr val="bg2"/>
-                  </a:outerShdw>
-                </a:effectLst>
-              </a14:hiddenEffects>
-            </a:ext>
-          </a:extLst>
-        </p:spPr>
-      </p:pic>
-    </p:spTree>
-    <p:extLst>
-      <p:ext uri="{BB962C8B-B14F-4D97-AF65-F5344CB8AC3E}">
-        <p14:creationId xmlns:p14="http://schemas.microsoft.com/office/powerpoint/2010/main" val="571336449"/>
-      </p:ext>
-    </p:extLst>
-  </p:cSld>
-  <p:clrMapOvr>
-    <a:masterClrMapping/>
-  </p:clrMapOvr>
-  <p:timing>
-    <p:tnLst>
-      <p:par>
-        <p:cTn id="1" dur="indefinite" restart="never" nodeType="tmRoot">
-          <p:childTnLst>
-            <p:seq concurrent="1" nextAc="seek">
-              <p:cTn id="2" dur="indefinite" nodeType="mainSeq">
-                <p:childTnLst>
-                  <p:par>
-                    <p:cTn id="3" fill="hold">
-                      <p:stCondLst>
-                        <p:cond delay="indefinite"/>
-                      </p:stCondLst>
-                      <p:childTnLst>
-                        <p:par>
-                          <p:cTn id="4" fill="hold">
-                            <p:stCondLst>
-                              <p:cond delay="0"/>
-                            </p:stCondLst>
-                            <p:childTnLst>
-                              <p:par>
-                                <p:cTn id="5" presetID="1" presetClass="entr" presetSubtype="0" fill="hold" nodeType="clickEffect">
-                                  <p:stCondLst>
-                                    <p:cond delay="0"/>
-                                  </p:stCondLst>
-                                  <p:childTnLst>
-                                    <p:set>
-                                      <p:cBhvr>
-                                        <p:cTn id="6" dur="1" fill="hold">
-                                          <p:stCondLst>
-                                            <p:cond delay="0"/>
-                                          </p:stCondLst>
-                                        </p:cTn>
-                                        <p:tgtEl>
-                                          <p:spTgt spid="4"/>
-                                        </p:tgtEl>
-                                        <p:attrNameLst>
-                                          <p:attrName>style.visibility</p:attrName>
-                                        </p:attrNameLst>
-                                      </p:cBhvr>
-                                      <p:to>
-                                        <p:strVal val="visible"/>
-                                      </p:to>
-                                    </p:set>
-                                  </p:childTnLst>
-                                </p:cTn>
-                              </p:par>
-                            </p:childTnLst>
-                          </p:cTn>
-                        </p:par>
-                      </p:childTnLst>
-                    </p:cTn>
-                  </p:par>
-                </p:childTnLst>
-              </p:cTn>
-              <p:prevCondLst>
-                <p:cond evt="onPrev" delay="0">
-                  <p:tgtEl>
-                    <p:sldTgt/>
-                  </p:tgtEl>
-                </p:cond>
-              </p:prevCondLst>
-              <p:nextCondLst>
-                <p:cond evt="onNext" delay="0">
-                  <p:tgtEl>
-                    <p:sldTgt/>
-                  </p:tgtEl>
-                </p:cond>
-              </p:nextCondLst>
-            </p:seq>
-          </p:childTnLst>
-        </p:cTn>
-      </p:par>
-    </p:tnLst>
-  </p:timing>
-</p:sld>
-</file>
-
-<file path=ppt/slides/slide13.xml><?xml version="1.0" encoding="utf-8"?>
-<p:sld xmlns:a="http://schemas.openxmlformats.org/drawingml/2006/main" xmlns:r="http://schemas.openxmlformats.org/officeDocument/2006/relationships" xmlns:p="http://schemas.openxmlformats.org/presentationml/2006/main">
-  <p:cSld>
-    <p:spTree>
-      <p:nvGrpSpPr>
-        <p:cNvPr id="1" name=""/>
-        <p:cNvGrpSpPr/>
-        <p:nvPr/>
-      </p:nvGrpSpPr>
-      <p:grpSpPr>
-        <a:xfrm>
-          <a:off x="0" y="0"/>
-          <a:ext cx="0" cy="0"/>
-          <a:chOff x="0" y="0"/>
-          <a:chExt cx="0" cy="0"/>
-        </a:xfrm>
-      </p:grpSpPr>
-      <p:sp>
-        <p:nvSpPr>
-          <p:cNvPr id="3" name="Content Placeholder 2">
-            <a:extLst>
-              <a:ext uri="{FF2B5EF4-FFF2-40B4-BE49-F238E27FC236}">
-                <a16:creationId xmlns:a16="http://schemas.microsoft.com/office/drawing/2014/main" id="{7D06988C-9EB6-3C1A-F8F6-C06729E50B90}"/>
-              </a:ext>
-            </a:extLst>
-          </p:cNvPr>
-          <p:cNvSpPr>
-            <a:spLocks noGrp="1"/>
-          </p:cNvSpPr>
-          <p:nvPr>
-            <p:ph sz="quarter" idx="10"/>
-          </p:nvPr>
-        </p:nvSpPr>
-        <p:spPr/>
-        <p:txBody>
-          <a:bodyPr/>
-          <a:lstStyle/>
-          <a:p>
-            <a:r>
-              <a:rPr lang="en-US" dirty="0"/>
-              <a:t>What about other state transitions?</a:t>
-            </a:r>
-            <a:endParaRPr lang="en-IN" dirty="0"/>
-          </a:p>
-        </p:txBody>
-      </p:sp>
-      <p:pic>
-        <p:nvPicPr>
-          <p:cNvPr id="4" name="Content Placeholder 3">
-            <a:extLst>
-              <a:ext uri="{FF2B5EF4-FFF2-40B4-BE49-F238E27FC236}">
-                <a16:creationId xmlns:a16="http://schemas.microsoft.com/office/drawing/2014/main" id="{1FC35A1F-851F-067D-8819-BC79DB47D62C}"/>
-              </a:ext>
-            </a:extLst>
-          </p:cNvPr>
-          <p:cNvPicPr>
-            <a:picLocks noGrp="1" noChangeAspect="1" noChangeArrowheads="1"/>
-          </p:cNvPicPr>
-          <p:nvPr>
-            <p:ph idx="1"/>
-          </p:nvPr>
-        </p:nvPicPr>
-        <p:blipFill rotWithShape="1">
-          <a:blip r:embed="rId2">
-            <a:extLst>
-              <a:ext uri="{28A0092B-C50C-407E-A947-70E740481C1C}">
-                <a14:useLocalDpi xmlns:a14="http://schemas.microsoft.com/office/drawing/2010/main" val="0"/>
-              </a:ext>
-            </a:extLst>
-          </a:blip>
-          <a:srcRect t="9084"/>
-          <a:stretch>
-            <a:fillRect/>
-          </a:stretch>
-        </p:blipFill>
-        <p:spPr bwMode="auto">
-          <a:xfrm>
-            <a:off x="723900" y="1447800"/>
-            <a:ext cx="7696200" cy="4947491"/>
-          </a:xfrm>
-          <a:prstGeom prst="rect">
-            <a:avLst/>
-          </a:prstGeom>
-          <a:noFill/>
-          <a:ln>
-            <a:noFill/>
-          </a:ln>
-          <a:effectLst/>
-          <a:extLst>
-            <a:ext uri="{909E8E84-426E-40DD-AFC4-6F175D3DCCD1}">
-              <a14:hiddenFill xmlns:a14="http://schemas.microsoft.com/office/drawing/2010/main">
-                <a:solidFill>
-                  <a:schemeClr val="accent1"/>
-                </a:solidFill>
-              </a14:hiddenFill>
-            </a:ext>
-            <a:ext uri="{91240B29-F687-4F45-9708-019B960494DF}">
-              <a14:hiddenLine xmlns:a14="http://schemas.microsoft.com/office/drawing/2010/main" w="9525">
-                <a:solidFill>
-                  <a:schemeClr val="tx1"/>
-                </a:solidFill>
-                <a:miter lim="800000"/>
-                <a:headEnd/>
-                <a:tailEnd/>
-              </a14:hiddenLine>
-            </a:ext>
-            <a:ext uri="{AF507438-7753-43E0-B8FC-AC1667EBCBE1}">
-              <a14:hiddenEffects xmlns:a14="http://schemas.microsoft.com/office/drawing/2010/main">
-                <a:effectLst>
-                  <a:outerShdw dist="35921" dir="2700000" algn="ctr" rotWithShape="0">
-                    <a:schemeClr val="bg2"/>
-                  </a:outerShdw>
-                </a:effectLst>
-              </a14:hiddenEffects>
-            </a:ext>
-          </a:extLst>
-        </p:spPr>
-      </p:pic>
-    </p:spTree>
-    <p:extLst>
-      <p:ext uri="{BB962C8B-B14F-4D97-AF65-F5344CB8AC3E}">
-        <p14:creationId xmlns:p14="http://schemas.microsoft.com/office/powerpoint/2010/main" val="2046517697"/>
-      </p:ext>
-    </p:extLst>
-  </p:cSld>
-  <p:clrMapOvr>
-    <a:masterClrMapping/>
-  </p:clrMapOvr>
-  <p:timing>
-    <p:tnLst>
-      <p:par>
-        <p:cTn id="1" dur="indefinite" restart="never" nodeType="tmRoot">
-          <p:childTnLst>
-            <p:seq concurrent="1" nextAc="seek">
-              <p:cTn id="2" dur="indefinite" nodeType="mainSeq">
-                <p:childTnLst>
-                  <p:par>
-                    <p:cTn id="3" fill="hold">
-                      <p:stCondLst>
-                        <p:cond delay="indefinite"/>
-                      </p:stCondLst>
-                      <p:childTnLst>
-                        <p:par>
-                          <p:cTn id="4" fill="hold">
-                            <p:stCondLst>
-                              <p:cond delay="0"/>
-                            </p:stCondLst>
-                            <p:childTnLst>
-                              <p:par>
-                                <p:cTn id="5" presetID="1" presetClass="entr" presetSubtype="0" fill="hold" nodeType="clickEffect">
-                                  <p:stCondLst>
-                                    <p:cond delay="0"/>
-                                  </p:stCondLst>
-                                  <p:childTnLst>
-                                    <p:set>
-                                      <p:cBhvr>
-                                        <p:cTn id="6" dur="1" fill="hold">
-                                          <p:stCondLst>
-                                            <p:cond delay="0"/>
-                                          </p:stCondLst>
-                                        </p:cTn>
-                                        <p:tgtEl>
-                                          <p:spTgt spid="4"/>
-                                        </p:tgtEl>
-                                        <p:attrNameLst>
-                                          <p:attrName>style.visibility</p:attrName>
-                                        </p:attrNameLst>
-                                      </p:cBhvr>
-                                      <p:to>
-                                        <p:strVal val="visible"/>
-                                      </p:to>
-                                    </p:set>
-                                  </p:childTnLst>
-                                </p:cTn>
-                              </p:par>
-                            </p:childTnLst>
-                          </p:cTn>
-                        </p:par>
-                      </p:childTnLst>
-                    </p:cTn>
-                  </p:par>
-                </p:childTnLst>
-              </p:cTn>
-              <p:prevCondLst>
-                <p:cond evt="onPrev" delay="0">
-                  <p:tgtEl>
-                    <p:sldTgt/>
-                  </p:tgtEl>
-                </p:cond>
-              </p:prevCondLst>
-              <p:nextCondLst>
-                <p:cond evt="onNext" delay="0">
-                  <p:tgtEl>
-                    <p:sldTgt/>
-                  </p:tgtEl>
-                </p:cond>
-              </p:nextCondLst>
-            </p:seq>
-          </p:childTnLst>
-        </p:cTn>
-      </p:par>
-    </p:tnLst>
-  </p:timing>
-</p:sld>
-</file>
-
-<file path=ppt/slides/slide14.xml><?xml version="1.0" encoding="utf-8"?>
-<p:sld xmlns:a="http://schemas.openxmlformats.org/drawingml/2006/main" xmlns:r="http://schemas.openxmlformats.org/officeDocument/2006/relationships" xmlns:p="http://schemas.openxmlformats.org/presentationml/2006/main">
-  <p:cSld>
-    <p:spTree>
-      <p:nvGrpSpPr>
-        <p:cNvPr id="1" name=""/>
-        <p:cNvGrpSpPr/>
-        <p:nvPr/>
-      </p:nvGrpSpPr>
-      <p:grpSpPr>
-        <a:xfrm>
-          <a:off x="0" y="0"/>
-          <a:ext cx="0" cy="0"/>
-          <a:chOff x="0" y="0"/>
-          <a:chExt cx="0" cy="0"/>
-        </a:xfrm>
-      </p:grpSpPr>
-      <p:sp>
-        <p:nvSpPr>
-          <p:cNvPr id="3" name="Content Placeholder 2">
-            <a:extLst>
-              <a:ext uri="{FF2B5EF4-FFF2-40B4-BE49-F238E27FC236}">
-                <a16:creationId xmlns:a16="http://schemas.microsoft.com/office/drawing/2014/main" id="{0C1E8BD9-0B24-6E61-BCE0-26A7114B634E}"/>
-              </a:ext>
-            </a:extLst>
-          </p:cNvPr>
-          <p:cNvSpPr>
-            <a:spLocks noGrp="1"/>
-          </p:cNvSpPr>
-          <p:nvPr>
-            <p:ph sz="quarter" idx="10"/>
-          </p:nvPr>
-        </p:nvSpPr>
-        <p:spPr/>
-        <p:txBody>
-          <a:bodyPr/>
-          <a:lstStyle/>
-          <a:p>
-            <a:r>
-              <a:rPr lang="en-US" dirty="0"/>
-              <a:t>Step 1.2: make the state table</a:t>
-            </a:r>
-            <a:endParaRPr lang="en-IN" dirty="0"/>
-          </a:p>
-        </p:txBody>
-      </p:sp>
-      <p:pic>
-        <p:nvPicPr>
-          <p:cNvPr id="4" name="Content Placeholder 3">
-            <a:extLst>
-              <a:ext uri="{FF2B5EF4-FFF2-40B4-BE49-F238E27FC236}">
-                <a16:creationId xmlns:a16="http://schemas.microsoft.com/office/drawing/2014/main" id="{1C0D8FA1-66DB-CC8C-9D50-CC1BE1F6E86D}"/>
-              </a:ext>
-            </a:extLst>
-          </p:cNvPr>
-          <p:cNvPicPr>
-            <a:picLocks noGrp="1" noChangeAspect="1" noChangeArrowheads="1"/>
-          </p:cNvPicPr>
-          <p:nvPr>
-            <p:ph idx="1"/>
-          </p:nvPr>
-        </p:nvPicPr>
-        <p:blipFill rotWithShape="1">
-          <a:blip r:embed="rId2">
-            <a:extLst>
-              <a:ext uri="{28A0092B-C50C-407E-A947-70E740481C1C}">
-                <a14:useLocalDpi xmlns:a14="http://schemas.microsoft.com/office/drawing/2010/main" val="0"/>
-              </a:ext>
-            </a:extLst>
-          </a:blip>
-          <a:srcRect t="10768"/>
-          <a:stretch>
-            <a:fillRect/>
-          </a:stretch>
-        </p:blipFill>
-        <p:spPr bwMode="auto">
-          <a:xfrm>
-            <a:off x="639989" y="1524000"/>
-            <a:ext cx="7864022" cy="5010841"/>
-          </a:xfrm>
-          <a:prstGeom prst="rect">
-            <a:avLst/>
-          </a:prstGeom>
-          <a:noFill/>
-          <a:ln>
-            <a:noFill/>
-          </a:ln>
-          <a:effectLst/>
-          <a:extLst>
-            <a:ext uri="{909E8E84-426E-40DD-AFC4-6F175D3DCCD1}">
-              <a14:hiddenFill xmlns:a14="http://schemas.microsoft.com/office/drawing/2010/main">
-                <a:solidFill>
-                  <a:schemeClr val="accent1"/>
-                </a:solidFill>
-              </a14:hiddenFill>
-            </a:ext>
-            <a:ext uri="{91240B29-F687-4F45-9708-019B960494DF}">
-              <a14:hiddenLine xmlns:a14="http://schemas.microsoft.com/office/drawing/2010/main" w="9525">
-                <a:solidFill>
-                  <a:schemeClr val="tx1"/>
-                </a:solidFill>
-                <a:miter lim="800000"/>
-                <a:headEnd/>
-                <a:tailEnd/>
-              </a14:hiddenLine>
-            </a:ext>
-            <a:ext uri="{AF507438-7753-43E0-B8FC-AC1667EBCBE1}">
-              <a14:hiddenEffects xmlns:a14="http://schemas.microsoft.com/office/drawing/2010/main">
-                <a:effectLst>
-                  <a:outerShdw dist="35921" dir="2700000" algn="ctr" rotWithShape="0">
-                    <a:schemeClr val="bg2"/>
-                  </a:outerShdw>
-                </a:effectLst>
-              </a14:hiddenEffects>
-            </a:ext>
-          </a:extLst>
-        </p:spPr>
-      </p:pic>
-    </p:spTree>
-    <p:extLst>
-      <p:ext uri="{BB962C8B-B14F-4D97-AF65-F5344CB8AC3E}">
-        <p14:creationId xmlns:p14="http://schemas.microsoft.com/office/powerpoint/2010/main" val="4141310648"/>
-      </p:ext>
-    </p:extLst>
-  </p:cSld>
-  <p:clrMapOvr>
-    <a:masterClrMapping/>
-  </p:clrMapOvr>
-  <p:timing>
-    <p:tnLst>
-      <p:par>
-        <p:cTn id="1" dur="indefinite" restart="never" nodeType="tmRoot">
-          <p:childTnLst>
-            <p:seq concurrent="1" nextAc="seek">
-              <p:cTn id="2" dur="indefinite" nodeType="mainSeq">
-                <p:childTnLst>
-                  <p:par>
-                    <p:cTn id="3" fill="hold">
-                      <p:stCondLst>
-                        <p:cond delay="indefinite"/>
-                      </p:stCondLst>
-                      <p:childTnLst>
-                        <p:par>
-                          <p:cTn id="4" fill="hold">
-                            <p:stCondLst>
-                              <p:cond delay="0"/>
-                            </p:stCondLst>
-                            <p:childTnLst>
-                              <p:par>
-                                <p:cTn id="5" presetID="1" presetClass="entr" presetSubtype="0" fill="hold" nodeType="clickEffect">
-                                  <p:stCondLst>
-                                    <p:cond delay="0"/>
-                                  </p:stCondLst>
-                                  <p:childTnLst>
-                                    <p:set>
-                                      <p:cBhvr>
-                                        <p:cTn id="6" dur="1" fill="hold">
-                                          <p:stCondLst>
-                                            <p:cond delay="0"/>
-                                          </p:stCondLst>
-                                        </p:cTn>
-                                        <p:tgtEl>
-                                          <p:spTgt spid="4"/>
-                                        </p:tgtEl>
-                                        <p:attrNameLst>
-                                          <p:attrName>style.visibility</p:attrName>
-                                        </p:attrNameLst>
-                                      </p:cBhvr>
-                                      <p:to>
-                                        <p:strVal val="visible"/>
-                                      </p:to>
-                                    </p:set>
-                                  </p:childTnLst>
-                                </p:cTn>
-                              </p:par>
-                            </p:childTnLst>
-                          </p:cTn>
-                        </p:par>
-                      </p:childTnLst>
-                    </p:cTn>
-                  </p:par>
-                </p:childTnLst>
-              </p:cTn>
-              <p:prevCondLst>
-                <p:cond evt="onPrev" delay="0">
-                  <p:tgtEl>
-                    <p:sldTgt/>
-                  </p:tgtEl>
-                </p:cond>
-              </p:prevCondLst>
-              <p:nextCondLst>
-                <p:cond evt="onNext" delay="0">
-                  <p:tgtEl>
-                    <p:sldTgt/>
-                  </p:tgtEl>
-                </p:cond>
-              </p:nextCondLst>
-            </p:seq>
-          </p:childTnLst>
-        </p:cTn>
-      </p:par>
-    </p:tnLst>
-  </p:timing>
-</p:sld>
-</file>
-
-<file path=ppt/slides/slide15.xml><?xml version="1.0" encoding="utf-8"?>
-<p:sld xmlns:a="http://schemas.openxmlformats.org/drawingml/2006/main" xmlns:r="http://schemas.openxmlformats.org/officeDocument/2006/relationships" xmlns:p="http://schemas.openxmlformats.org/presentationml/2006/main">
-  <p:cSld>
-    <p:spTree>
-      <p:nvGrpSpPr>
-        <p:cNvPr id="1" name=""/>
-        <p:cNvGrpSpPr/>
-        <p:nvPr/>
-      </p:nvGrpSpPr>
-      <p:grpSpPr>
-        <a:xfrm>
-          <a:off x="0" y="0"/>
-          <a:ext cx="0" cy="0"/>
-          <a:chOff x="0" y="0"/>
-          <a:chExt cx="0" cy="0"/>
-        </a:xfrm>
-      </p:grpSpPr>
-      <p:sp>
-        <p:nvSpPr>
-          <p:cNvPr id="3" name="Content Placeholder 2">
-            <a:extLst>
-              <a:ext uri="{FF2B5EF4-FFF2-40B4-BE49-F238E27FC236}">
-                <a16:creationId xmlns:a16="http://schemas.microsoft.com/office/drawing/2014/main" id="{6CDB3BCE-F78C-2037-098A-D3507E080A87}"/>
-              </a:ext>
-            </a:extLst>
-          </p:cNvPr>
-          <p:cNvSpPr>
-            <a:spLocks noGrp="1"/>
-          </p:cNvSpPr>
-          <p:nvPr>
-            <p:ph sz="quarter" idx="10"/>
-          </p:nvPr>
-        </p:nvSpPr>
-        <p:spPr/>
-        <p:txBody>
-          <a:bodyPr/>
-          <a:lstStyle/>
-          <a:p>
-            <a:r>
-              <a:rPr lang="en-US" dirty="0"/>
-              <a:t>Step 2: Assign binary codes to states (to store them in flip-flops)</a:t>
-            </a:r>
-            <a:endParaRPr lang="en-IN" dirty="0"/>
-          </a:p>
-        </p:txBody>
-      </p:sp>
-      <p:pic>
-        <p:nvPicPr>
-          <p:cNvPr id="4" name="Content Placeholder 3">
-            <a:extLst>
-              <a:ext uri="{FF2B5EF4-FFF2-40B4-BE49-F238E27FC236}">
-                <a16:creationId xmlns:a16="http://schemas.microsoft.com/office/drawing/2014/main" id="{E2B777B5-7DC9-DDFE-011F-AA1024F68EAB}"/>
-              </a:ext>
-            </a:extLst>
-          </p:cNvPr>
-          <p:cNvPicPr>
-            <a:picLocks noGrp="1" noChangeAspect="1" noChangeArrowheads="1"/>
-          </p:cNvPicPr>
-          <p:nvPr>
-            <p:ph idx="1"/>
-          </p:nvPr>
-        </p:nvPicPr>
-        <p:blipFill rotWithShape="1">
-          <a:blip r:embed="rId2">
-            <a:extLst>
-              <a:ext uri="{28A0092B-C50C-407E-A947-70E740481C1C}">
-                <a14:useLocalDpi xmlns:a14="http://schemas.microsoft.com/office/drawing/2010/main" val="0"/>
-              </a:ext>
-            </a:extLst>
-          </a:blip>
-          <a:srcRect t="10768"/>
-          <a:stretch>
-            <a:fillRect/>
-          </a:stretch>
-        </p:blipFill>
-        <p:spPr bwMode="auto">
-          <a:xfrm>
-            <a:off x="533400" y="1524000"/>
-            <a:ext cx="8077200" cy="5022036"/>
-          </a:xfrm>
-          <a:prstGeom prst="rect">
-            <a:avLst/>
-          </a:prstGeom>
-          <a:noFill/>
-          <a:ln>
-            <a:noFill/>
-          </a:ln>
-          <a:effectLst/>
-          <a:extLst>
-            <a:ext uri="{909E8E84-426E-40DD-AFC4-6F175D3DCCD1}">
-              <a14:hiddenFill xmlns:a14="http://schemas.microsoft.com/office/drawing/2010/main">
-                <a:solidFill>
-                  <a:schemeClr val="accent1"/>
-                </a:solidFill>
-              </a14:hiddenFill>
-            </a:ext>
-            <a:ext uri="{91240B29-F687-4F45-9708-019B960494DF}">
-              <a14:hiddenLine xmlns:a14="http://schemas.microsoft.com/office/drawing/2010/main" w="9525">
-                <a:solidFill>
-                  <a:schemeClr val="tx1"/>
-                </a:solidFill>
-                <a:miter lim="800000"/>
-                <a:headEnd/>
-                <a:tailEnd/>
-              </a14:hiddenLine>
-            </a:ext>
-            <a:ext uri="{AF507438-7753-43E0-B8FC-AC1667EBCBE1}">
-              <a14:hiddenEffects xmlns:a14="http://schemas.microsoft.com/office/drawing/2010/main">
-                <a:effectLst>
-                  <a:outerShdw dist="35921" dir="2700000" algn="ctr" rotWithShape="0">
-                    <a:schemeClr val="bg2"/>
-                  </a:outerShdw>
-                </a:effectLst>
-              </a14:hiddenEffects>
-            </a:ext>
-          </a:extLst>
-        </p:spPr>
-      </p:pic>
-    </p:spTree>
-    <p:extLst>
-      <p:ext uri="{BB962C8B-B14F-4D97-AF65-F5344CB8AC3E}">
-        <p14:creationId xmlns:p14="http://schemas.microsoft.com/office/powerpoint/2010/main" val="3893181007"/>
-      </p:ext>
-    </p:extLst>
-  </p:cSld>
-  <p:clrMapOvr>
-    <a:masterClrMapping/>
-  </p:clrMapOvr>
-  <p:timing>
-    <p:tnLst>
-      <p:par>
-        <p:cTn id="1" dur="indefinite" restart="never" nodeType="tmRoot">
-          <p:childTnLst>
-            <p:seq concurrent="1" nextAc="seek">
-              <p:cTn id="2" dur="indefinite" nodeType="mainSeq">
-                <p:childTnLst>
-                  <p:par>
-                    <p:cTn id="3" fill="hold">
-                      <p:stCondLst>
-                        <p:cond delay="indefinite"/>
-                      </p:stCondLst>
-                      <p:childTnLst>
-                        <p:par>
-                          <p:cTn id="4" fill="hold">
-                            <p:stCondLst>
-                              <p:cond delay="0"/>
-                            </p:stCondLst>
-                            <p:childTnLst>
-                              <p:par>
-                                <p:cTn id="5" presetID="1" presetClass="entr" presetSubtype="0" fill="hold" nodeType="clickEffect">
-                                  <p:stCondLst>
-                                    <p:cond delay="0"/>
-                                  </p:stCondLst>
-                                  <p:childTnLst>
-                                    <p:set>
-                                      <p:cBhvr>
-                                        <p:cTn id="6" dur="1" fill="hold">
-                                          <p:stCondLst>
-                                            <p:cond delay="0"/>
-                                          </p:stCondLst>
-                                        </p:cTn>
-                                        <p:tgtEl>
-                                          <p:spTgt spid="4"/>
-                                        </p:tgtEl>
-                                        <p:attrNameLst>
-                                          <p:attrName>style.visibility</p:attrName>
-                                        </p:attrNameLst>
-                                      </p:cBhvr>
-                                      <p:to>
-                                        <p:strVal val="visible"/>
-                                      </p:to>
-                                    </p:set>
-                                  </p:childTnLst>
-                                </p:cTn>
-                              </p:par>
-                            </p:childTnLst>
-                          </p:cTn>
-                        </p:par>
-                      </p:childTnLst>
-                    </p:cTn>
-                  </p:par>
-                </p:childTnLst>
-              </p:cTn>
-              <p:prevCondLst>
-                <p:cond evt="onPrev" delay="0">
-                  <p:tgtEl>
-                    <p:sldTgt/>
-                  </p:tgtEl>
-                </p:cond>
-              </p:prevCondLst>
-              <p:nextCondLst>
-                <p:cond evt="onNext" delay="0">
-                  <p:tgtEl>
-                    <p:sldTgt/>
-                  </p:tgtEl>
-                </p:cond>
-              </p:nextCondLst>
-            </p:seq>
-          </p:childTnLst>
-        </p:cTn>
-      </p:par>
-    </p:tnLst>
-  </p:timing>
-</p:sld>
-</file>
-
-<file path=ppt/slides/slide16.xml><?xml version="1.0" encoding="utf-8"?>
-<p:sld xmlns:a="http://schemas.openxmlformats.org/drawingml/2006/main" xmlns:r="http://schemas.openxmlformats.org/officeDocument/2006/relationships" xmlns:p="http://schemas.openxmlformats.org/presentationml/2006/main">
-  <p:cSld>
-    <p:spTree>
-      <p:nvGrpSpPr>
-        <p:cNvPr id="1" name=""/>
-        <p:cNvGrpSpPr/>
-        <p:nvPr/>
-      </p:nvGrpSpPr>
-      <p:grpSpPr>
-        <a:xfrm>
-          <a:off x="0" y="0"/>
-          <a:ext cx="0" cy="0"/>
-          <a:chOff x="0" y="0"/>
-          <a:chExt cx="0" cy="0"/>
-        </a:xfrm>
-      </p:grpSpPr>
-      <p:sp>
-        <p:nvSpPr>
-          <p:cNvPr id="3" name="Content Placeholder 2">
-            <a:extLst>
-              <a:ext uri="{FF2B5EF4-FFF2-40B4-BE49-F238E27FC236}">
-                <a16:creationId xmlns:a16="http://schemas.microsoft.com/office/drawing/2014/main" id="{71675B9A-4CD8-A33B-48EF-0F07DDF7969A}"/>
-              </a:ext>
-            </a:extLst>
-          </p:cNvPr>
-          <p:cNvSpPr>
-            <a:spLocks noGrp="1"/>
-          </p:cNvSpPr>
-          <p:nvPr>
-            <p:ph sz="quarter" idx="10"/>
-          </p:nvPr>
-        </p:nvSpPr>
-        <p:spPr/>
-        <p:txBody>
-          <a:bodyPr/>
-          <a:lstStyle/>
-          <a:p>
-            <a:r>
-              <a:rPr lang="en-US" dirty="0"/>
-              <a:t>Step 3: Find flip-flop input values</a:t>
-            </a:r>
-            <a:endParaRPr lang="en-IN" dirty="0"/>
-          </a:p>
-        </p:txBody>
-      </p:sp>
-      <p:pic>
-        <p:nvPicPr>
-          <p:cNvPr id="4" name="Content Placeholder 3">
-            <a:extLst>
-              <a:ext uri="{FF2B5EF4-FFF2-40B4-BE49-F238E27FC236}">
-                <a16:creationId xmlns:a16="http://schemas.microsoft.com/office/drawing/2014/main" id="{24ECB99D-0C58-82B1-684D-875170A1121C}"/>
-              </a:ext>
-            </a:extLst>
-          </p:cNvPr>
-          <p:cNvPicPr>
-            <a:picLocks noGrp="1" noChangeAspect="1" noChangeArrowheads="1"/>
-          </p:cNvPicPr>
-          <p:nvPr>
-            <p:ph idx="1"/>
-          </p:nvPr>
-        </p:nvPicPr>
-        <p:blipFill rotWithShape="1">
-          <a:blip r:embed="rId2">
-            <a:extLst>
-              <a:ext uri="{28A0092B-C50C-407E-A947-70E740481C1C}">
-                <a14:useLocalDpi xmlns:a14="http://schemas.microsoft.com/office/drawing/2010/main" val="0"/>
-              </a:ext>
-            </a:extLst>
-          </a:blip>
-          <a:srcRect t="10666" b="73414"/>
-          <a:stretch>
-            <a:fillRect/>
-          </a:stretch>
-        </p:blipFill>
-        <p:spPr bwMode="auto">
-          <a:xfrm>
-            <a:off x="342900" y="1447800"/>
-            <a:ext cx="8458200" cy="914400"/>
-          </a:xfrm>
-          <a:prstGeom prst="rect">
-            <a:avLst/>
-          </a:prstGeom>
-          <a:noFill/>
-          <a:ln>
-            <a:noFill/>
-          </a:ln>
-          <a:effectLst/>
-          <a:extLst>
-            <a:ext uri="{909E8E84-426E-40DD-AFC4-6F175D3DCCD1}">
-              <a14:hiddenFill xmlns:a14="http://schemas.microsoft.com/office/drawing/2010/main">
-                <a:solidFill>
-                  <a:schemeClr val="accent1"/>
-                </a:solidFill>
-              </a14:hiddenFill>
-            </a:ext>
-            <a:ext uri="{91240B29-F687-4F45-9708-019B960494DF}">
-              <a14:hiddenLine xmlns:a14="http://schemas.microsoft.com/office/drawing/2010/main" w="9525">
-                <a:solidFill>
-                  <a:schemeClr val="tx1"/>
-                </a:solidFill>
-                <a:miter lim="800000"/>
-                <a:headEnd/>
-                <a:tailEnd/>
-              </a14:hiddenLine>
-            </a:ext>
-            <a:ext uri="{AF507438-7753-43E0-B8FC-AC1667EBCBE1}">
-              <a14:hiddenEffects xmlns:a14="http://schemas.microsoft.com/office/drawing/2010/main">
-                <a:effectLst>
-                  <a:outerShdw dist="35921" dir="2700000" algn="ctr" rotWithShape="0">
-                    <a:schemeClr val="bg2"/>
-                  </a:outerShdw>
-                </a:effectLst>
-              </a14:hiddenEffects>
-            </a:ext>
-          </a:extLst>
-        </p:spPr>
-      </p:pic>
-      <p:pic>
-        <p:nvPicPr>
-          <p:cNvPr id="5" name="Content Placeholder 3">
-            <a:extLst>
-              <a:ext uri="{FF2B5EF4-FFF2-40B4-BE49-F238E27FC236}">
-                <a16:creationId xmlns:a16="http://schemas.microsoft.com/office/drawing/2014/main" id="{37926E15-E84C-F67E-A69D-83E8CEB23EFF}"/>
-              </a:ext>
-            </a:extLst>
-          </p:cNvPr>
-          <p:cNvPicPr>
-            <a:picLocks noChangeAspect="1" noChangeArrowheads="1"/>
-          </p:cNvPicPr>
-          <p:nvPr/>
-        </p:nvPicPr>
-        <p:blipFill rotWithShape="1">
-          <a:blip r:embed="rId2">
-            <a:extLst>
-              <a:ext uri="{28A0092B-C50C-407E-A947-70E740481C1C}">
-                <a14:useLocalDpi xmlns:a14="http://schemas.microsoft.com/office/drawing/2010/main" val="0"/>
-              </a:ext>
-            </a:extLst>
-          </a:blip>
-          <a:srcRect t="27015" b="1345"/>
-          <a:stretch>
-            <a:fillRect/>
-          </a:stretch>
-        </p:blipFill>
-        <p:spPr bwMode="auto">
-          <a:xfrm>
-            <a:off x="342900" y="2416366"/>
-            <a:ext cx="8458200" cy="4114800"/>
-          </a:xfrm>
-          <a:prstGeom prst="rect">
-            <a:avLst/>
-          </a:prstGeom>
-          <a:noFill/>
-          <a:ln>
-            <a:noFill/>
-          </a:ln>
-          <a:effectLst/>
-          <a:extLst>
-            <a:ext uri="{909E8E84-426E-40DD-AFC4-6F175D3DCCD1}">
-              <a14:hiddenFill xmlns:a14="http://schemas.microsoft.com/office/drawing/2010/main">
-                <a:solidFill>
-                  <a:schemeClr val="accent1"/>
-                </a:solidFill>
-              </a14:hiddenFill>
-            </a:ext>
-            <a:ext uri="{91240B29-F687-4F45-9708-019B960494DF}">
-              <a14:hiddenLine xmlns:a14="http://schemas.microsoft.com/office/drawing/2010/main" w="9525">
-                <a:solidFill>
-                  <a:schemeClr val="tx1"/>
-                </a:solidFill>
-                <a:miter lim="800000"/>
-                <a:headEnd/>
-                <a:tailEnd/>
-              </a14:hiddenLine>
-            </a:ext>
-            <a:ext uri="{AF507438-7753-43E0-B8FC-AC1667EBCBE1}">
-              <a14:hiddenEffects xmlns:a14="http://schemas.microsoft.com/office/drawing/2010/main">
-                <a:effectLst>
-                  <a:outerShdw dist="35921" dir="2700000" algn="ctr" rotWithShape="0">
-                    <a:schemeClr val="bg2"/>
-                  </a:outerShdw>
-                </a:effectLst>
-              </a14:hiddenEffects>
-            </a:ext>
-          </a:extLst>
-        </p:spPr>
-      </p:pic>
-    </p:spTree>
-    <p:extLst>
-      <p:ext uri="{BB962C8B-B14F-4D97-AF65-F5344CB8AC3E}">
-        <p14:creationId xmlns:p14="http://schemas.microsoft.com/office/powerpoint/2010/main" val="3593508301"/>
-      </p:ext>
-    </p:extLst>
-  </p:cSld>
-  <p:clrMapOvr>
-    <a:masterClrMapping/>
-  </p:clrMapOvr>
-  <p:timing>
-    <p:tnLst>
-      <p:par>
-        <p:cTn id="1" dur="indefinite" restart="never" nodeType="tmRoot">
-          <p:childTnLst>
-            <p:seq concurrent="1" nextAc="seek">
-              <p:cTn id="2" dur="indefinite" nodeType="mainSeq">
-                <p:childTnLst>
-                  <p:par>
-                    <p:cTn id="3" fill="hold">
-                      <p:stCondLst>
-                        <p:cond delay="indefinite"/>
-                      </p:stCondLst>
-                      <p:childTnLst>
-                        <p:par>
-                          <p:cTn id="4" fill="hold">
-                            <p:stCondLst>
-                              <p:cond delay="0"/>
-                            </p:stCondLst>
-                            <p:childTnLst>
-                              <p:par>
-                                <p:cTn id="5" presetID="1" presetClass="entr" presetSubtype="0" fill="hold" nodeType="clickEffect">
-                                  <p:stCondLst>
-                                    <p:cond delay="0"/>
-                                  </p:stCondLst>
-                                  <p:childTnLst>
-                                    <p:set>
-                                      <p:cBhvr>
-                                        <p:cTn id="6" dur="1" fill="hold">
-                                          <p:stCondLst>
-                                            <p:cond delay="0"/>
-                                          </p:stCondLst>
-                                        </p:cTn>
-                                        <p:tgtEl>
-                                          <p:spTgt spid="5"/>
-                                        </p:tgtEl>
-                                        <p:attrNameLst>
-                                          <p:attrName>style.visibility</p:attrName>
-                                        </p:attrNameLst>
-                                      </p:cBhvr>
-                                      <p:to>
-                                        <p:strVal val="visible"/>
-                                      </p:to>
-                                    </p:set>
-                                  </p:childTnLst>
-                                </p:cTn>
-                              </p:par>
-                            </p:childTnLst>
-                          </p:cTn>
-                        </p:par>
-                      </p:childTnLst>
-                    </p:cTn>
-                  </p:par>
-                </p:childTnLst>
-              </p:cTn>
-              <p:prevCondLst>
-                <p:cond evt="onPrev" delay="0">
-                  <p:tgtEl>
-                    <p:sldTgt/>
-                  </p:tgtEl>
-                </p:cond>
-              </p:prevCondLst>
-              <p:nextCondLst>
-                <p:cond evt="onNext" delay="0">
-                  <p:tgtEl>
-                    <p:sldTgt/>
-                  </p:tgtEl>
-                </p:cond>
-              </p:nextCondLst>
-            </p:seq>
-          </p:childTnLst>
-        </p:cTn>
-      </p:par>
-    </p:tnLst>
-  </p:timing>
-</p:sld>
-</file>
-
-<file path=ppt/slides/slide17.xml><?xml version="1.0" encoding="utf-8"?>
-<p:sld xmlns:a="http://schemas.openxmlformats.org/drawingml/2006/main" xmlns:r="http://schemas.openxmlformats.org/officeDocument/2006/relationships" xmlns:p="http://schemas.openxmlformats.org/presentationml/2006/main">
-  <p:cSld>
-    <p:spTree>
-      <p:nvGrpSpPr>
-        <p:cNvPr id="1" name=""/>
-        <p:cNvGrpSpPr/>
-        <p:nvPr/>
-      </p:nvGrpSpPr>
-      <p:grpSpPr>
-        <a:xfrm>
-          <a:off x="0" y="0"/>
-          <a:ext cx="0" cy="0"/>
-          <a:chOff x="0" y="0"/>
-          <a:chExt cx="0" cy="0"/>
-        </a:xfrm>
-      </p:grpSpPr>
-      <p:sp>
-        <p:nvSpPr>
-          <p:cNvPr id="3" name="Content Placeholder 2">
-            <a:extLst>
-              <a:ext uri="{FF2B5EF4-FFF2-40B4-BE49-F238E27FC236}">
                 <a16:creationId xmlns:a16="http://schemas.microsoft.com/office/drawing/2014/main" id="{C69C9D43-584E-4D75-5B22-A21800B08EB1}"/>
               </a:ext>
             </a:extLst>
@@ -8512,7 +6768,7 @@
 </p:sld>
 </file>
 
-<file path=ppt/slides/slide18.xml><?xml version="1.0" encoding="utf-8"?>
+<file path=ppt/slides/slide11.xml><?xml version="1.0" encoding="utf-8"?>
 <p:sld xmlns:a="http://schemas.openxmlformats.org/drawingml/2006/main" xmlns:r="http://schemas.openxmlformats.org/officeDocument/2006/relationships" xmlns:p="http://schemas.openxmlformats.org/presentationml/2006/main">
   <p:cSld>
     <p:spTree>
@@ -8643,7 +6899,7 @@
 </p:sld>
 </file>
 
-<file path=ppt/slides/slide19.xml><?xml version="1.0" encoding="utf-8"?>
+<file path=ppt/slides/slide12.xml><?xml version="1.0" encoding="utf-8"?>
 <p:sld xmlns:a="http://schemas.openxmlformats.org/drawingml/2006/main" xmlns:r="http://schemas.openxmlformats.org/officeDocument/2006/relationships" xmlns:p="http://schemas.openxmlformats.org/presentationml/2006/main">
   <p:cSld>
     <p:spTree>
@@ -8849,138 +7105,7 @@
 </p:sld>
 </file>
 
-<file path=ppt/slides/slide2.xml><?xml version="1.0" encoding="utf-8"?>
-<p:sld xmlns:a="http://schemas.openxmlformats.org/drawingml/2006/main" xmlns:r="http://schemas.openxmlformats.org/officeDocument/2006/relationships" xmlns:p="http://schemas.openxmlformats.org/presentationml/2006/main">
-  <p:cSld>
-    <p:spTree>
-      <p:nvGrpSpPr>
-        <p:cNvPr id="1" name=""/>
-        <p:cNvGrpSpPr/>
-        <p:nvPr/>
-      </p:nvGrpSpPr>
-      <p:grpSpPr>
-        <a:xfrm>
-          <a:off x="0" y="0"/>
-          <a:ext cx="0" cy="0"/>
-          <a:chOff x="0" y="0"/>
-          <a:chExt cx="0" cy="0"/>
-        </a:xfrm>
-      </p:grpSpPr>
-      <p:sp>
-        <p:nvSpPr>
-          <p:cNvPr id="3" name="Content Placeholder 2">
-            <a:extLst>
-              <a:ext uri="{FF2B5EF4-FFF2-40B4-BE49-F238E27FC236}">
-                <a16:creationId xmlns:a16="http://schemas.microsoft.com/office/drawing/2014/main" id="{7754920F-486B-5EB0-284F-9E0A2CCD5A43}"/>
-              </a:ext>
-            </a:extLst>
-          </p:cNvPr>
-          <p:cNvSpPr>
-            <a:spLocks noGrp="1"/>
-          </p:cNvSpPr>
-          <p:nvPr>
-            <p:ph sz="quarter" idx="10"/>
-          </p:nvPr>
-        </p:nvSpPr>
-        <p:spPr/>
-        <p:txBody>
-          <a:bodyPr/>
-          <a:lstStyle/>
-          <a:p>
-            <a:r>
-              <a:rPr lang="en-US" dirty="0"/>
-              <a:t>Example</a:t>
-            </a:r>
-            <a:endParaRPr lang="en-IN" dirty="0"/>
-          </a:p>
-        </p:txBody>
-      </p:sp>
-      <p:pic>
-        <p:nvPicPr>
-          <p:cNvPr id="4" name="Content Placeholder 3">
-            <a:extLst>
-              <a:ext uri="{FF2B5EF4-FFF2-40B4-BE49-F238E27FC236}">
-                <a16:creationId xmlns:a16="http://schemas.microsoft.com/office/drawing/2014/main" id="{A92A8FDA-0E1E-A859-CA98-41F7BBE92ED1}"/>
-              </a:ext>
-            </a:extLst>
-          </p:cNvPr>
-          <p:cNvPicPr>
-            <a:picLocks noGrp="1" noChangeAspect="1" noChangeArrowheads="1"/>
-          </p:cNvPicPr>
-          <p:nvPr>
-            <p:ph idx="1"/>
-          </p:nvPr>
-        </p:nvPicPr>
-        <p:blipFill rotWithShape="1">
-          <a:blip r:embed="rId2">
-            <a:extLst>
-              <a:ext uri="{28A0092B-C50C-407E-A947-70E740481C1C}">
-                <a14:useLocalDpi xmlns:a14="http://schemas.microsoft.com/office/drawing/2010/main" val="0"/>
-              </a:ext>
-            </a:extLst>
-          </a:blip>
-          <a:srcRect t="10768" b="30524"/>
-          <a:stretch>
-            <a:fillRect/>
-          </a:stretch>
-        </p:blipFill>
-        <p:spPr bwMode="auto">
-          <a:xfrm>
-            <a:off x="952500" y="1943100"/>
-            <a:ext cx="7239000" cy="2971800"/>
-          </a:xfrm>
-          <a:prstGeom prst="rect">
-            <a:avLst/>
-          </a:prstGeom>
-          <a:noFill/>
-          <a:ln>
-            <a:noFill/>
-          </a:ln>
-          <a:effectLst/>
-          <a:extLst>
-            <a:ext uri="{909E8E84-426E-40DD-AFC4-6F175D3DCCD1}">
-              <a14:hiddenFill xmlns:a14="http://schemas.microsoft.com/office/drawing/2010/main">
-                <a:solidFill>
-                  <a:schemeClr val="accent1"/>
-                </a:solidFill>
-              </a14:hiddenFill>
-            </a:ext>
-            <a:ext uri="{91240B29-F687-4F45-9708-019B960494DF}">
-              <a14:hiddenLine xmlns:a14="http://schemas.microsoft.com/office/drawing/2010/main" w="9525">
-                <a:solidFill>
-                  <a:schemeClr val="tx1"/>
-                </a:solidFill>
-                <a:miter lim="800000"/>
-                <a:headEnd/>
-                <a:tailEnd/>
-              </a14:hiddenLine>
-            </a:ext>
-            <a:ext uri="{AF507438-7753-43E0-B8FC-AC1667EBCBE1}">
-              <a14:hiddenEffects xmlns:a14="http://schemas.microsoft.com/office/drawing/2010/main">
-                <a:effectLst>
-                  <a:outerShdw dist="35921" dir="2700000" algn="ctr" rotWithShape="0">
-                    <a:schemeClr val="bg2"/>
-                  </a:outerShdw>
-                </a:effectLst>
-              </a14:hiddenEffects>
-            </a:ext>
-          </a:extLst>
-        </p:spPr>
-      </p:pic>
-    </p:spTree>
-    <p:extLst>
-      <p:ext uri="{BB962C8B-B14F-4D97-AF65-F5344CB8AC3E}">
-        <p14:creationId xmlns:p14="http://schemas.microsoft.com/office/powerpoint/2010/main" val="2120516873"/>
-      </p:ext>
-    </p:extLst>
-  </p:cSld>
-  <p:clrMapOvr>
-    <a:masterClrMapping/>
-  </p:clrMapOvr>
-</p:sld>
-</file>
-
-<file path=ppt/slides/slide20.xml><?xml version="1.0" encoding="utf-8"?>
+<file path=ppt/slides/slide13.xml><?xml version="1.0" encoding="utf-8"?>
 <p:sld xmlns:a="http://schemas.openxmlformats.org/drawingml/2006/main" xmlns:r="http://schemas.openxmlformats.org/officeDocument/2006/relationships" xmlns:p="http://schemas.openxmlformats.org/presentationml/2006/main">
   <p:cSld>
     <p:spTree>
@@ -9186,7 +7311,7 @@
 </p:sld>
 </file>
 
-<file path=ppt/slides/slide21.xml><?xml version="1.0" encoding="utf-8"?>
+<file path=ppt/slides/slide14.xml><?xml version="1.0" encoding="utf-8"?>
 <p:sld xmlns:a="http://schemas.openxmlformats.org/drawingml/2006/main" xmlns:r="http://schemas.openxmlformats.org/officeDocument/2006/relationships" xmlns:p="http://schemas.openxmlformats.org/presentationml/2006/main">
   <p:cSld>
     <p:spTree>
@@ -9392,7 +7517,7 @@
 </p:sld>
 </file>
 
-<file path=ppt/slides/slide22.xml><?xml version="1.0" encoding="utf-8"?>
+<file path=ppt/slides/slide15.xml><?xml version="1.0" encoding="utf-8"?>
 <p:sld xmlns:a="http://schemas.openxmlformats.org/drawingml/2006/main" xmlns:r="http://schemas.openxmlformats.org/officeDocument/2006/relationships" xmlns:p="http://schemas.openxmlformats.org/presentationml/2006/main">
   <p:cSld>
     <p:spTree>
@@ -9598,7 +7723,7 @@
 </p:sld>
 </file>
 
-<file path=ppt/slides/slide23.xml><?xml version="1.0" encoding="utf-8"?>
+<file path=ppt/slides/slide16.xml><?xml version="1.0" encoding="utf-8"?>
 <p:sld xmlns:a="http://schemas.openxmlformats.org/drawingml/2006/main" xmlns:r="http://schemas.openxmlformats.org/officeDocument/2006/relationships" xmlns:p="http://schemas.openxmlformats.org/presentationml/2006/main">
   <p:cSld>
     <p:spTree>
@@ -9804,7 +7929,7 @@
 </p:sld>
 </file>
 
-<file path=ppt/slides/slide24.xml><?xml version="1.0" encoding="utf-8"?>
+<file path=ppt/slides/slide17.xml><?xml version="1.0" encoding="utf-8"?>
 <p:sld xmlns:a="http://schemas.openxmlformats.org/drawingml/2006/main" xmlns:r="http://schemas.openxmlformats.org/officeDocument/2006/relationships" xmlns:p="http://schemas.openxmlformats.org/presentationml/2006/main">
   <p:cSld>
     <p:spTree>
@@ -10010,7 +8135,7 @@
 </p:sld>
 </file>
 
-<file path=ppt/slides/slide25.xml><?xml version="1.0" encoding="utf-8"?>
+<file path=ppt/slides/slide18.xml><?xml version="1.0" encoding="utf-8"?>
 <p:sld xmlns:a="http://schemas.openxmlformats.org/drawingml/2006/main" xmlns:r="http://schemas.openxmlformats.org/officeDocument/2006/relationships" xmlns:p="http://schemas.openxmlformats.org/presentationml/2006/main">
   <p:cSld>
     <p:spTree>
@@ -10216,7 +8341,7 @@
 </p:sld>
 </file>
 
-<file path=ppt/slides/slide26.xml><?xml version="1.0" encoding="utf-8"?>
+<file path=ppt/slides/slide19.xml><?xml version="1.0" encoding="utf-8"?>
 <p:sld xmlns:a="http://schemas.openxmlformats.org/drawingml/2006/main" xmlns:r="http://schemas.openxmlformats.org/officeDocument/2006/relationships" xmlns:p="http://schemas.openxmlformats.org/presentationml/2006/main">
   <p:cSld>
     <p:spTree>
@@ -10347,7 +8472,558 @@
 </p:sld>
 </file>
 
-<file path=ppt/slides/slide27.xml><?xml version="1.0" encoding="utf-8"?>
+<file path=ppt/slides/slide2.xml><?xml version="1.0" encoding="utf-8"?>
+<p:sld xmlns:a="http://schemas.openxmlformats.org/drawingml/2006/main" xmlns:r="http://schemas.openxmlformats.org/officeDocument/2006/relationships" xmlns:p="http://schemas.openxmlformats.org/presentationml/2006/main">
+  <p:cSld>
+    <p:spTree>
+      <p:nvGrpSpPr>
+        <p:cNvPr id="1" name=""/>
+        <p:cNvGrpSpPr/>
+        <p:nvPr/>
+      </p:nvGrpSpPr>
+      <p:grpSpPr>
+        <a:xfrm>
+          <a:off x="0" y="0"/>
+          <a:ext cx="0" cy="0"/>
+          <a:chOff x="0" y="0"/>
+          <a:chExt cx="0" cy="0"/>
+        </a:xfrm>
+      </p:grpSpPr>
+      <p:sp>
+        <p:nvSpPr>
+          <p:cNvPr id="3" name="Content Placeholder 2">
+            <a:extLst>
+              <a:ext uri="{FF2B5EF4-FFF2-40B4-BE49-F238E27FC236}">
+                <a16:creationId xmlns:a16="http://schemas.microsoft.com/office/drawing/2014/main" id="{F15E1587-E76A-77C4-122F-A62D55687F9C}"/>
+              </a:ext>
+            </a:extLst>
+          </p:cNvPr>
+          <p:cNvSpPr>
+            <a:spLocks noGrp="1"/>
+          </p:cNvSpPr>
+          <p:nvPr>
+            <p:ph sz="quarter" idx="10"/>
+          </p:nvPr>
+        </p:nvSpPr>
+        <p:spPr/>
+        <p:txBody>
+          <a:bodyPr/>
+          <a:lstStyle/>
+          <a:p>
+            <a:r>
+              <a:rPr lang="en-US" dirty="0"/>
+              <a:t>Design of sequential circuits</a:t>
+            </a:r>
+            <a:endParaRPr lang="en-IN" dirty="0"/>
+          </a:p>
+        </p:txBody>
+      </p:sp>
+      <p:pic>
+        <p:nvPicPr>
+          <p:cNvPr id="4" name="Content Placeholder 3">
+            <a:extLst>
+              <a:ext uri="{FF2B5EF4-FFF2-40B4-BE49-F238E27FC236}">
+                <a16:creationId xmlns:a16="http://schemas.microsoft.com/office/drawing/2014/main" id="{5473E566-DE98-9DB3-D265-42D219185C6E}"/>
+              </a:ext>
+            </a:extLst>
+          </p:cNvPr>
+          <p:cNvPicPr>
+            <a:picLocks noGrp="1" noChangeAspect="1" noChangeArrowheads="1"/>
+          </p:cNvPicPr>
+          <p:nvPr>
+            <p:ph idx="1"/>
+          </p:nvPr>
+        </p:nvPicPr>
+        <p:blipFill rotWithShape="1">
+          <a:blip r:embed="rId2">
+            <a:extLst>
+              <a:ext uri="{28A0092B-C50C-407E-A947-70E740481C1C}">
+                <a14:useLocalDpi xmlns:a14="http://schemas.microsoft.com/office/drawing/2010/main" val="0"/>
+              </a:ext>
+            </a:extLst>
+          </a:blip>
+          <a:srcRect b="56448"/>
+          <a:stretch>
+            <a:fillRect/>
+          </a:stretch>
+        </p:blipFill>
+        <p:spPr bwMode="auto">
+          <a:xfrm>
+            <a:off x="495300" y="1371600"/>
+            <a:ext cx="8153400" cy="2133600"/>
+          </a:xfrm>
+          <a:prstGeom prst="rect">
+            <a:avLst/>
+          </a:prstGeom>
+          <a:noFill/>
+          <a:ln>
+            <a:noFill/>
+          </a:ln>
+          <a:effectLst/>
+          <a:extLst>
+            <a:ext uri="{909E8E84-426E-40DD-AFC4-6F175D3DCCD1}">
+              <a14:hiddenFill xmlns:a14="http://schemas.microsoft.com/office/drawing/2010/main">
+                <a:solidFill>
+                  <a:schemeClr val="accent1"/>
+                </a:solidFill>
+              </a14:hiddenFill>
+            </a:ext>
+            <a:ext uri="{91240B29-F687-4F45-9708-019B960494DF}">
+              <a14:hiddenLine xmlns:a14="http://schemas.microsoft.com/office/drawing/2010/main" w="9525">
+                <a:solidFill>
+                  <a:schemeClr val="tx1"/>
+                </a:solidFill>
+                <a:miter lim="800000"/>
+                <a:headEnd/>
+                <a:tailEnd/>
+              </a14:hiddenLine>
+            </a:ext>
+            <a:ext uri="{AF507438-7753-43E0-B8FC-AC1667EBCBE1}">
+              <a14:hiddenEffects xmlns:a14="http://schemas.microsoft.com/office/drawing/2010/main">
+                <a:effectLst>
+                  <a:outerShdw dist="35921" dir="2700000" algn="ctr" rotWithShape="0">
+                    <a:schemeClr val="bg2"/>
+                  </a:outerShdw>
+                </a:effectLst>
+              </a14:hiddenEffects>
+            </a:ext>
+          </a:extLst>
+        </p:spPr>
+      </p:pic>
+      <p:pic>
+        <p:nvPicPr>
+          <p:cNvPr id="5" name="Content Placeholder 3">
+            <a:extLst>
+              <a:ext uri="{FF2B5EF4-FFF2-40B4-BE49-F238E27FC236}">
+                <a16:creationId xmlns:a16="http://schemas.microsoft.com/office/drawing/2014/main" id="{ECCC67FE-167E-FBC8-736E-C37A31D6B118}"/>
+              </a:ext>
+            </a:extLst>
+          </p:cNvPr>
+          <p:cNvPicPr>
+            <a:picLocks noChangeAspect="1" noChangeArrowheads="1"/>
+          </p:cNvPicPr>
+          <p:nvPr/>
+        </p:nvPicPr>
+        <p:blipFill rotWithShape="1">
+          <a:blip r:embed="rId2">
+            <a:extLst>
+              <a:ext uri="{28A0092B-C50C-407E-A947-70E740481C1C}">
+                <a14:useLocalDpi xmlns:a14="http://schemas.microsoft.com/office/drawing/2010/main" val="0"/>
+              </a:ext>
+            </a:extLst>
+          </a:blip>
+          <a:srcRect b="50226"/>
+          <a:stretch>
+            <a:fillRect/>
+          </a:stretch>
+        </p:blipFill>
+        <p:spPr bwMode="auto">
+          <a:xfrm>
+            <a:off x="495300" y="1371600"/>
+            <a:ext cx="8153400" cy="2438400"/>
+          </a:xfrm>
+          <a:prstGeom prst="rect">
+            <a:avLst/>
+          </a:prstGeom>
+          <a:noFill/>
+          <a:ln>
+            <a:noFill/>
+          </a:ln>
+          <a:effectLst/>
+          <a:extLst>
+            <a:ext uri="{909E8E84-426E-40DD-AFC4-6F175D3DCCD1}">
+              <a14:hiddenFill xmlns:a14="http://schemas.microsoft.com/office/drawing/2010/main">
+                <a:solidFill>
+                  <a:schemeClr val="accent1"/>
+                </a:solidFill>
+              </a14:hiddenFill>
+            </a:ext>
+            <a:ext uri="{91240B29-F687-4F45-9708-019B960494DF}">
+              <a14:hiddenLine xmlns:a14="http://schemas.microsoft.com/office/drawing/2010/main" w="9525">
+                <a:solidFill>
+                  <a:schemeClr val="tx1"/>
+                </a:solidFill>
+                <a:miter lim="800000"/>
+                <a:headEnd/>
+                <a:tailEnd/>
+              </a14:hiddenLine>
+            </a:ext>
+            <a:ext uri="{AF507438-7753-43E0-B8FC-AC1667EBCBE1}">
+              <a14:hiddenEffects xmlns:a14="http://schemas.microsoft.com/office/drawing/2010/main">
+                <a:effectLst>
+                  <a:outerShdw dist="35921" dir="2700000" algn="ctr" rotWithShape="0">
+                    <a:schemeClr val="bg2"/>
+                  </a:outerShdw>
+                </a:effectLst>
+              </a14:hiddenEffects>
+            </a:ext>
+          </a:extLst>
+        </p:spPr>
+      </p:pic>
+      <p:pic>
+        <p:nvPicPr>
+          <p:cNvPr id="6" name="Content Placeholder 3">
+            <a:extLst>
+              <a:ext uri="{FF2B5EF4-FFF2-40B4-BE49-F238E27FC236}">
+                <a16:creationId xmlns:a16="http://schemas.microsoft.com/office/drawing/2014/main" id="{BC5D8650-8DF2-79AA-B0F0-D1EB86974850}"/>
+              </a:ext>
+            </a:extLst>
+          </p:cNvPr>
+          <p:cNvPicPr>
+            <a:picLocks noChangeAspect="1" noChangeArrowheads="1"/>
+          </p:cNvPicPr>
+          <p:nvPr/>
+        </p:nvPicPr>
+        <p:blipFill rotWithShape="1">
+          <a:blip r:embed="rId2">
+            <a:extLst>
+              <a:ext uri="{28A0092B-C50C-407E-A947-70E740481C1C}">
+                <a14:useLocalDpi xmlns:a14="http://schemas.microsoft.com/office/drawing/2010/main" val="0"/>
+              </a:ext>
+            </a:extLst>
+          </a:blip>
+          <a:srcRect t="43552" b="25339"/>
+          <a:stretch>
+            <a:fillRect/>
+          </a:stretch>
+        </p:blipFill>
+        <p:spPr bwMode="auto">
+          <a:xfrm>
+            <a:off x="495300" y="3505200"/>
+            <a:ext cx="8153400" cy="1524000"/>
+          </a:xfrm>
+          <a:prstGeom prst="rect">
+            <a:avLst/>
+          </a:prstGeom>
+          <a:noFill/>
+          <a:ln>
+            <a:noFill/>
+          </a:ln>
+          <a:effectLst/>
+          <a:extLst>
+            <a:ext uri="{909E8E84-426E-40DD-AFC4-6F175D3DCCD1}">
+              <a14:hiddenFill xmlns:a14="http://schemas.microsoft.com/office/drawing/2010/main">
+                <a:solidFill>
+                  <a:schemeClr val="accent1"/>
+                </a:solidFill>
+              </a14:hiddenFill>
+            </a:ext>
+            <a:ext uri="{91240B29-F687-4F45-9708-019B960494DF}">
+              <a14:hiddenLine xmlns:a14="http://schemas.microsoft.com/office/drawing/2010/main" w="9525">
+                <a:solidFill>
+                  <a:schemeClr val="tx1"/>
+                </a:solidFill>
+                <a:miter lim="800000"/>
+                <a:headEnd/>
+                <a:tailEnd/>
+              </a14:hiddenLine>
+            </a:ext>
+            <a:ext uri="{AF507438-7753-43E0-B8FC-AC1667EBCBE1}">
+              <a14:hiddenEffects xmlns:a14="http://schemas.microsoft.com/office/drawing/2010/main">
+                <a:effectLst>
+                  <a:outerShdw dist="35921" dir="2700000" algn="ctr" rotWithShape="0">
+                    <a:schemeClr val="bg2"/>
+                  </a:outerShdw>
+                </a:effectLst>
+              </a14:hiddenEffects>
+            </a:ext>
+          </a:extLst>
+        </p:spPr>
+      </p:pic>
+      <p:pic>
+        <p:nvPicPr>
+          <p:cNvPr id="7" name="Content Placeholder 3">
+            <a:extLst>
+              <a:ext uri="{FF2B5EF4-FFF2-40B4-BE49-F238E27FC236}">
+                <a16:creationId xmlns:a16="http://schemas.microsoft.com/office/drawing/2014/main" id="{FD4A8E02-6963-579D-1591-24B4FFE12DE0}"/>
+              </a:ext>
+            </a:extLst>
+          </p:cNvPr>
+          <p:cNvPicPr>
+            <a:picLocks noChangeAspect="1" noChangeArrowheads="1"/>
+          </p:cNvPicPr>
+          <p:nvPr/>
+        </p:nvPicPr>
+        <p:blipFill rotWithShape="1">
+          <a:blip r:embed="rId2">
+            <a:extLst>
+              <a:ext uri="{28A0092B-C50C-407E-A947-70E740481C1C}">
+                <a14:useLocalDpi xmlns:a14="http://schemas.microsoft.com/office/drawing/2010/main" val="0"/>
+              </a:ext>
+            </a:extLst>
+          </a:blip>
+          <a:srcRect t="43553" b="451"/>
+          <a:stretch>
+            <a:fillRect/>
+          </a:stretch>
+        </p:blipFill>
+        <p:spPr bwMode="auto">
+          <a:xfrm>
+            <a:off x="495300" y="3510708"/>
+            <a:ext cx="8153400" cy="2743200"/>
+          </a:xfrm>
+          <a:prstGeom prst="rect">
+            <a:avLst/>
+          </a:prstGeom>
+          <a:noFill/>
+          <a:ln>
+            <a:noFill/>
+          </a:ln>
+          <a:effectLst/>
+          <a:extLst>
+            <a:ext uri="{909E8E84-426E-40DD-AFC4-6F175D3DCCD1}">
+              <a14:hiddenFill xmlns:a14="http://schemas.microsoft.com/office/drawing/2010/main">
+                <a:solidFill>
+                  <a:schemeClr val="accent1"/>
+                </a:solidFill>
+              </a14:hiddenFill>
+            </a:ext>
+            <a:ext uri="{91240B29-F687-4F45-9708-019B960494DF}">
+              <a14:hiddenLine xmlns:a14="http://schemas.microsoft.com/office/drawing/2010/main" w="9525">
+                <a:solidFill>
+                  <a:schemeClr val="tx1"/>
+                </a:solidFill>
+                <a:miter lim="800000"/>
+                <a:headEnd/>
+                <a:tailEnd/>
+              </a14:hiddenLine>
+            </a:ext>
+            <a:ext uri="{AF507438-7753-43E0-B8FC-AC1667EBCBE1}">
+              <a14:hiddenEffects xmlns:a14="http://schemas.microsoft.com/office/drawing/2010/main">
+                <a:effectLst>
+                  <a:outerShdw dist="35921" dir="2700000" algn="ctr" rotWithShape="0">
+                    <a:schemeClr val="bg2"/>
+                  </a:outerShdw>
+                </a:effectLst>
+              </a14:hiddenEffects>
+            </a:ext>
+          </a:extLst>
+        </p:spPr>
+      </p:pic>
+    </p:spTree>
+    <p:extLst>
+      <p:ext uri="{BB962C8B-B14F-4D97-AF65-F5344CB8AC3E}">
+        <p14:creationId xmlns:p14="http://schemas.microsoft.com/office/powerpoint/2010/main" val="3598774683"/>
+      </p:ext>
+    </p:extLst>
+  </p:cSld>
+  <p:clrMapOvr>
+    <a:masterClrMapping/>
+  </p:clrMapOvr>
+  <p:timing>
+    <p:tnLst>
+      <p:par>
+        <p:cTn id="1" dur="indefinite" restart="never" nodeType="tmRoot">
+          <p:childTnLst>
+            <p:seq concurrent="1" nextAc="seek">
+              <p:cTn id="2" dur="indefinite" nodeType="mainSeq">
+                <p:childTnLst>
+                  <p:par>
+                    <p:cTn id="3" fill="hold">
+                      <p:stCondLst>
+                        <p:cond delay="indefinite"/>
+                      </p:stCondLst>
+                      <p:childTnLst>
+                        <p:par>
+                          <p:cTn id="4" fill="hold">
+                            <p:stCondLst>
+                              <p:cond delay="0"/>
+                            </p:stCondLst>
+                            <p:childTnLst>
+                              <p:par>
+                                <p:cTn id="5" presetID="1" presetClass="entr" presetSubtype="0" fill="hold" nodeType="clickEffect">
+                                  <p:stCondLst>
+                                    <p:cond delay="0"/>
+                                  </p:stCondLst>
+                                  <p:childTnLst>
+                                    <p:set>
+                                      <p:cBhvr>
+                                        <p:cTn id="6" dur="1" fill="hold">
+                                          <p:stCondLst>
+                                            <p:cond delay="0"/>
+                                          </p:stCondLst>
+                                        </p:cTn>
+                                        <p:tgtEl>
+                                          <p:spTgt spid="4"/>
+                                        </p:tgtEl>
+                                        <p:attrNameLst>
+                                          <p:attrName>style.visibility</p:attrName>
+                                        </p:attrNameLst>
+                                      </p:cBhvr>
+                                      <p:to>
+                                        <p:strVal val="visible"/>
+                                      </p:to>
+                                    </p:set>
+                                  </p:childTnLst>
+                                </p:cTn>
+                              </p:par>
+                            </p:childTnLst>
+                          </p:cTn>
+                        </p:par>
+                      </p:childTnLst>
+                    </p:cTn>
+                  </p:par>
+                  <p:par>
+                    <p:cTn id="7" fill="hold">
+                      <p:stCondLst>
+                        <p:cond delay="indefinite"/>
+                      </p:stCondLst>
+                      <p:childTnLst>
+                        <p:par>
+                          <p:cTn id="8" fill="hold">
+                            <p:stCondLst>
+                              <p:cond delay="0"/>
+                            </p:stCondLst>
+                            <p:childTnLst>
+                              <p:par>
+                                <p:cTn id="9" presetID="1" presetClass="entr" presetSubtype="0" fill="hold" nodeType="clickEffect">
+                                  <p:stCondLst>
+                                    <p:cond delay="0"/>
+                                  </p:stCondLst>
+                                  <p:childTnLst>
+                                    <p:set>
+                                      <p:cBhvr>
+                                        <p:cTn id="10" dur="1" fill="hold">
+                                          <p:stCondLst>
+                                            <p:cond delay="0"/>
+                                          </p:stCondLst>
+                                        </p:cTn>
+                                        <p:tgtEl>
+                                          <p:spTgt spid="5"/>
+                                        </p:tgtEl>
+                                        <p:attrNameLst>
+                                          <p:attrName>style.visibility</p:attrName>
+                                        </p:attrNameLst>
+                                      </p:cBhvr>
+                                      <p:to>
+                                        <p:strVal val="visible"/>
+                                      </p:to>
+                                    </p:set>
+                                  </p:childTnLst>
+                                </p:cTn>
+                              </p:par>
+                            </p:childTnLst>
+                          </p:cTn>
+                        </p:par>
+                      </p:childTnLst>
+                    </p:cTn>
+                  </p:par>
+                  <p:par>
+                    <p:cTn id="11" fill="hold">
+                      <p:stCondLst>
+                        <p:cond delay="indefinite"/>
+                      </p:stCondLst>
+                      <p:childTnLst>
+                        <p:par>
+                          <p:cTn id="12" fill="hold">
+                            <p:stCondLst>
+                              <p:cond delay="0"/>
+                            </p:stCondLst>
+                            <p:childTnLst>
+                              <p:par>
+                                <p:cTn id="13" presetID="1" presetClass="entr" presetSubtype="0" fill="hold" nodeType="clickEffect">
+                                  <p:stCondLst>
+                                    <p:cond delay="0"/>
+                                  </p:stCondLst>
+                                  <p:childTnLst>
+                                    <p:set>
+                                      <p:cBhvr>
+                                        <p:cTn id="14" dur="1" fill="hold">
+                                          <p:stCondLst>
+                                            <p:cond delay="0"/>
+                                          </p:stCondLst>
+                                        </p:cTn>
+                                        <p:tgtEl>
+                                          <p:spTgt spid="6"/>
+                                        </p:tgtEl>
+                                        <p:attrNameLst>
+                                          <p:attrName>style.visibility</p:attrName>
+                                        </p:attrNameLst>
+                                      </p:cBhvr>
+                                      <p:to>
+                                        <p:strVal val="visible"/>
+                                      </p:to>
+                                    </p:set>
+                                  </p:childTnLst>
+                                </p:cTn>
+                              </p:par>
+                            </p:childTnLst>
+                          </p:cTn>
+                        </p:par>
+                      </p:childTnLst>
+                    </p:cTn>
+                  </p:par>
+                  <p:par>
+                    <p:cTn id="15" fill="hold">
+                      <p:stCondLst>
+                        <p:cond delay="indefinite"/>
+                      </p:stCondLst>
+                      <p:childTnLst>
+                        <p:par>
+                          <p:cTn id="16" fill="hold">
+                            <p:stCondLst>
+                              <p:cond delay="0"/>
+                            </p:stCondLst>
+                            <p:childTnLst>
+                              <p:par>
+                                <p:cTn id="17" presetID="1" presetClass="entr" presetSubtype="0" fill="hold" nodeType="clickEffect">
+                                  <p:stCondLst>
+                                    <p:cond delay="0"/>
+                                  </p:stCondLst>
+                                  <p:childTnLst>
+                                    <p:set>
+                                      <p:cBhvr>
+                                        <p:cTn id="18" dur="1" fill="hold">
+                                          <p:stCondLst>
+                                            <p:cond delay="0"/>
+                                          </p:stCondLst>
+                                        </p:cTn>
+                                        <p:tgtEl>
+                                          <p:spTgt spid="7"/>
+                                        </p:tgtEl>
+                                        <p:attrNameLst>
+                                          <p:attrName>style.visibility</p:attrName>
+                                        </p:attrNameLst>
+                                      </p:cBhvr>
+                                      <p:to>
+                                        <p:strVal val="visible"/>
+                                      </p:to>
+                                    </p:set>
+                                  </p:childTnLst>
+                                </p:cTn>
+                              </p:par>
+                            </p:childTnLst>
+                          </p:cTn>
+                        </p:par>
+                      </p:childTnLst>
+                    </p:cTn>
+                  </p:par>
+                </p:childTnLst>
+              </p:cTn>
+              <p:prevCondLst>
+                <p:cond evt="onPrev" delay="0">
+                  <p:tgtEl>
+                    <p:sldTgt/>
+                  </p:tgtEl>
+                </p:cond>
+              </p:prevCondLst>
+              <p:nextCondLst>
+                <p:cond evt="onNext" delay="0">
+                  <p:tgtEl>
+                    <p:sldTgt/>
+                  </p:tgtEl>
+                </p:cond>
+              </p:nextCondLst>
+            </p:seq>
+          </p:childTnLst>
+        </p:cTn>
+      </p:par>
+    </p:tnLst>
+  </p:timing>
+</p:sld>
+</file>
+
+<file path=ppt/slides/slide20.xml><?xml version="1.0" encoding="utf-8"?>
 <p:sld xmlns:a="http://schemas.openxmlformats.org/drawingml/2006/main" xmlns:r="http://schemas.openxmlformats.org/officeDocument/2006/relationships" xmlns:p="http://schemas.openxmlformats.org/presentationml/2006/main">
   <p:cSld>
     <p:spTree>
@@ -10719,7 +9395,7 @@
 </p:sld>
 </file>
 
-<file path=ppt/slides/slide28.xml><?xml version="1.0" encoding="utf-8"?>
+<file path=ppt/slides/slide21.xml><?xml version="1.0" encoding="utf-8"?>
 <p:sld xmlns:a="http://schemas.openxmlformats.org/drawingml/2006/main" xmlns:r="http://schemas.openxmlformats.org/officeDocument/2006/relationships" xmlns:p="http://schemas.openxmlformats.org/presentationml/2006/main">
   <p:cSld>
     <p:spTree>
@@ -11034,7 +9710,7 @@
 </p:sld>
 </file>
 
-<file path=ppt/slides/slide29.xml><?xml version="1.0" encoding="utf-8"?>
+<file path=ppt/slides/slide22.xml><?xml version="1.0" encoding="utf-8"?>
 <p:sld xmlns:a="http://schemas.openxmlformats.org/drawingml/2006/main" xmlns:r="http://schemas.openxmlformats.org/officeDocument/2006/relationships" xmlns:p="http://schemas.openxmlformats.org/presentationml/2006/main">
   <p:cSld>
     <p:spTree>
@@ -11462,138 +10138,7 @@
 </p:sld>
 </file>
 
-<file path=ppt/slides/slide3.xml><?xml version="1.0" encoding="utf-8"?>
-<p:sld xmlns:a="http://schemas.openxmlformats.org/drawingml/2006/main" xmlns:r="http://schemas.openxmlformats.org/officeDocument/2006/relationships" xmlns:p="http://schemas.openxmlformats.org/presentationml/2006/main">
-  <p:cSld>
-    <p:spTree>
-      <p:nvGrpSpPr>
-        <p:cNvPr id="1" name=""/>
-        <p:cNvGrpSpPr/>
-        <p:nvPr/>
-      </p:nvGrpSpPr>
-      <p:grpSpPr>
-        <a:xfrm>
-          <a:off x="0" y="0"/>
-          <a:ext cx="0" cy="0"/>
-          <a:chOff x="0" y="0"/>
-          <a:chExt cx="0" cy="0"/>
-        </a:xfrm>
-      </p:grpSpPr>
-      <p:sp>
-        <p:nvSpPr>
-          <p:cNvPr id="3" name="Content Placeholder 2">
-            <a:extLst>
-              <a:ext uri="{FF2B5EF4-FFF2-40B4-BE49-F238E27FC236}">
-                <a16:creationId xmlns:a16="http://schemas.microsoft.com/office/drawing/2014/main" id="{1A6FD519-A6C1-8882-370D-DD7241A3CDE7}"/>
-              </a:ext>
-            </a:extLst>
-          </p:cNvPr>
-          <p:cNvSpPr>
-            <a:spLocks noGrp="1"/>
-          </p:cNvSpPr>
-          <p:nvPr>
-            <p:ph sz="quarter" idx="10"/>
-          </p:nvPr>
-        </p:nvSpPr>
-        <p:spPr/>
-        <p:txBody>
-          <a:bodyPr/>
-          <a:lstStyle/>
-          <a:p>
-            <a:r>
-              <a:rPr lang="en-US" dirty="0"/>
-              <a:t>Example – circuit analysis</a:t>
-            </a:r>
-            <a:endParaRPr lang="en-IN" dirty="0"/>
-          </a:p>
-        </p:txBody>
-      </p:sp>
-      <p:pic>
-        <p:nvPicPr>
-          <p:cNvPr id="4" name="Content Placeholder 3">
-            <a:extLst>
-              <a:ext uri="{FF2B5EF4-FFF2-40B4-BE49-F238E27FC236}">
-                <a16:creationId xmlns:a16="http://schemas.microsoft.com/office/drawing/2014/main" id="{EE10BDD0-D481-9966-865C-F8ACC7ADEF0D}"/>
-              </a:ext>
-            </a:extLst>
-          </p:cNvPr>
-          <p:cNvPicPr>
-            <a:picLocks noGrp="1" noChangeAspect="1" noChangeArrowheads="1"/>
-          </p:cNvPicPr>
-          <p:nvPr>
-            <p:ph idx="1"/>
-          </p:nvPr>
-        </p:nvPicPr>
-        <p:blipFill rotWithShape="1">
-          <a:blip r:embed="rId2">
-            <a:extLst>
-              <a:ext uri="{28A0092B-C50C-407E-A947-70E740481C1C}">
-                <a14:useLocalDpi xmlns:a14="http://schemas.microsoft.com/office/drawing/2010/main" val="0"/>
-              </a:ext>
-            </a:extLst>
-          </a:blip>
-          <a:srcRect t="9084"/>
-          <a:stretch>
-            <a:fillRect/>
-          </a:stretch>
-        </p:blipFill>
-        <p:spPr bwMode="auto">
-          <a:xfrm>
-            <a:off x="800100" y="1524000"/>
-            <a:ext cx="7543800" cy="4809077"/>
-          </a:xfrm>
-          <a:prstGeom prst="rect">
-            <a:avLst/>
-          </a:prstGeom>
-          <a:noFill/>
-          <a:ln>
-            <a:noFill/>
-          </a:ln>
-          <a:effectLst/>
-          <a:extLst>
-            <a:ext uri="{909E8E84-426E-40DD-AFC4-6F175D3DCCD1}">
-              <a14:hiddenFill xmlns:a14="http://schemas.microsoft.com/office/drawing/2010/main">
-                <a:solidFill>
-                  <a:schemeClr val="accent1"/>
-                </a:solidFill>
-              </a14:hiddenFill>
-            </a:ext>
-            <a:ext uri="{91240B29-F687-4F45-9708-019B960494DF}">
-              <a14:hiddenLine xmlns:a14="http://schemas.microsoft.com/office/drawing/2010/main" w="9525">
-                <a:solidFill>
-                  <a:schemeClr val="tx1"/>
-                </a:solidFill>
-                <a:miter lim="800000"/>
-                <a:headEnd/>
-                <a:tailEnd/>
-              </a14:hiddenLine>
-            </a:ext>
-            <a:ext uri="{AF507438-7753-43E0-B8FC-AC1667EBCBE1}">
-              <a14:hiddenEffects xmlns:a14="http://schemas.microsoft.com/office/drawing/2010/main">
-                <a:effectLst>
-                  <a:outerShdw dist="35921" dir="2700000" algn="ctr" rotWithShape="0">
-                    <a:schemeClr val="bg2"/>
-                  </a:outerShdw>
-                </a:effectLst>
-              </a14:hiddenEffects>
-            </a:ext>
-          </a:extLst>
-        </p:spPr>
-      </p:pic>
-    </p:spTree>
-    <p:extLst>
-      <p:ext uri="{BB962C8B-B14F-4D97-AF65-F5344CB8AC3E}">
-        <p14:creationId xmlns:p14="http://schemas.microsoft.com/office/powerpoint/2010/main" val="2709297814"/>
-      </p:ext>
-    </p:extLst>
-  </p:cSld>
-  <p:clrMapOvr>
-    <a:masterClrMapping/>
-  </p:clrMapOvr>
-</p:sld>
-</file>
-
-<file path=ppt/slides/slide30.xml><?xml version="1.0" encoding="utf-8"?>
+<file path=ppt/slides/slide23.xml><?xml version="1.0" encoding="utf-8"?>
 <p:sld xmlns:a="http://schemas.openxmlformats.org/drawingml/2006/main" xmlns:r="http://schemas.openxmlformats.org/officeDocument/2006/relationships" xmlns:p="http://schemas.openxmlformats.org/presentationml/2006/main">
   <p:cSld>
     <p:spTree>
@@ -11869,7 +10414,7 @@
 </p:sld>
 </file>
 
-<file path=ppt/slides/slide31.xml><?xml version="1.0" encoding="utf-8"?>
+<file path=ppt/slides/slide24.xml><?xml version="1.0" encoding="utf-8"?>
 <p:sld xmlns:a="http://schemas.openxmlformats.org/drawingml/2006/main" xmlns:r="http://schemas.openxmlformats.org/officeDocument/2006/relationships" xmlns:p="http://schemas.openxmlformats.org/presentationml/2006/main">
   <p:cSld>
     <p:spTree>
@@ -12112,7 +10657,7 @@
 </p:sld>
 </file>
 
-<file path=ppt/slides/slide32.xml><?xml version="1.0" encoding="utf-8"?>
+<file path=ppt/slides/slide25.xml><?xml version="1.0" encoding="utf-8"?>
 <p:sld xmlns:a="http://schemas.openxmlformats.org/drawingml/2006/main" xmlns:r="http://schemas.openxmlformats.org/officeDocument/2006/relationships" xmlns:p="http://schemas.openxmlformats.org/presentationml/2006/main">
   <p:cSld>
     <p:spTree>
@@ -12344,7 +10889,7 @@
 </p:sld>
 </file>
 
-<file path=ppt/slides/slide33.xml><?xml version="1.0" encoding="utf-8"?>
+<file path=ppt/slides/slide26.xml><?xml version="1.0" encoding="utf-8"?>
 <p:sld xmlns:a="http://schemas.openxmlformats.org/drawingml/2006/main" xmlns:r="http://schemas.openxmlformats.org/officeDocument/2006/relationships" xmlns:p="http://schemas.openxmlformats.org/presentationml/2006/main">
   <p:cSld>
     <p:spTree>
@@ -12652,7 +11197,7 @@
 </p:sld>
 </file>
 
-<file path=ppt/slides/slide34.xml><?xml version="1.0" encoding="utf-8"?>
+<file path=ppt/slides/slide27.xml><?xml version="1.0" encoding="utf-8"?>
 <p:sld xmlns:a="http://schemas.openxmlformats.org/drawingml/2006/main" xmlns:r="http://schemas.openxmlformats.org/officeDocument/2006/relationships" xmlns:p="http://schemas.openxmlformats.org/presentationml/2006/main">
   <p:cSld>
     <p:spTree>
@@ -12766,7 +11311,7 @@
 </p:sld>
 </file>
 
-<file path=ppt/slides/slide35.xml><?xml version="1.0" encoding="utf-8"?>
+<file path=ppt/slides/slide28.xml><?xml version="1.0" encoding="utf-8"?>
 <p:sld xmlns:a="http://schemas.openxmlformats.org/drawingml/2006/main" xmlns:r="http://schemas.openxmlformats.org/officeDocument/2006/relationships" xmlns:p="http://schemas.openxmlformats.org/presentationml/2006/main">
   <p:cSld>
     <p:spTree>
@@ -12931,7 +11476,7 @@
 </p:sld>
 </file>
 
-<file path=ppt/slides/slide36.xml><?xml version="1.0" encoding="utf-8"?>
+<file path=ppt/slides/slide29.xml><?xml version="1.0" encoding="utf-8"?>
 <p:sld xmlns:a="http://schemas.openxmlformats.org/drawingml/2006/main" xmlns:r="http://schemas.openxmlformats.org/officeDocument/2006/relationships" xmlns:p="http://schemas.openxmlformats.org/presentationml/2006/main">
   <p:cSld>
     <p:spTree>
@@ -13061,7 +11606,138 @@
 </p:sld>
 </file>
 
-<file path=ppt/slides/slide37.xml><?xml version="1.0" encoding="utf-8"?>
+<file path=ppt/slides/slide3.xml><?xml version="1.0" encoding="utf-8"?>
+<p:sld xmlns:a="http://schemas.openxmlformats.org/drawingml/2006/main" xmlns:r="http://schemas.openxmlformats.org/officeDocument/2006/relationships" xmlns:p="http://schemas.openxmlformats.org/presentationml/2006/main">
+  <p:cSld>
+    <p:spTree>
+      <p:nvGrpSpPr>
+        <p:cNvPr id="1" name=""/>
+        <p:cNvGrpSpPr/>
+        <p:nvPr/>
+      </p:nvGrpSpPr>
+      <p:grpSpPr>
+        <a:xfrm>
+          <a:off x="0" y="0"/>
+          <a:ext cx="0" cy="0"/>
+          <a:chOff x="0" y="0"/>
+          <a:chExt cx="0" cy="0"/>
+        </a:xfrm>
+      </p:grpSpPr>
+      <p:sp>
+        <p:nvSpPr>
+          <p:cNvPr id="3" name="Content Placeholder 2">
+            <a:extLst>
+              <a:ext uri="{FF2B5EF4-FFF2-40B4-BE49-F238E27FC236}">
+                <a16:creationId xmlns:a16="http://schemas.microsoft.com/office/drawing/2014/main" id="{57EB8B21-C423-DDD6-8E68-96D09B952D97}"/>
+              </a:ext>
+            </a:extLst>
+          </p:cNvPr>
+          <p:cNvSpPr>
+            <a:spLocks noGrp="1"/>
+          </p:cNvSpPr>
+          <p:nvPr>
+            <p:ph sz="quarter" idx="10"/>
+          </p:nvPr>
+        </p:nvSpPr>
+        <p:spPr/>
+        <p:txBody>
+          <a:bodyPr/>
+          <a:lstStyle/>
+          <a:p>
+            <a:r>
+              <a:rPr lang="en-US" dirty="0"/>
+              <a:t>Step 1.1: Make the state diagram</a:t>
+            </a:r>
+            <a:endParaRPr lang="en-IN" dirty="0"/>
+          </a:p>
+        </p:txBody>
+      </p:sp>
+      <p:pic>
+        <p:nvPicPr>
+          <p:cNvPr id="4" name="Content Placeholder 3">
+            <a:extLst>
+              <a:ext uri="{FF2B5EF4-FFF2-40B4-BE49-F238E27FC236}">
+                <a16:creationId xmlns:a16="http://schemas.microsoft.com/office/drawing/2014/main" id="{B8D27E0D-1551-5A7A-FF81-51E9027D0A05}"/>
+              </a:ext>
+            </a:extLst>
+          </p:cNvPr>
+          <p:cNvPicPr>
+            <a:picLocks noGrp="1" noChangeAspect="1" noChangeArrowheads="1"/>
+          </p:cNvPicPr>
+          <p:nvPr>
+            <p:ph idx="1"/>
+          </p:nvPr>
+        </p:nvPicPr>
+        <p:blipFill rotWithShape="1">
+          <a:blip r:embed="rId2">
+            <a:extLst>
+              <a:ext uri="{28A0092B-C50C-407E-A947-70E740481C1C}">
+                <a14:useLocalDpi xmlns:a14="http://schemas.microsoft.com/office/drawing/2010/main" val="0"/>
+              </a:ext>
+            </a:extLst>
+          </a:blip>
+          <a:srcRect t="15566"/>
+          <a:stretch>
+            <a:fillRect/>
+          </a:stretch>
+        </p:blipFill>
+        <p:spPr bwMode="auto">
+          <a:xfrm>
+            <a:off x="113947" y="1524000"/>
+            <a:ext cx="8916106" cy="3352801"/>
+          </a:xfrm>
+          <a:prstGeom prst="rect">
+            <a:avLst/>
+          </a:prstGeom>
+          <a:noFill/>
+          <a:ln>
+            <a:noFill/>
+          </a:ln>
+          <a:effectLst/>
+          <a:extLst>
+            <a:ext uri="{909E8E84-426E-40DD-AFC4-6F175D3DCCD1}">
+              <a14:hiddenFill xmlns:a14="http://schemas.microsoft.com/office/drawing/2010/main">
+                <a:solidFill>
+                  <a:schemeClr val="accent1"/>
+                </a:solidFill>
+              </a14:hiddenFill>
+            </a:ext>
+            <a:ext uri="{91240B29-F687-4F45-9708-019B960494DF}">
+              <a14:hiddenLine xmlns:a14="http://schemas.microsoft.com/office/drawing/2010/main" w="9525">
+                <a:solidFill>
+                  <a:schemeClr val="tx1"/>
+                </a:solidFill>
+                <a:miter lim="800000"/>
+                <a:headEnd/>
+                <a:tailEnd/>
+              </a14:hiddenLine>
+            </a:ext>
+            <a:ext uri="{AF507438-7753-43E0-B8FC-AC1667EBCBE1}">
+              <a14:hiddenEffects xmlns:a14="http://schemas.microsoft.com/office/drawing/2010/main">
+                <a:effectLst>
+                  <a:outerShdw dist="35921" dir="2700000" algn="ctr" rotWithShape="0">
+                    <a:schemeClr val="bg2"/>
+                  </a:outerShdw>
+                </a:effectLst>
+              </a14:hiddenEffects>
+            </a:ext>
+          </a:extLst>
+        </p:spPr>
+      </p:pic>
+    </p:spTree>
+    <p:extLst>
+      <p:ext uri="{BB962C8B-B14F-4D97-AF65-F5344CB8AC3E}">
+        <p14:creationId xmlns:p14="http://schemas.microsoft.com/office/powerpoint/2010/main" val="2959984680"/>
+      </p:ext>
+    </p:extLst>
+  </p:cSld>
+  <p:clrMapOvr>
+    <a:masterClrMapping/>
+  </p:clrMapOvr>
+</p:sld>
+</file>
+
+<file path=ppt/slides/slide30.xml><?xml version="1.0" encoding="utf-8"?>
 <p:sld xmlns:a="http://schemas.openxmlformats.org/drawingml/2006/main" xmlns:r="http://schemas.openxmlformats.org/officeDocument/2006/relationships" xmlns:p="http://schemas.openxmlformats.org/presentationml/2006/main">
   <p:cSld>
     <p:spTree>
@@ -13440,7 +12116,7 @@
 </p:sld>
 </file>
 
-<file path=ppt/slides/slide38.xml><?xml version="1.0" encoding="utf-8"?>
+<file path=ppt/slides/slide31.xml><?xml version="1.0" encoding="utf-8"?>
 <p:sld xmlns:a="http://schemas.openxmlformats.org/drawingml/2006/main" xmlns:r="http://schemas.openxmlformats.org/officeDocument/2006/relationships" xmlns:p="http://schemas.openxmlformats.org/presentationml/2006/main">
   <p:cSld>
     <p:spTree>
@@ -13676,7 +12352,7 @@
 </p:sld>
 </file>
 
-<file path=ppt/slides/slide39.xml><?xml version="1.0" encoding="utf-8"?>
+<file path=ppt/slides/slide32.xml><?xml version="1.0" encoding="utf-8"?>
 <p:sld xmlns:a="http://schemas.openxmlformats.org/drawingml/2006/main" xmlns:r="http://schemas.openxmlformats.org/officeDocument/2006/relationships" xmlns:p="http://schemas.openxmlformats.org/presentationml/2006/main">
   <p:cSld>
     <p:spTree>
@@ -13916,138 +12592,7 @@
 </p:sld>
 </file>
 
-<file path=ppt/slides/slide4.xml><?xml version="1.0" encoding="utf-8"?>
-<p:sld xmlns:a="http://schemas.openxmlformats.org/drawingml/2006/main" xmlns:r="http://schemas.openxmlformats.org/officeDocument/2006/relationships" xmlns:p="http://schemas.openxmlformats.org/presentationml/2006/main">
-  <p:cSld>
-    <p:spTree>
-      <p:nvGrpSpPr>
-        <p:cNvPr id="1" name=""/>
-        <p:cNvGrpSpPr/>
-        <p:nvPr/>
-      </p:nvGrpSpPr>
-      <p:grpSpPr>
-        <a:xfrm>
-          <a:off x="0" y="0"/>
-          <a:ext cx="0" cy="0"/>
-          <a:chOff x="0" y="0"/>
-          <a:chExt cx="0" cy="0"/>
-        </a:xfrm>
-      </p:grpSpPr>
-      <p:sp>
-        <p:nvSpPr>
-          <p:cNvPr id="3" name="Content Placeholder 2">
-            <a:extLst>
-              <a:ext uri="{FF2B5EF4-FFF2-40B4-BE49-F238E27FC236}">
-                <a16:creationId xmlns:a16="http://schemas.microsoft.com/office/drawing/2014/main" id="{342CA47C-872F-9579-2BDA-25E8E86E8BD7}"/>
-              </a:ext>
-            </a:extLst>
-          </p:cNvPr>
-          <p:cNvSpPr>
-            <a:spLocks noGrp="1"/>
-          </p:cNvSpPr>
-          <p:nvPr>
-            <p:ph sz="quarter" idx="10"/>
-          </p:nvPr>
-        </p:nvSpPr>
-        <p:spPr/>
-        <p:txBody>
-          <a:bodyPr/>
-          <a:lstStyle/>
-          <a:p>
-            <a:r>
-              <a:rPr lang="en-US" dirty="0"/>
-              <a:t>Step 1: Flip flop input equations</a:t>
-            </a:r>
-            <a:endParaRPr lang="en-IN" dirty="0"/>
-          </a:p>
-        </p:txBody>
-      </p:sp>
-      <p:pic>
-        <p:nvPicPr>
-          <p:cNvPr id="4" name="Content Placeholder 3">
-            <a:extLst>
-              <a:ext uri="{FF2B5EF4-FFF2-40B4-BE49-F238E27FC236}">
-                <a16:creationId xmlns:a16="http://schemas.microsoft.com/office/drawing/2014/main" id="{A634C3F0-3E3F-F76B-59D0-3E9648E69848}"/>
-              </a:ext>
-            </a:extLst>
-          </p:cNvPr>
-          <p:cNvPicPr>
-            <a:picLocks noGrp="1" noChangeAspect="1" noChangeArrowheads="1"/>
-          </p:cNvPicPr>
-          <p:nvPr>
-            <p:ph idx="1"/>
-          </p:nvPr>
-        </p:nvPicPr>
-        <p:blipFill rotWithShape="1">
-          <a:blip r:embed="rId2">
-            <a:extLst>
-              <a:ext uri="{28A0092B-C50C-407E-A947-70E740481C1C}">
-                <a14:useLocalDpi xmlns:a14="http://schemas.microsoft.com/office/drawing/2010/main" val="0"/>
-              </a:ext>
-            </a:extLst>
-          </a:blip>
-          <a:srcRect t="13884"/>
-          <a:stretch>
-            <a:fillRect/>
-          </a:stretch>
-        </p:blipFill>
-        <p:spPr bwMode="auto">
-          <a:xfrm>
-            <a:off x="1143000" y="1676400"/>
-            <a:ext cx="6647619" cy="2780304"/>
-          </a:xfrm>
-          <a:prstGeom prst="rect">
-            <a:avLst/>
-          </a:prstGeom>
-          <a:noFill/>
-          <a:ln>
-            <a:noFill/>
-          </a:ln>
-          <a:effectLst/>
-          <a:extLst>
-            <a:ext uri="{909E8E84-426E-40DD-AFC4-6F175D3DCCD1}">
-              <a14:hiddenFill xmlns:a14="http://schemas.microsoft.com/office/drawing/2010/main">
-                <a:solidFill>
-                  <a:schemeClr val="accent1"/>
-                </a:solidFill>
-              </a14:hiddenFill>
-            </a:ext>
-            <a:ext uri="{91240B29-F687-4F45-9708-019B960494DF}">
-              <a14:hiddenLine xmlns:a14="http://schemas.microsoft.com/office/drawing/2010/main" w="9525">
-                <a:solidFill>
-                  <a:schemeClr val="tx1"/>
-                </a:solidFill>
-                <a:miter lim="800000"/>
-                <a:headEnd/>
-                <a:tailEnd/>
-              </a14:hiddenLine>
-            </a:ext>
-            <a:ext uri="{AF507438-7753-43E0-B8FC-AC1667EBCBE1}">
-              <a14:hiddenEffects xmlns:a14="http://schemas.microsoft.com/office/drawing/2010/main">
-                <a:effectLst>
-                  <a:outerShdw dist="35921" dir="2700000" algn="ctr" rotWithShape="0">
-                    <a:schemeClr val="bg2"/>
-                  </a:outerShdw>
-                </a:effectLst>
-              </a14:hiddenEffects>
-            </a:ext>
-          </a:extLst>
-        </p:spPr>
-      </p:pic>
-    </p:spTree>
-    <p:extLst>
-      <p:ext uri="{BB962C8B-B14F-4D97-AF65-F5344CB8AC3E}">
-        <p14:creationId xmlns:p14="http://schemas.microsoft.com/office/powerpoint/2010/main" val="2149637790"/>
-      </p:ext>
-    </p:extLst>
-  </p:cSld>
-  <p:clrMapOvr>
-    <a:masterClrMapping/>
-  </p:clrMapOvr>
-</p:sld>
-</file>
-
-<file path=ppt/slides/slide40.xml><?xml version="1.0" encoding="utf-8"?>
+<file path=ppt/slides/slide33.xml><?xml version="1.0" encoding="utf-8"?>
 <p:sld xmlns:a="http://schemas.openxmlformats.org/drawingml/2006/main" xmlns:r="http://schemas.openxmlformats.org/officeDocument/2006/relationships" xmlns:p="http://schemas.openxmlformats.org/presentationml/2006/main">
   <p:cSld>
     <p:spTree>
@@ -14287,7 +12832,7 @@
 </p:sld>
 </file>
 
-<file path=ppt/slides/slide41.xml><?xml version="1.0" encoding="utf-8"?>
+<file path=ppt/slides/slide34.xml><?xml version="1.0" encoding="utf-8"?>
 <p:sld xmlns:a="http://schemas.openxmlformats.org/drawingml/2006/main" xmlns:r="http://schemas.openxmlformats.org/officeDocument/2006/relationships" xmlns:p="http://schemas.openxmlformats.org/presentationml/2006/main">
   <p:cSld>
     <p:spTree>
@@ -14403,7 +12948,7 @@
 </p:sld>
 </file>
 
-<file path=ppt/slides/slide42.xml><?xml version="1.0" encoding="utf-8"?>
+<file path=ppt/slides/slide35.xml><?xml version="1.0" encoding="utf-8"?>
 <p:sld xmlns:a="http://schemas.openxmlformats.org/drawingml/2006/main" xmlns:r="http://schemas.openxmlformats.org/officeDocument/2006/relationships" xmlns:p="http://schemas.openxmlformats.org/presentationml/2006/main">
   <p:cSld>
     <p:spTree>
@@ -15476,7 +14021,7 @@
 </p:sld>
 </file>
 
-<file path=ppt/slides/slide43.xml><?xml version="1.0" encoding="utf-8"?>
+<file path=ppt/slides/slide36.xml><?xml version="1.0" encoding="utf-8"?>
 <p:sld xmlns:a="http://schemas.openxmlformats.org/drawingml/2006/main" xmlns:r="http://schemas.openxmlformats.org/officeDocument/2006/relationships" xmlns:p="http://schemas.openxmlformats.org/presentationml/2006/main">
   <p:cSld>
     <p:spTree>
@@ -15632,7 +14177,7 @@
 </p:sld>
 </file>
 
-<file path=ppt/slides/slide44.xml><?xml version="1.0" encoding="utf-8"?>
+<file path=ppt/slides/slide37.xml><?xml version="1.0" encoding="utf-8"?>
 <p:sld xmlns:a="http://schemas.openxmlformats.org/drawingml/2006/main" xmlns:r="http://schemas.openxmlformats.org/officeDocument/2006/relationships" xmlns:p="http://schemas.openxmlformats.org/presentationml/2006/main">
   <p:cSld>
     <p:spTree>
@@ -15728,7 +14273,7 @@
 </p:sld>
 </file>
 
-<file path=ppt/slides/slide45.xml><?xml version="1.0" encoding="utf-8"?>
+<file path=ppt/slides/slide38.xml><?xml version="1.0" encoding="utf-8"?>
 <p:sld xmlns:a="http://schemas.openxmlformats.org/drawingml/2006/main" xmlns:r="http://schemas.openxmlformats.org/officeDocument/2006/relationships" xmlns:p="http://schemas.openxmlformats.org/presentationml/2006/main">
   <p:cSld>
     <p:spTree>
@@ -17218,7 +15763,7 @@
 </p:sld>
 </file>
 
-<file path=ppt/slides/slide46.xml><?xml version="1.0" encoding="utf-8"?>
+<file path=ppt/slides/slide39.xml><?xml version="1.0" encoding="utf-8"?>
 <p:sld xmlns:a="http://schemas.openxmlformats.org/drawingml/2006/main" xmlns:r="http://schemas.openxmlformats.org/officeDocument/2006/relationships" xmlns:p="http://schemas.openxmlformats.org/presentationml/2006/main">
   <p:cSld>
     <p:spTree>
@@ -17321,7 +15866,513 @@
 </p:sld>
 </file>
 
-<file path=ppt/slides/slide47.xml><?xml version="1.0" encoding="utf-8"?>
+<file path=ppt/slides/slide4.xml><?xml version="1.0" encoding="utf-8"?>
+<p:sld xmlns:a="http://schemas.openxmlformats.org/drawingml/2006/main" xmlns:r="http://schemas.openxmlformats.org/officeDocument/2006/relationships" xmlns:p="http://schemas.openxmlformats.org/presentationml/2006/main">
+  <p:cSld>
+    <p:spTree>
+      <p:nvGrpSpPr>
+        <p:cNvPr id="1" name=""/>
+        <p:cNvGrpSpPr/>
+        <p:nvPr/>
+      </p:nvGrpSpPr>
+      <p:grpSpPr>
+        <a:xfrm>
+          <a:off x="0" y="0"/>
+          <a:ext cx="0" cy="0"/>
+          <a:chOff x="0" y="0"/>
+          <a:chExt cx="0" cy="0"/>
+        </a:xfrm>
+      </p:grpSpPr>
+      <p:sp>
+        <p:nvSpPr>
+          <p:cNvPr id="3" name="Content Placeholder 2">
+            <a:extLst>
+              <a:ext uri="{FF2B5EF4-FFF2-40B4-BE49-F238E27FC236}">
+                <a16:creationId xmlns:a16="http://schemas.microsoft.com/office/drawing/2014/main" id="{0CB6B2F2-7FAA-D191-84A9-7031E5AE988A}"/>
+              </a:ext>
+            </a:extLst>
+          </p:cNvPr>
+          <p:cNvSpPr>
+            <a:spLocks noGrp="1"/>
+          </p:cNvSpPr>
+          <p:nvPr>
+            <p:ph sz="quarter" idx="10"/>
+          </p:nvPr>
+        </p:nvSpPr>
+        <p:spPr/>
+        <p:txBody>
+          <a:bodyPr/>
+          <a:lstStyle/>
+          <a:p>
+            <a:r>
+              <a:rPr lang="en-US" dirty="0"/>
+              <a:t>Sequence recognizer state diagram</a:t>
+            </a:r>
+            <a:endParaRPr lang="en-IN" dirty="0"/>
+          </a:p>
+        </p:txBody>
+      </p:sp>
+      <p:pic>
+        <p:nvPicPr>
+          <p:cNvPr id="4" name="Content Placeholder 3">
+            <a:extLst>
+              <a:ext uri="{FF2B5EF4-FFF2-40B4-BE49-F238E27FC236}">
+                <a16:creationId xmlns:a16="http://schemas.microsoft.com/office/drawing/2014/main" id="{3F3F9A38-ED6B-67F8-855E-EA80545CA886}"/>
+              </a:ext>
+            </a:extLst>
+          </p:cNvPr>
+          <p:cNvPicPr>
+            <a:picLocks noGrp="1" noChangeAspect="1" noChangeArrowheads="1"/>
+          </p:cNvPicPr>
+          <p:nvPr>
+            <p:ph idx="1"/>
+          </p:nvPr>
+        </p:nvPicPr>
+        <p:blipFill rotWithShape="1">
+          <a:blip r:embed="rId2">
+            <a:extLst>
+              <a:ext uri="{28A0092B-C50C-407E-A947-70E740481C1C}">
+                <a14:useLocalDpi xmlns:a14="http://schemas.microsoft.com/office/drawing/2010/main" val="0"/>
+              </a:ext>
+            </a:extLst>
+          </a:blip>
+          <a:srcRect t="10768" b="85050"/>
+          <a:stretch>
+            <a:fillRect/>
+          </a:stretch>
+        </p:blipFill>
+        <p:spPr bwMode="auto">
+          <a:xfrm>
+            <a:off x="762000" y="1524001"/>
+            <a:ext cx="7620000" cy="228600"/>
+          </a:xfrm>
+          <a:prstGeom prst="rect">
+            <a:avLst/>
+          </a:prstGeom>
+          <a:noFill/>
+          <a:ln>
+            <a:noFill/>
+          </a:ln>
+          <a:effectLst/>
+          <a:extLst>
+            <a:ext uri="{909E8E84-426E-40DD-AFC4-6F175D3DCCD1}">
+              <a14:hiddenFill xmlns:a14="http://schemas.microsoft.com/office/drawing/2010/main">
+                <a:solidFill>
+                  <a:schemeClr val="accent1"/>
+                </a:solidFill>
+              </a14:hiddenFill>
+            </a:ext>
+            <a:ext uri="{91240B29-F687-4F45-9708-019B960494DF}">
+              <a14:hiddenLine xmlns:a14="http://schemas.microsoft.com/office/drawing/2010/main" w="9525">
+                <a:solidFill>
+                  <a:schemeClr val="tx1"/>
+                </a:solidFill>
+                <a:miter lim="800000"/>
+                <a:headEnd/>
+                <a:tailEnd/>
+              </a14:hiddenLine>
+            </a:ext>
+            <a:ext uri="{AF507438-7753-43E0-B8FC-AC1667EBCBE1}">
+              <a14:hiddenEffects xmlns:a14="http://schemas.microsoft.com/office/drawing/2010/main">
+                <a:effectLst>
+                  <a:outerShdw dist="35921" dir="2700000" algn="ctr" rotWithShape="0">
+                    <a:schemeClr val="bg2"/>
+                  </a:outerShdw>
+                </a:effectLst>
+              </a14:hiddenEffects>
+            </a:ext>
+          </a:extLst>
+        </p:spPr>
+      </p:pic>
+      <p:pic>
+        <p:nvPicPr>
+          <p:cNvPr id="5" name="Content Placeholder 3">
+            <a:extLst>
+              <a:ext uri="{FF2B5EF4-FFF2-40B4-BE49-F238E27FC236}">
+                <a16:creationId xmlns:a16="http://schemas.microsoft.com/office/drawing/2014/main" id="{A6112DCD-A03A-F497-4449-064CA37B47C7}"/>
+              </a:ext>
+            </a:extLst>
+          </p:cNvPr>
+          <p:cNvPicPr>
+            <a:picLocks noChangeAspect="1" noChangeArrowheads="1"/>
+          </p:cNvPicPr>
+          <p:nvPr/>
+        </p:nvPicPr>
+        <p:blipFill rotWithShape="1">
+          <a:blip r:embed="rId2">
+            <a:extLst>
+              <a:ext uri="{28A0092B-C50C-407E-A947-70E740481C1C}">
+                <a14:useLocalDpi xmlns:a14="http://schemas.microsoft.com/office/drawing/2010/main" val="0"/>
+              </a:ext>
+            </a:extLst>
+          </a:blip>
+          <a:srcRect t="10770" b="68320"/>
+          <a:stretch>
+            <a:fillRect/>
+          </a:stretch>
+        </p:blipFill>
+        <p:spPr bwMode="auto">
+          <a:xfrm>
+            <a:off x="762000" y="1524000"/>
+            <a:ext cx="7620000" cy="1142999"/>
+          </a:xfrm>
+          <a:prstGeom prst="rect">
+            <a:avLst/>
+          </a:prstGeom>
+          <a:noFill/>
+          <a:ln>
+            <a:noFill/>
+          </a:ln>
+          <a:effectLst/>
+          <a:extLst>
+            <a:ext uri="{909E8E84-426E-40DD-AFC4-6F175D3DCCD1}">
+              <a14:hiddenFill xmlns:a14="http://schemas.microsoft.com/office/drawing/2010/main">
+                <a:solidFill>
+                  <a:schemeClr val="accent1"/>
+                </a:solidFill>
+              </a14:hiddenFill>
+            </a:ext>
+            <a:ext uri="{91240B29-F687-4F45-9708-019B960494DF}">
+              <a14:hiddenLine xmlns:a14="http://schemas.microsoft.com/office/drawing/2010/main" w="9525">
+                <a:solidFill>
+                  <a:schemeClr val="tx1"/>
+                </a:solidFill>
+                <a:miter lim="800000"/>
+                <a:headEnd/>
+                <a:tailEnd/>
+              </a14:hiddenLine>
+            </a:ext>
+            <a:ext uri="{AF507438-7753-43E0-B8FC-AC1667EBCBE1}">
+              <a14:hiddenEffects xmlns:a14="http://schemas.microsoft.com/office/drawing/2010/main">
+                <a:effectLst>
+                  <a:outerShdw dist="35921" dir="2700000" algn="ctr" rotWithShape="0">
+                    <a:schemeClr val="bg2"/>
+                  </a:outerShdw>
+                </a:effectLst>
+              </a14:hiddenEffects>
+            </a:ext>
+          </a:extLst>
+        </p:spPr>
+      </p:pic>
+      <p:pic>
+        <p:nvPicPr>
+          <p:cNvPr id="6" name="Content Placeholder 3">
+            <a:extLst>
+              <a:ext uri="{FF2B5EF4-FFF2-40B4-BE49-F238E27FC236}">
+                <a16:creationId xmlns:a16="http://schemas.microsoft.com/office/drawing/2014/main" id="{B5A8881B-00EC-04A6-5320-BEE2E1535889}"/>
+              </a:ext>
+            </a:extLst>
+          </p:cNvPr>
+          <p:cNvPicPr>
+            <a:picLocks noChangeAspect="1" noChangeArrowheads="1"/>
+          </p:cNvPicPr>
+          <p:nvPr/>
+        </p:nvPicPr>
+        <p:blipFill rotWithShape="1">
+          <a:blip r:embed="rId2">
+            <a:extLst>
+              <a:ext uri="{28A0092B-C50C-407E-A947-70E740481C1C}">
+                <a14:useLocalDpi xmlns:a14="http://schemas.microsoft.com/office/drawing/2010/main" val="0"/>
+              </a:ext>
+            </a:extLst>
+          </a:blip>
+          <a:srcRect t="10769" b="58563"/>
+          <a:stretch>
+            <a:fillRect/>
+          </a:stretch>
+        </p:blipFill>
+        <p:spPr bwMode="auto">
+          <a:xfrm>
+            <a:off x="762000" y="1523999"/>
+            <a:ext cx="7620000" cy="1676401"/>
+          </a:xfrm>
+          <a:prstGeom prst="rect">
+            <a:avLst/>
+          </a:prstGeom>
+          <a:noFill/>
+          <a:ln>
+            <a:noFill/>
+          </a:ln>
+          <a:effectLst/>
+          <a:extLst>
+            <a:ext uri="{909E8E84-426E-40DD-AFC4-6F175D3DCCD1}">
+              <a14:hiddenFill xmlns:a14="http://schemas.microsoft.com/office/drawing/2010/main">
+                <a:solidFill>
+                  <a:schemeClr val="accent1"/>
+                </a:solidFill>
+              </a14:hiddenFill>
+            </a:ext>
+            <a:ext uri="{91240B29-F687-4F45-9708-019B960494DF}">
+              <a14:hiddenLine xmlns:a14="http://schemas.microsoft.com/office/drawing/2010/main" w="9525">
+                <a:solidFill>
+                  <a:schemeClr val="tx1"/>
+                </a:solidFill>
+                <a:miter lim="800000"/>
+                <a:headEnd/>
+                <a:tailEnd/>
+              </a14:hiddenLine>
+            </a:ext>
+            <a:ext uri="{AF507438-7753-43E0-B8FC-AC1667EBCBE1}">
+              <a14:hiddenEffects xmlns:a14="http://schemas.microsoft.com/office/drawing/2010/main">
+                <a:effectLst>
+                  <a:outerShdw dist="35921" dir="2700000" algn="ctr" rotWithShape="0">
+                    <a:schemeClr val="bg2"/>
+                  </a:outerShdw>
+                </a:effectLst>
+              </a14:hiddenEffects>
+            </a:ext>
+          </a:extLst>
+        </p:spPr>
+      </p:pic>
+      <p:pic>
+        <p:nvPicPr>
+          <p:cNvPr id="7" name="Content Placeholder 3">
+            <a:extLst>
+              <a:ext uri="{FF2B5EF4-FFF2-40B4-BE49-F238E27FC236}">
+                <a16:creationId xmlns:a16="http://schemas.microsoft.com/office/drawing/2014/main" id="{08CE59F7-0419-2B4B-A84C-E4FD94A3883F}"/>
+              </a:ext>
+            </a:extLst>
+          </p:cNvPr>
+          <p:cNvPicPr>
+            <a:picLocks noChangeAspect="1" noChangeArrowheads="1"/>
+          </p:cNvPicPr>
+          <p:nvPr/>
+        </p:nvPicPr>
+        <p:blipFill rotWithShape="1">
+          <a:blip r:embed="rId2">
+            <a:extLst>
+              <a:ext uri="{28A0092B-C50C-407E-A947-70E740481C1C}">
+                <a14:useLocalDpi xmlns:a14="http://schemas.microsoft.com/office/drawing/2010/main" val="0"/>
+              </a:ext>
+            </a:extLst>
+          </a:blip>
+          <a:srcRect t="41436" b="16"/>
+          <a:stretch>
+            <a:fillRect/>
+          </a:stretch>
+        </p:blipFill>
+        <p:spPr bwMode="auto">
+          <a:xfrm>
+            <a:off x="745475" y="3200400"/>
+            <a:ext cx="7620000" cy="3200400"/>
+          </a:xfrm>
+          <a:prstGeom prst="rect">
+            <a:avLst/>
+          </a:prstGeom>
+          <a:noFill/>
+          <a:ln>
+            <a:noFill/>
+          </a:ln>
+          <a:effectLst/>
+          <a:extLst>
+            <a:ext uri="{909E8E84-426E-40DD-AFC4-6F175D3DCCD1}">
+              <a14:hiddenFill xmlns:a14="http://schemas.microsoft.com/office/drawing/2010/main">
+                <a:solidFill>
+                  <a:schemeClr val="accent1"/>
+                </a:solidFill>
+              </a14:hiddenFill>
+            </a:ext>
+            <a:ext uri="{91240B29-F687-4F45-9708-019B960494DF}">
+              <a14:hiddenLine xmlns:a14="http://schemas.microsoft.com/office/drawing/2010/main" w="9525">
+                <a:solidFill>
+                  <a:schemeClr val="tx1"/>
+                </a:solidFill>
+                <a:miter lim="800000"/>
+                <a:headEnd/>
+                <a:tailEnd/>
+              </a14:hiddenLine>
+            </a:ext>
+            <a:ext uri="{AF507438-7753-43E0-B8FC-AC1667EBCBE1}">
+              <a14:hiddenEffects xmlns:a14="http://schemas.microsoft.com/office/drawing/2010/main">
+                <a:effectLst>
+                  <a:outerShdw dist="35921" dir="2700000" algn="ctr" rotWithShape="0">
+                    <a:schemeClr val="bg2"/>
+                  </a:outerShdw>
+                </a:effectLst>
+              </a14:hiddenEffects>
+            </a:ext>
+          </a:extLst>
+        </p:spPr>
+      </p:pic>
+    </p:spTree>
+    <p:extLst>
+      <p:ext uri="{BB962C8B-B14F-4D97-AF65-F5344CB8AC3E}">
+        <p14:creationId xmlns:p14="http://schemas.microsoft.com/office/powerpoint/2010/main" val="1677339676"/>
+      </p:ext>
+    </p:extLst>
+  </p:cSld>
+  <p:clrMapOvr>
+    <a:masterClrMapping/>
+  </p:clrMapOvr>
+  <p:timing>
+    <p:tnLst>
+      <p:par>
+        <p:cTn id="1" dur="indefinite" restart="never" nodeType="tmRoot">
+          <p:childTnLst>
+            <p:seq concurrent="1" nextAc="seek">
+              <p:cTn id="2" dur="indefinite" nodeType="mainSeq">
+                <p:childTnLst>
+                  <p:par>
+                    <p:cTn id="3" fill="hold">
+                      <p:stCondLst>
+                        <p:cond delay="indefinite"/>
+                      </p:stCondLst>
+                      <p:childTnLst>
+                        <p:par>
+                          <p:cTn id="4" fill="hold">
+                            <p:stCondLst>
+                              <p:cond delay="0"/>
+                            </p:stCondLst>
+                            <p:childTnLst>
+                              <p:par>
+                                <p:cTn id="5" presetID="1" presetClass="entr" presetSubtype="0" fill="hold" nodeType="clickEffect">
+                                  <p:stCondLst>
+                                    <p:cond delay="0"/>
+                                  </p:stCondLst>
+                                  <p:childTnLst>
+                                    <p:set>
+                                      <p:cBhvr>
+                                        <p:cTn id="6" dur="1" fill="hold">
+                                          <p:stCondLst>
+                                            <p:cond delay="0"/>
+                                          </p:stCondLst>
+                                        </p:cTn>
+                                        <p:tgtEl>
+                                          <p:spTgt spid="5"/>
+                                        </p:tgtEl>
+                                        <p:attrNameLst>
+                                          <p:attrName>style.visibility</p:attrName>
+                                        </p:attrNameLst>
+                                      </p:cBhvr>
+                                      <p:to>
+                                        <p:strVal val="visible"/>
+                                      </p:to>
+                                    </p:set>
+                                  </p:childTnLst>
+                                </p:cTn>
+                              </p:par>
+                            </p:childTnLst>
+                          </p:cTn>
+                        </p:par>
+                      </p:childTnLst>
+                    </p:cTn>
+                  </p:par>
+                  <p:par>
+                    <p:cTn id="7" fill="hold">
+                      <p:stCondLst>
+                        <p:cond delay="indefinite"/>
+                      </p:stCondLst>
+                      <p:childTnLst>
+                        <p:par>
+                          <p:cTn id="8" fill="hold">
+                            <p:stCondLst>
+                              <p:cond delay="0"/>
+                            </p:stCondLst>
+                            <p:childTnLst>
+                              <p:par>
+                                <p:cTn id="9" presetID="1" presetClass="entr" presetSubtype="0" fill="hold" nodeType="clickEffect">
+                                  <p:stCondLst>
+                                    <p:cond delay="0"/>
+                                  </p:stCondLst>
+                                  <p:childTnLst>
+                                    <p:set>
+                                      <p:cBhvr>
+                                        <p:cTn id="10" dur="1" fill="hold">
+                                          <p:stCondLst>
+                                            <p:cond delay="0"/>
+                                          </p:stCondLst>
+                                        </p:cTn>
+                                        <p:tgtEl>
+                                          <p:spTgt spid="6"/>
+                                        </p:tgtEl>
+                                        <p:attrNameLst>
+                                          <p:attrName>style.visibility</p:attrName>
+                                        </p:attrNameLst>
+                                      </p:cBhvr>
+                                      <p:to>
+                                        <p:strVal val="visible"/>
+                                      </p:to>
+                                    </p:set>
+                                  </p:childTnLst>
+                                </p:cTn>
+                              </p:par>
+                            </p:childTnLst>
+                          </p:cTn>
+                        </p:par>
+                      </p:childTnLst>
+                    </p:cTn>
+                  </p:par>
+                  <p:par>
+                    <p:cTn id="11" fill="hold">
+                      <p:stCondLst>
+                        <p:cond delay="indefinite"/>
+                      </p:stCondLst>
+                      <p:childTnLst>
+                        <p:par>
+                          <p:cTn id="12" fill="hold">
+                            <p:stCondLst>
+                              <p:cond delay="0"/>
+                            </p:stCondLst>
+                            <p:childTnLst>
+                              <p:par>
+                                <p:cTn id="13" presetID="1" presetClass="entr" presetSubtype="0" fill="hold" nodeType="clickEffect">
+                                  <p:stCondLst>
+                                    <p:cond delay="0"/>
+                                  </p:stCondLst>
+                                  <p:childTnLst>
+                                    <p:set>
+                                      <p:cBhvr>
+                                        <p:cTn id="14" dur="1" fill="hold">
+                                          <p:stCondLst>
+                                            <p:cond delay="0"/>
+                                          </p:stCondLst>
+                                        </p:cTn>
+                                        <p:tgtEl>
+                                          <p:spTgt spid="7"/>
+                                        </p:tgtEl>
+                                        <p:attrNameLst>
+                                          <p:attrName>style.visibility</p:attrName>
+                                        </p:attrNameLst>
+                                      </p:cBhvr>
+                                      <p:to>
+                                        <p:strVal val="visible"/>
+                                      </p:to>
+                                    </p:set>
+                                  </p:childTnLst>
+                                </p:cTn>
+                              </p:par>
+                            </p:childTnLst>
+                          </p:cTn>
+                        </p:par>
+                      </p:childTnLst>
+                    </p:cTn>
+                  </p:par>
+                </p:childTnLst>
+              </p:cTn>
+              <p:prevCondLst>
+                <p:cond evt="onPrev" delay="0">
+                  <p:tgtEl>
+                    <p:sldTgt/>
+                  </p:tgtEl>
+                </p:cond>
+              </p:prevCondLst>
+              <p:nextCondLst>
+                <p:cond evt="onNext" delay="0">
+                  <p:tgtEl>
+                    <p:sldTgt/>
+                  </p:tgtEl>
+                </p:cond>
+              </p:nextCondLst>
+            </p:seq>
+          </p:childTnLst>
+        </p:cTn>
+      </p:par>
+    </p:tnLst>
+  </p:timing>
+</p:sld>
+</file>
+
+<file path=ppt/slides/slide40.xml><?xml version="1.0" encoding="utf-8"?>
 <p:sld xmlns:a="http://schemas.openxmlformats.org/drawingml/2006/main" xmlns:r="http://schemas.openxmlformats.org/officeDocument/2006/relationships" xmlns:p="http://schemas.openxmlformats.org/presentationml/2006/main">
   <p:cSld>
     <p:spTree>
@@ -17524,7 +16575,7 @@
 </p:sld>
 </file>
 
-<file path=ppt/slides/slide48.xml><?xml version="1.0" encoding="utf-8"?>
+<file path=ppt/slides/slide41.xml><?xml version="1.0" encoding="utf-8"?>
 <p:sld xmlns:a="http://schemas.openxmlformats.org/drawingml/2006/main" xmlns:r="http://schemas.openxmlformats.org/officeDocument/2006/relationships" xmlns:p="http://schemas.openxmlformats.org/presentationml/2006/main">
   <p:cSld>
     <p:spTree>
@@ -21329,7 +20380,7 @@
 </p:sld>
 </file>
 
-<file path=ppt/slides/slide49.xml><?xml version="1.0" encoding="utf-8"?>
+<file path=ppt/slides/slide42.xml><?xml version="1.0" encoding="utf-8"?>
 <p:sld xmlns:a="http://schemas.openxmlformats.org/drawingml/2006/main" xmlns:r="http://schemas.openxmlformats.org/officeDocument/2006/relationships" xmlns:p="http://schemas.openxmlformats.org/presentationml/2006/main">
   <p:cSld>
     <p:spTree>
@@ -21752,138 +20803,7 @@
 </p:sld>
 </file>
 
-<file path=ppt/slides/slide5.xml><?xml version="1.0" encoding="utf-8"?>
-<p:sld xmlns:a="http://schemas.openxmlformats.org/drawingml/2006/main" xmlns:r="http://schemas.openxmlformats.org/officeDocument/2006/relationships" xmlns:p="http://schemas.openxmlformats.org/presentationml/2006/main">
-  <p:cSld>
-    <p:spTree>
-      <p:nvGrpSpPr>
-        <p:cNvPr id="1" name=""/>
-        <p:cNvGrpSpPr/>
-        <p:nvPr/>
-      </p:nvGrpSpPr>
-      <p:grpSpPr>
-        <a:xfrm>
-          <a:off x="0" y="0"/>
-          <a:ext cx="0" cy="0"/>
-          <a:chOff x="0" y="0"/>
-          <a:chExt cx="0" cy="0"/>
-        </a:xfrm>
-      </p:grpSpPr>
-      <p:sp>
-        <p:nvSpPr>
-          <p:cNvPr id="3" name="Content Placeholder 2">
-            <a:extLst>
-              <a:ext uri="{FF2B5EF4-FFF2-40B4-BE49-F238E27FC236}">
-                <a16:creationId xmlns:a16="http://schemas.microsoft.com/office/drawing/2014/main" id="{E14E2F11-99CE-BACF-B592-5C6F9ED18812}"/>
-              </a:ext>
-            </a:extLst>
-          </p:cNvPr>
-          <p:cNvSpPr>
-            <a:spLocks noGrp="1"/>
-          </p:cNvSpPr>
-          <p:nvPr>
-            <p:ph sz="quarter" idx="10"/>
-          </p:nvPr>
-        </p:nvSpPr>
-        <p:spPr/>
-        <p:txBody>
-          <a:bodyPr/>
-          <a:lstStyle/>
-          <a:p>
-            <a:r>
-              <a:rPr lang="en-US" dirty="0"/>
-              <a:t>Step 2: Flip flop input values</a:t>
-            </a:r>
-            <a:endParaRPr lang="en-IN" dirty="0"/>
-          </a:p>
-        </p:txBody>
-      </p:sp>
-      <p:pic>
-        <p:nvPicPr>
-          <p:cNvPr id="4" name="Content Placeholder 3">
-            <a:extLst>
-              <a:ext uri="{FF2B5EF4-FFF2-40B4-BE49-F238E27FC236}">
-                <a16:creationId xmlns:a16="http://schemas.microsoft.com/office/drawing/2014/main" id="{F0568A0B-BDA7-F22D-40B6-E5C92622072F}"/>
-              </a:ext>
-            </a:extLst>
-          </p:cNvPr>
-          <p:cNvPicPr>
-            <a:picLocks noGrp="1" noChangeAspect="1" noChangeArrowheads="1"/>
-          </p:cNvPicPr>
-          <p:nvPr>
-            <p:ph idx="1"/>
-          </p:nvPr>
-        </p:nvPicPr>
-        <p:blipFill rotWithShape="1">
-          <a:blip r:embed="rId2">
-            <a:extLst>
-              <a:ext uri="{28A0092B-C50C-407E-A947-70E740481C1C}">
-                <a14:useLocalDpi xmlns:a14="http://schemas.microsoft.com/office/drawing/2010/main" val="0"/>
-              </a:ext>
-            </a:extLst>
-          </a:blip>
-          <a:srcRect t="10347"/>
-          <a:stretch>
-            <a:fillRect/>
-          </a:stretch>
-        </p:blipFill>
-        <p:spPr bwMode="auto">
-          <a:xfrm>
-            <a:off x="650931" y="1600200"/>
-            <a:ext cx="7842137" cy="4572000"/>
-          </a:xfrm>
-          <a:prstGeom prst="rect">
-            <a:avLst/>
-          </a:prstGeom>
-          <a:noFill/>
-          <a:ln>
-            <a:noFill/>
-          </a:ln>
-          <a:effectLst/>
-          <a:extLst>
-            <a:ext uri="{909E8E84-426E-40DD-AFC4-6F175D3DCCD1}">
-              <a14:hiddenFill xmlns:a14="http://schemas.microsoft.com/office/drawing/2010/main">
-                <a:solidFill>
-                  <a:schemeClr val="accent1"/>
-                </a:solidFill>
-              </a14:hiddenFill>
-            </a:ext>
-            <a:ext uri="{91240B29-F687-4F45-9708-019B960494DF}">
-              <a14:hiddenLine xmlns:a14="http://schemas.microsoft.com/office/drawing/2010/main" w="9525">
-                <a:solidFill>
-                  <a:schemeClr val="tx1"/>
-                </a:solidFill>
-                <a:miter lim="800000"/>
-                <a:headEnd/>
-                <a:tailEnd/>
-              </a14:hiddenLine>
-            </a:ext>
-            <a:ext uri="{AF507438-7753-43E0-B8FC-AC1667EBCBE1}">
-              <a14:hiddenEffects xmlns:a14="http://schemas.microsoft.com/office/drawing/2010/main">
-                <a:effectLst>
-                  <a:outerShdw dist="35921" dir="2700000" algn="ctr" rotWithShape="0">
-                    <a:schemeClr val="bg2"/>
-                  </a:outerShdw>
-                </a:effectLst>
-              </a14:hiddenEffects>
-            </a:ext>
-          </a:extLst>
-        </p:spPr>
-      </p:pic>
-    </p:spTree>
-    <p:extLst>
-      <p:ext uri="{BB962C8B-B14F-4D97-AF65-F5344CB8AC3E}">
-        <p14:creationId xmlns:p14="http://schemas.microsoft.com/office/powerpoint/2010/main" val="2897306734"/>
-      </p:ext>
-    </p:extLst>
-  </p:cSld>
-  <p:clrMapOvr>
-    <a:masterClrMapping/>
-  </p:clrMapOvr>
-</p:sld>
-</file>
-
-<file path=ppt/slides/slide50.xml><?xml version="1.0" encoding="utf-8"?>
+<file path=ppt/slides/slide43.xml><?xml version="1.0" encoding="utf-8"?>
 <p:sld xmlns:a="http://schemas.openxmlformats.org/drawingml/2006/main" xmlns:r="http://schemas.openxmlformats.org/officeDocument/2006/relationships" xmlns:p="http://schemas.openxmlformats.org/presentationml/2006/main">
   <p:cSld>
     <p:spTree>
@@ -22308,7 +21228,7 @@
 </p:sld>
 </file>
 
-<file path=ppt/slides/slide51.xml><?xml version="1.0" encoding="utf-8"?>
+<file path=ppt/slides/slide44.xml><?xml version="1.0" encoding="utf-8"?>
 <p:sld xmlns:a="http://schemas.openxmlformats.org/drawingml/2006/main" xmlns:r="http://schemas.openxmlformats.org/officeDocument/2006/relationships" xmlns:p="http://schemas.openxmlformats.org/presentationml/2006/main">
   <p:cSld>
     <p:spTree>
@@ -22416,7 +21336,7 @@
 </p:sld>
 </file>
 
-<file path=ppt/slides/slide52.xml><?xml version="1.0" encoding="utf-8"?>
+<file path=ppt/slides/slide45.xml><?xml version="1.0" encoding="utf-8"?>
 <p:sld xmlns:a="http://schemas.openxmlformats.org/drawingml/2006/main" xmlns:r="http://schemas.openxmlformats.org/officeDocument/2006/relationships" xmlns:p="http://schemas.openxmlformats.org/presentationml/2006/main">
   <p:cSld>
     <p:spTree>
@@ -22524,7 +21444,7 @@
 </p:sld>
 </file>
 
-<file path=ppt/slides/slide53.xml><?xml version="1.0" encoding="utf-8"?>
+<file path=ppt/slides/slide46.xml><?xml version="1.0" encoding="utf-8"?>
 <p:sld xmlns:a="http://schemas.openxmlformats.org/drawingml/2006/main" xmlns:r="http://schemas.openxmlformats.org/officeDocument/2006/relationships" xmlns:p="http://schemas.openxmlformats.org/presentationml/2006/main">
   <p:cSld>
     <p:spTree>
@@ -22632,7 +21552,7 @@
 </p:sld>
 </file>
 
-<file path=ppt/slides/slide6.xml><?xml version="1.0" encoding="utf-8"?>
+<file path=ppt/slides/slide5.xml><?xml version="1.0" encoding="utf-8"?>
 <p:sld xmlns:a="http://schemas.openxmlformats.org/drawingml/2006/main" xmlns:r="http://schemas.openxmlformats.org/officeDocument/2006/relationships" xmlns:p="http://schemas.openxmlformats.org/presentationml/2006/main">
   <p:cSld>
     <p:spTree>
@@ -22654,7 +21574,7 @@
           <p:cNvPr id="3" name="Content Placeholder 2">
             <a:extLst>
               <a:ext uri="{FF2B5EF4-FFF2-40B4-BE49-F238E27FC236}">
-                <a16:creationId xmlns:a16="http://schemas.microsoft.com/office/drawing/2014/main" id="{E838E7FF-1752-1E34-E1E6-1C190D80C1AB}"/>
+                <a16:creationId xmlns:a16="http://schemas.microsoft.com/office/drawing/2014/main" id="{F89DCE74-BF64-01B9-5674-B16217F767D9}"/>
               </a:ext>
             </a:extLst>
           </p:cNvPr>
@@ -22672,7 +21592,7 @@
           <a:p>
             <a:r>
               <a:rPr lang="en-US" dirty="0"/>
-              <a:t>Step 3: finding next states</a:t>
+              <a:t>Where should the system go from D?</a:t>
             </a:r>
             <a:endParaRPr lang="en-IN" dirty="0"/>
           </a:p>
@@ -22683,7 +21603,7 @@
           <p:cNvPr id="4" name="Content Placeholder 3">
             <a:extLst>
               <a:ext uri="{FF2B5EF4-FFF2-40B4-BE49-F238E27FC236}">
-                <a16:creationId xmlns:a16="http://schemas.microsoft.com/office/drawing/2014/main" id="{00AF0757-4478-9C58-D367-E7843DAF584D}"/>
+                <a16:creationId xmlns:a16="http://schemas.microsoft.com/office/drawing/2014/main" id="{68882F8B-C05E-6655-96AE-F55D08BED2EB}"/>
               </a:ext>
             </a:extLst>
           </p:cNvPr>
@@ -22702,15 +21622,15 @@
               </a:ext>
             </a:extLst>
           </a:blip>
-          <a:srcRect t="10768"/>
+          <a:srcRect t="20130" b="1166"/>
           <a:stretch>
             <a:fillRect/>
           </a:stretch>
         </p:blipFill>
         <p:spPr bwMode="auto">
           <a:xfrm>
-            <a:off x="800100" y="1524000"/>
-            <a:ext cx="7543800" cy="4701498"/>
+            <a:off x="632473" y="1752600"/>
+            <a:ext cx="7879054" cy="4343400"/>
           </a:xfrm>
           <a:prstGeom prst="rect">
             <a:avLst/>
@@ -22753,610 +21673,7 @@
     </p:spTree>
     <p:extLst>
       <p:ext uri="{BB962C8B-B14F-4D97-AF65-F5344CB8AC3E}">
-        <p14:creationId xmlns:p14="http://schemas.microsoft.com/office/powerpoint/2010/main" val="3164143462"/>
-      </p:ext>
-    </p:extLst>
-  </p:cSld>
-  <p:clrMapOvr>
-    <a:masterClrMapping/>
-  </p:clrMapOvr>
-</p:sld>
-</file>
-
-<file path=ppt/slides/slide7.xml><?xml version="1.0" encoding="utf-8"?>
-<p:sld xmlns:a="http://schemas.openxmlformats.org/drawingml/2006/main" xmlns:r="http://schemas.openxmlformats.org/officeDocument/2006/relationships" xmlns:p="http://schemas.openxmlformats.org/presentationml/2006/main">
-  <p:cSld>
-    <p:spTree>
-      <p:nvGrpSpPr>
-        <p:cNvPr id="1" name=""/>
-        <p:cNvGrpSpPr/>
-        <p:nvPr/>
-      </p:nvGrpSpPr>
-      <p:grpSpPr>
-        <a:xfrm>
-          <a:off x="0" y="0"/>
-          <a:ext cx="0" cy="0"/>
-          <a:chOff x="0" y="0"/>
-          <a:chExt cx="0" cy="0"/>
-        </a:xfrm>
-      </p:grpSpPr>
-      <p:sp>
-        <p:nvSpPr>
-          <p:cNvPr id="3" name="Content Placeholder 2">
-            <a:extLst>
-              <a:ext uri="{FF2B5EF4-FFF2-40B4-BE49-F238E27FC236}">
-                <a16:creationId xmlns:a16="http://schemas.microsoft.com/office/drawing/2014/main" id="{527758EC-C7C9-8E1B-906F-DE6CF8B4AF37}"/>
-              </a:ext>
-            </a:extLst>
-          </p:cNvPr>
-          <p:cNvSpPr>
-            <a:spLocks noGrp="1"/>
-          </p:cNvSpPr>
-          <p:nvPr>
-            <p:ph sz="quarter" idx="10"/>
-          </p:nvPr>
-        </p:nvSpPr>
-        <p:spPr/>
-        <p:txBody>
-          <a:bodyPr/>
-          <a:lstStyle/>
-          <a:p>
-            <a:r>
-              <a:rPr lang="en-US" dirty="0"/>
-              <a:t>What does this circuit do?</a:t>
-            </a:r>
-            <a:endParaRPr lang="en-IN" dirty="0"/>
-          </a:p>
-        </p:txBody>
-      </p:sp>
-      <p:pic>
-        <p:nvPicPr>
-          <p:cNvPr id="4" name="Content Placeholder 3">
-            <a:extLst>
-              <a:ext uri="{FF2B5EF4-FFF2-40B4-BE49-F238E27FC236}">
-                <a16:creationId xmlns:a16="http://schemas.microsoft.com/office/drawing/2014/main" id="{94D737C0-CFAD-7C21-B634-CD3AD66C173D}"/>
-              </a:ext>
-            </a:extLst>
-          </p:cNvPr>
-          <p:cNvPicPr>
-            <a:picLocks noGrp="1" noChangeAspect="1" noChangeArrowheads="1"/>
-          </p:cNvPicPr>
-          <p:nvPr>
-            <p:ph idx="1"/>
-          </p:nvPr>
-        </p:nvPicPr>
-        <p:blipFill rotWithShape="1">
-          <a:blip r:embed="rId2">
-            <a:extLst>
-              <a:ext uri="{28A0092B-C50C-407E-A947-70E740481C1C}">
-                <a14:useLocalDpi xmlns:a14="http://schemas.microsoft.com/office/drawing/2010/main" val="0"/>
-              </a:ext>
-            </a:extLst>
-          </a:blip>
-          <a:srcRect t="10426"/>
-          <a:stretch>
-            <a:fillRect/>
-          </a:stretch>
-        </p:blipFill>
-        <p:spPr bwMode="auto">
-          <a:xfrm>
-            <a:off x="762000" y="1600200"/>
-            <a:ext cx="7620000" cy="4652397"/>
-          </a:xfrm>
-          <a:prstGeom prst="rect">
-            <a:avLst/>
-          </a:prstGeom>
-          <a:noFill/>
-          <a:ln>
-            <a:noFill/>
-          </a:ln>
-          <a:effectLst/>
-          <a:extLst>
-            <a:ext uri="{909E8E84-426E-40DD-AFC4-6F175D3DCCD1}">
-              <a14:hiddenFill xmlns:a14="http://schemas.microsoft.com/office/drawing/2010/main">
-                <a:solidFill>
-                  <a:schemeClr val="accent1"/>
-                </a:solidFill>
-              </a14:hiddenFill>
-            </a:ext>
-            <a:ext uri="{91240B29-F687-4F45-9708-019B960494DF}">
-              <a14:hiddenLine xmlns:a14="http://schemas.microsoft.com/office/drawing/2010/main" w="9525">
-                <a:solidFill>
-                  <a:schemeClr val="tx1"/>
-                </a:solidFill>
-                <a:miter lim="800000"/>
-                <a:headEnd/>
-                <a:tailEnd/>
-              </a14:hiddenLine>
-            </a:ext>
-            <a:ext uri="{AF507438-7753-43E0-B8FC-AC1667EBCBE1}">
-              <a14:hiddenEffects xmlns:a14="http://schemas.microsoft.com/office/drawing/2010/main">
-                <a:effectLst>
-                  <a:outerShdw dist="35921" dir="2700000" algn="ctr" rotWithShape="0">
-                    <a:schemeClr val="bg2"/>
-                  </a:outerShdw>
-                </a:effectLst>
-              </a14:hiddenEffects>
-            </a:ext>
-          </a:extLst>
-        </p:spPr>
-      </p:pic>
-    </p:spTree>
-    <p:extLst>
-      <p:ext uri="{BB962C8B-B14F-4D97-AF65-F5344CB8AC3E}">
-        <p14:creationId xmlns:p14="http://schemas.microsoft.com/office/powerpoint/2010/main" val="2654105892"/>
-      </p:ext>
-    </p:extLst>
-  </p:cSld>
-  <p:clrMapOvr>
-    <a:masterClrMapping/>
-  </p:clrMapOvr>
-</p:sld>
-</file>
-
-<file path=ppt/slides/slide8.xml><?xml version="1.0" encoding="utf-8"?>
-<p:sld xmlns:a="http://schemas.openxmlformats.org/drawingml/2006/main" xmlns:r="http://schemas.openxmlformats.org/officeDocument/2006/relationships" xmlns:p="http://schemas.openxmlformats.org/presentationml/2006/main">
-  <p:cSld>
-    <p:spTree>
-      <p:nvGrpSpPr>
-        <p:cNvPr id="1" name=""/>
-        <p:cNvGrpSpPr/>
-        <p:nvPr/>
-      </p:nvGrpSpPr>
-      <p:grpSpPr>
-        <a:xfrm>
-          <a:off x="0" y="0"/>
-          <a:ext cx="0" cy="0"/>
-          <a:chOff x="0" y="0"/>
-          <a:chExt cx="0" cy="0"/>
-        </a:xfrm>
-      </p:grpSpPr>
-      <p:sp>
-        <p:nvSpPr>
-          <p:cNvPr id="3" name="Content Placeholder 2">
-            <a:extLst>
-              <a:ext uri="{FF2B5EF4-FFF2-40B4-BE49-F238E27FC236}">
-                <a16:creationId xmlns:a16="http://schemas.microsoft.com/office/drawing/2014/main" id="{AACAE603-BA54-0A36-D78E-C25A039CE116}"/>
-              </a:ext>
-            </a:extLst>
-          </p:cNvPr>
-          <p:cNvSpPr>
-            <a:spLocks noGrp="1"/>
-          </p:cNvSpPr>
-          <p:nvPr>
-            <p:ph sz="quarter" idx="10"/>
-          </p:nvPr>
-        </p:nvSpPr>
-        <p:spPr/>
-        <p:txBody>
-          <a:bodyPr/>
-          <a:lstStyle/>
-          <a:p>
-            <a:r>
-              <a:rPr lang="en-US" dirty="0"/>
-              <a:t>Summary</a:t>
-            </a:r>
-            <a:endParaRPr lang="en-IN" dirty="0"/>
-          </a:p>
-        </p:txBody>
-      </p:sp>
-      <p:pic>
-        <p:nvPicPr>
-          <p:cNvPr id="4" name="Content Placeholder 3">
-            <a:extLst>
-              <a:ext uri="{FF2B5EF4-FFF2-40B4-BE49-F238E27FC236}">
-                <a16:creationId xmlns:a16="http://schemas.microsoft.com/office/drawing/2014/main" id="{150499A3-10CD-F149-FB82-0095793CB89D}"/>
-              </a:ext>
-            </a:extLst>
-          </p:cNvPr>
-          <p:cNvPicPr>
-            <a:picLocks noGrp="1" noChangeAspect="1" noChangeArrowheads="1"/>
-          </p:cNvPicPr>
-          <p:nvPr>
-            <p:ph idx="1"/>
-          </p:nvPr>
-        </p:nvPicPr>
-        <p:blipFill rotWithShape="1">
-          <a:blip r:embed="rId2">
-            <a:extLst>
-              <a:ext uri="{28A0092B-C50C-407E-A947-70E740481C1C}">
-                <a14:useLocalDpi xmlns:a14="http://schemas.microsoft.com/office/drawing/2010/main" val="0"/>
-              </a:ext>
-            </a:extLst>
-          </a:blip>
-          <a:srcRect t="10768" b="47141"/>
-          <a:stretch>
-            <a:fillRect/>
-          </a:stretch>
-        </p:blipFill>
-        <p:spPr bwMode="auto">
-          <a:xfrm>
-            <a:off x="489600" y="1828800"/>
-            <a:ext cx="8164799" cy="2438400"/>
-          </a:xfrm>
-          <a:prstGeom prst="rect">
-            <a:avLst/>
-          </a:prstGeom>
-          <a:noFill/>
-          <a:ln>
-            <a:noFill/>
-          </a:ln>
-          <a:effectLst/>
-          <a:extLst>
-            <a:ext uri="{909E8E84-426E-40DD-AFC4-6F175D3DCCD1}">
-              <a14:hiddenFill xmlns:a14="http://schemas.microsoft.com/office/drawing/2010/main">
-                <a:solidFill>
-                  <a:schemeClr val="accent1"/>
-                </a:solidFill>
-              </a14:hiddenFill>
-            </a:ext>
-            <a:ext uri="{91240B29-F687-4F45-9708-019B960494DF}">
-              <a14:hiddenLine xmlns:a14="http://schemas.microsoft.com/office/drawing/2010/main" w="9525">
-                <a:solidFill>
-                  <a:schemeClr val="tx1"/>
-                </a:solidFill>
-                <a:miter lim="800000"/>
-                <a:headEnd/>
-                <a:tailEnd/>
-              </a14:hiddenLine>
-            </a:ext>
-            <a:ext uri="{AF507438-7753-43E0-B8FC-AC1667EBCBE1}">
-              <a14:hiddenEffects xmlns:a14="http://schemas.microsoft.com/office/drawing/2010/main">
-                <a:effectLst>
-                  <a:outerShdw dist="35921" dir="2700000" algn="ctr" rotWithShape="0">
-                    <a:schemeClr val="bg2"/>
-                  </a:outerShdw>
-                </a:effectLst>
-              </a14:hiddenEffects>
-            </a:ext>
-          </a:extLst>
-        </p:spPr>
-      </p:pic>
-    </p:spTree>
-    <p:extLst>
-      <p:ext uri="{BB962C8B-B14F-4D97-AF65-F5344CB8AC3E}">
-        <p14:creationId xmlns:p14="http://schemas.microsoft.com/office/powerpoint/2010/main" val="1420230756"/>
-      </p:ext>
-    </p:extLst>
-  </p:cSld>
-  <p:clrMapOvr>
-    <a:masterClrMapping/>
-  </p:clrMapOvr>
-</p:sld>
-</file>
-
-<file path=ppt/slides/slide9.xml><?xml version="1.0" encoding="utf-8"?>
-<p:sld xmlns:a="http://schemas.openxmlformats.org/drawingml/2006/main" xmlns:r="http://schemas.openxmlformats.org/officeDocument/2006/relationships" xmlns:p="http://schemas.openxmlformats.org/presentationml/2006/main">
-  <p:cSld>
-    <p:spTree>
-      <p:nvGrpSpPr>
-        <p:cNvPr id="1" name=""/>
-        <p:cNvGrpSpPr/>
-        <p:nvPr/>
-      </p:nvGrpSpPr>
-      <p:grpSpPr>
-        <a:xfrm>
-          <a:off x="0" y="0"/>
-          <a:ext cx="0" cy="0"/>
-          <a:chOff x="0" y="0"/>
-          <a:chExt cx="0" cy="0"/>
-        </a:xfrm>
-      </p:grpSpPr>
-      <p:sp>
-        <p:nvSpPr>
-          <p:cNvPr id="3" name="Content Placeholder 2">
-            <a:extLst>
-              <a:ext uri="{FF2B5EF4-FFF2-40B4-BE49-F238E27FC236}">
-                <a16:creationId xmlns:a16="http://schemas.microsoft.com/office/drawing/2014/main" id="{F15E1587-E76A-77C4-122F-A62D55687F9C}"/>
-              </a:ext>
-            </a:extLst>
-          </p:cNvPr>
-          <p:cNvSpPr>
-            <a:spLocks noGrp="1"/>
-          </p:cNvSpPr>
-          <p:nvPr>
-            <p:ph sz="quarter" idx="10"/>
-          </p:nvPr>
-        </p:nvSpPr>
-        <p:spPr/>
-        <p:txBody>
-          <a:bodyPr/>
-          <a:lstStyle/>
-          <a:p>
-            <a:r>
-              <a:rPr lang="en-US" dirty="0"/>
-              <a:t>Design of sequential circuits</a:t>
-            </a:r>
-            <a:endParaRPr lang="en-IN" dirty="0"/>
-          </a:p>
-        </p:txBody>
-      </p:sp>
-      <p:pic>
-        <p:nvPicPr>
-          <p:cNvPr id="4" name="Content Placeholder 3">
-            <a:extLst>
-              <a:ext uri="{FF2B5EF4-FFF2-40B4-BE49-F238E27FC236}">
-                <a16:creationId xmlns:a16="http://schemas.microsoft.com/office/drawing/2014/main" id="{5473E566-DE98-9DB3-D265-42D219185C6E}"/>
-              </a:ext>
-            </a:extLst>
-          </p:cNvPr>
-          <p:cNvPicPr>
-            <a:picLocks noGrp="1" noChangeAspect="1" noChangeArrowheads="1"/>
-          </p:cNvPicPr>
-          <p:nvPr>
-            <p:ph idx="1"/>
-          </p:nvPr>
-        </p:nvPicPr>
-        <p:blipFill rotWithShape="1">
-          <a:blip r:embed="rId2">
-            <a:extLst>
-              <a:ext uri="{28A0092B-C50C-407E-A947-70E740481C1C}">
-                <a14:useLocalDpi xmlns:a14="http://schemas.microsoft.com/office/drawing/2010/main" val="0"/>
-              </a:ext>
-            </a:extLst>
-          </a:blip>
-          <a:srcRect b="56448"/>
-          <a:stretch>
-            <a:fillRect/>
-          </a:stretch>
-        </p:blipFill>
-        <p:spPr bwMode="auto">
-          <a:xfrm>
-            <a:off x="495300" y="1371600"/>
-            <a:ext cx="8153400" cy="2133600"/>
-          </a:xfrm>
-          <a:prstGeom prst="rect">
-            <a:avLst/>
-          </a:prstGeom>
-          <a:noFill/>
-          <a:ln>
-            <a:noFill/>
-          </a:ln>
-          <a:effectLst/>
-          <a:extLst>
-            <a:ext uri="{909E8E84-426E-40DD-AFC4-6F175D3DCCD1}">
-              <a14:hiddenFill xmlns:a14="http://schemas.microsoft.com/office/drawing/2010/main">
-                <a:solidFill>
-                  <a:schemeClr val="accent1"/>
-                </a:solidFill>
-              </a14:hiddenFill>
-            </a:ext>
-            <a:ext uri="{91240B29-F687-4F45-9708-019B960494DF}">
-              <a14:hiddenLine xmlns:a14="http://schemas.microsoft.com/office/drawing/2010/main" w="9525">
-                <a:solidFill>
-                  <a:schemeClr val="tx1"/>
-                </a:solidFill>
-                <a:miter lim="800000"/>
-                <a:headEnd/>
-                <a:tailEnd/>
-              </a14:hiddenLine>
-            </a:ext>
-            <a:ext uri="{AF507438-7753-43E0-B8FC-AC1667EBCBE1}">
-              <a14:hiddenEffects xmlns:a14="http://schemas.microsoft.com/office/drawing/2010/main">
-                <a:effectLst>
-                  <a:outerShdw dist="35921" dir="2700000" algn="ctr" rotWithShape="0">
-                    <a:schemeClr val="bg2"/>
-                  </a:outerShdw>
-                </a:effectLst>
-              </a14:hiddenEffects>
-            </a:ext>
-          </a:extLst>
-        </p:spPr>
-      </p:pic>
-      <p:pic>
-        <p:nvPicPr>
-          <p:cNvPr id="5" name="Content Placeholder 3">
-            <a:extLst>
-              <a:ext uri="{FF2B5EF4-FFF2-40B4-BE49-F238E27FC236}">
-                <a16:creationId xmlns:a16="http://schemas.microsoft.com/office/drawing/2014/main" id="{ECCC67FE-167E-FBC8-736E-C37A31D6B118}"/>
-              </a:ext>
-            </a:extLst>
-          </p:cNvPr>
-          <p:cNvPicPr>
-            <a:picLocks noChangeAspect="1" noChangeArrowheads="1"/>
-          </p:cNvPicPr>
-          <p:nvPr/>
-        </p:nvPicPr>
-        <p:blipFill rotWithShape="1">
-          <a:blip r:embed="rId2">
-            <a:extLst>
-              <a:ext uri="{28A0092B-C50C-407E-A947-70E740481C1C}">
-                <a14:useLocalDpi xmlns:a14="http://schemas.microsoft.com/office/drawing/2010/main" val="0"/>
-              </a:ext>
-            </a:extLst>
-          </a:blip>
-          <a:srcRect b="50226"/>
-          <a:stretch>
-            <a:fillRect/>
-          </a:stretch>
-        </p:blipFill>
-        <p:spPr bwMode="auto">
-          <a:xfrm>
-            <a:off x="495300" y="1371600"/>
-            <a:ext cx="8153400" cy="2438400"/>
-          </a:xfrm>
-          <a:prstGeom prst="rect">
-            <a:avLst/>
-          </a:prstGeom>
-          <a:noFill/>
-          <a:ln>
-            <a:noFill/>
-          </a:ln>
-          <a:effectLst/>
-          <a:extLst>
-            <a:ext uri="{909E8E84-426E-40DD-AFC4-6F175D3DCCD1}">
-              <a14:hiddenFill xmlns:a14="http://schemas.microsoft.com/office/drawing/2010/main">
-                <a:solidFill>
-                  <a:schemeClr val="accent1"/>
-                </a:solidFill>
-              </a14:hiddenFill>
-            </a:ext>
-            <a:ext uri="{91240B29-F687-4F45-9708-019B960494DF}">
-              <a14:hiddenLine xmlns:a14="http://schemas.microsoft.com/office/drawing/2010/main" w="9525">
-                <a:solidFill>
-                  <a:schemeClr val="tx1"/>
-                </a:solidFill>
-                <a:miter lim="800000"/>
-                <a:headEnd/>
-                <a:tailEnd/>
-              </a14:hiddenLine>
-            </a:ext>
-            <a:ext uri="{AF507438-7753-43E0-B8FC-AC1667EBCBE1}">
-              <a14:hiddenEffects xmlns:a14="http://schemas.microsoft.com/office/drawing/2010/main">
-                <a:effectLst>
-                  <a:outerShdw dist="35921" dir="2700000" algn="ctr" rotWithShape="0">
-                    <a:schemeClr val="bg2"/>
-                  </a:outerShdw>
-                </a:effectLst>
-              </a14:hiddenEffects>
-            </a:ext>
-          </a:extLst>
-        </p:spPr>
-      </p:pic>
-      <p:pic>
-        <p:nvPicPr>
-          <p:cNvPr id="6" name="Content Placeholder 3">
-            <a:extLst>
-              <a:ext uri="{FF2B5EF4-FFF2-40B4-BE49-F238E27FC236}">
-                <a16:creationId xmlns:a16="http://schemas.microsoft.com/office/drawing/2014/main" id="{BC5D8650-8DF2-79AA-B0F0-D1EB86974850}"/>
-              </a:ext>
-            </a:extLst>
-          </p:cNvPr>
-          <p:cNvPicPr>
-            <a:picLocks noChangeAspect="1" noChangeArrowheads="1"/>
-          </p:cNvPicPr>
-          <p:nvPr/>
-        </p:nvPicPr>
-        <p:blipFill rotWithShape="1">
-          <a:blip r:embed="rId2">
-            <a:extLst>
-              <a:ext uri="{28A0092B-C50C-407E-A947-70E740481C1C}">
-                <a14:useLocalDpi xmlns:a14="http://schemas.microsoft.com/office/drawing/2010/main" val="0"/>
-              </a:ext>
-            </a:extLst>
-          </a:blip>
-          <a:srcRect t="43552" b="25339"/>
-          <a:stretch>
-            <a:fillRect/>
-          </a:stretch>
-        </p:blipFill>
-        <p:spPr bwMode="auto">
-          <a:xfrm>
-            <a:off x="495300" y="3505200"/>
-            <a:ext cx="8153400" cy="1524000"/>
-          </a:xfrm>
-          <a:prstGeom prst="rect">
-            <a:avLst/>
-          </a:prstGeom>
-          <a:noFill/>
-          <a:ln>
-            <a:noFill/>
-          </a:ln>
-          <a:effectLst/>
-          <a:extLst>
-            <a:ext uri="{909E8E84-426E-40DD-AFC4-6F175D3DCCD1}">
-              <a14:hiddenFill xmlns:a14="http://schemas.microsoft.com/office/drawing/2010/main">
-                <a:solidFill>
-                  <a:schemeClr val="accent1"/>
-                </a:solidFill>
-              </a14:hiddenFill>
-            </a:ext>
-            <a:ext uri="{91240B29-F687-4F45-9708-019B960494DF}">
-              <a14:hiddenLine xmlns:a14="http://schemas.microsoft.com/office/drawing/2010/main" w="9525">
-                <a:solidFill>
-                  <a:schemeClr val="tx1"/>
-                </a:solidFill>
-                <a:miter lim="800000"/>
-                <a:headEnd/>
-                <a:tailEnd/>
-              </a14:hiddenLine>
-            </a:ext>
-            <a:ext uri="{AF507438-7753-43E0-B8FC-AC1667EBCBE1}">
-              <a14:hiddenEffects xmlns:a14="http://schemas.microsoft.com/office/drawing/2010/main">
-                <a:effectLst>
-                  <a:outerShdw dist="35921" dir="2700000" algn="ctr" rotWithShape="0">
-                    <a:schemeClr val="bg2"/>
-                  </a:outerShdw>
-                </a:effectLst>
-              </a14:hiddenEffects>
-            </a:ext>
-          </a:extLst>
-        </p:spPr>
-      </p:pic>
-      <p:pic>
-        <p:nvPicPr>
-          <p:cNvPr id="7" name="Content Placeholder 3">
-            <a:extLst>
-              <a:ext uri="{FF2B5EF4-FFF2-40B4-BE49-F238E27FC236}">
-                <a16:creationId xmlns:a16="http://schemas.microsoft.com/office/drawing/2014/main" id="{FD4A8E02-6963-579D-1591-24B4FFE12DE0}"/>
-              </a:ext>
-            </a:extLst>
-          </p:cNvPr>
-          <p:cNvPicPr>
-            <a:picLocks noChangeAspect="1" noChangeArrowheads="1"/>
-          </p:cNvPicPr>
-          <p:nvPr/>
-        </p:nvPicPr>
-        <p:blipFill rotWithShape="1">
-          <a:blip r:embed="rId2">
-            <a:extLst>
-              <a:ext uri="{28A0092B-C50C-407E-A947-70E740481C1C}">
-                <a14:useLocalDpi xmlns:a14="http://schemas.microsoft.com/office/drawing/2010/main" val="0"/>
-              </a:ext>
-            </a:extLst>
-          </a:blip>
-          <a:srcRect t="43553" b="451"/>
-          <a:stretch>
-            <a:fillRect/>
-          </a:stretch>
-        </p:blipFill>
-        <p:spPr bwMode="auto">
-          <a:xfrm>
-            <a:off x="495300" y="3510708"/>
-            <a:ext cx="8153400" cy="2743200"/>
-          </a:xfrm>
-          <a:prstGeom prst="rect">
-            <a:avLst/>
-          </a:prstGeom>
-          <a:noFill/>
-          <a:ln>
-            <a:noFill/>
-          </a:ln>
-          <a:effectLst/>
-          <a:extLst>
-            <a:ext uri="{909E8E84-426E-40DD-AFC4-6F175D3DCCD1}">
-              <a14:hiddenFill xmlns:a14="http://schemas.microsoft.com/office/drawing/2010/main">
-                <a:solidFill>
-                  <a:schemeClr val="accent1"/>
-                </a:solidFill>
-              </a14:hiddenFill>
-            </a:ext>
-            <a:ext uri="{91240B29-F687-4F45-9708-019B960494DF}">
-              <a14:hiddenLine xmlns:a14="http://schemas.microsoft.com/office/drawing/2010/main" w="9525">
-                <a:solidFill>
-                  <a:schemeClr val="tx1"/>
-                </a:solidFill>
-                <a:miter lim="800000"/>
-                <a:headEnd/>
-                <a:tailEnd/>
-              </a14:hiddenLine>
-            </a:ext>
-            <a:ext uri="{AF507438-7753-43E0-B8FC-AC1667EBCBE1}">
-              <a14:hiddenEffects xmlns:a14="http://schemas.microsoft.com/office/drawing/2010/main">
-                <a:effectLst>
-                  <a:outerShdw dist="35921" dir="2700000" algn="ctr" rotWithShape="0">
-                    <a:schemeClr val="bg2"/>
-                  </a:outerShdw>
-                </a:effectLst>
-              </a14:hiddenEffects>
-            </a:ext>
-          </a:extLst>
-        </p:spPr>
-      </p:pic>
-    </p:spTree>
-    <p:extLst>
-      <p:ext uri="{BB962C8B-B14F-4D97-AF65-F5344CB8AC3E}">
-        <p14:creationId xmlns:p14="http://schemas.microsoft.com/office/powerpoint/2010/main" val="3598774683"/>
+        <p14:creationId xmlns:p14="http://schemas.microsoft.com/office/powerpoint/2010/main" val="571336449"/>
       </p:ext>
     </p:extLst>
   </p:cSld>
@@ -23416,33 +21733,194 @@
                       </p:childTnLst>
                     </p:cTn>
                   </p:par>
+                </p:childTnLst>
+              </p:cTn>
+              <p:prevCondLst>
+                <p:cond evt="onPrev" delay="0">
+                  <p:tgtEl>
+                    <p:sldTgt/>
+                  </p:tgtEl>
+                </p:cond>
+              </p:prevCondLst>
+              <p:nextCondLst>
+                <p:cond evt="onNext" delay="0">
+                  <p:tgtEl>
+                    <p:sldTgt/>
+                  </p:tgtEl>
+                </p:cond>
+              </p:nextCondLst>
+            </p:seq>
+          </p:childTnLst>
+        </p:cTn>
+      </p:par>
+    </p:tnLst>
+  </p:timing>
+</p:sld>
+</file>
+
+<file path=ppt/slides/slide6.xml><?xml version="1.0" encoding="utf-8"?>
+<p:sld xmlns:a="http://schemas.openxmlformats.org/drawingml/2006/main" xmlns:r="http://schemas.openxmlformats.org/officeDocument/2006/relationships" xmlns:p="http://schemas.openxmlformats.org/presentationml/2006/main">
+  <p:cSld>
+    <p:spTree>
+      <p:nvGrpSpPr>
+        <p:cNvPr id="1" name=""/>
+        <p:cNvGrpSpPr/>
+        <p:nvPr/>
+      </p:nvGrpSpPr>
+      <p:grpSpPr>
+        <a:xfrm>
+          <a:off x="0" y="0"/>
+          <a:ext cx="0" cy="0"/>
+          <a:chOff x="0" y="0"/>
+          <a:chExt cx="0" cy="0"/>
+        </a:xfrm>
+      </p:grpSpPr>
+      <p:sp>
+        <p:nvSpPr>
+          <p:cNvPr id="3" name="Content Placeholder 2">
+            <a:extLst>
+              <a:ext uri="{FF2B5EF4-FFF2-40B4-BE49-F238E27FC236}">
+                <a16:creationId xmlns:a16="http://schemas.microsoft.com/office/drawing/2014/main" id="{7D06988C-9EB6-3C1A-F8F6-C06729E50B90}"/>
+              </a:ext>
+            </a:extLst>
+          </p:cNvPr>
+          <p:cNvSpPr>
+            <a:spLocks noGrp="1"/>
+          </p:cNvSpPr>
+          <p:nvPr>
+            <p:ph sz="quarter" idx="10"/>
+          </p:nvPr>
+        </p:nvSpPr>
+        <p:spPr/>
+        <p:txBody>
+          <a:bodyPr/>
+          <a:lstStyle/>
+          <a:p>
+            <a:r>
+              <a:rPr lang="en-US" dirty="0"/>
+              <a:t>What about other state transitions?</a:t>
+            </a:r>
+            <a:endParaRPr lang="en-IN" dirty="0"/>
+          </a:p>
+        </p:txBody>
+      </p:sp>
+      <p:pic>
+        <p:nvPicPr>
+          <p:cNvPr id="4" name="Content Placeholder 3">
+            <a:extLst>
+              <a:ext uri="{FF2B5EF4-FFF2-40B4-BE49-F238E27FC236}">
+                <a16:creationId xmlns:a16="http://schemas.microsoft.com/office/drawing/2014/main" id="{1FC35A1F-851F-067D-8819-BC79DB47D62C}"/>
+              </a:ext>
+            </a:extLst>
+          </p:cNvPr>
+          <p:cNvPicPr>
+            <a:picLocks noGrp="1" noChangeAspect="1" noChangeArrowheads="1"/>
+          </p:cNvPicPr>
+          <p:nvPr>
+            <p:ph idx="1"/>
+          </p:nvPr>
+        </p:nvPicPr>
+        <p:blipFill rotWithShape="1">
+          <a:blip r:embed="rId2">
+            <a:extLst>
+              <a:ext uri="{28A0092B-C50C-407E-A947-70E740481C1C}">
+                <a14:useLocalDpi xmlns:a14="http://schemas.microsoft.com/office/drawing/2010/main" val="0"/>
+              </a:ext>
+            </a:extLst>
+          </a:blip>
+          <a:srcRect t="9084"/>
+          <a:stretch>
+            <a:fillRect/>
+          </a:stretch>
+        </p:blipFill>
+        <p:spPr bwMode="auto">
+          <a:xfrm>
+            <a:off x="723900" y="1447800"/>
+            <a:ext cx="7696200" cy="4947491"/>
+          </a:xfrm>
+          <a:prstGeom prst="rect">
+            <a:avLst/>
+          </a:prstGeom>
+          <a:noFill/>
+          <a:ln>
+            <a:noFill/>
+          </a:ln>
+          <a:effectLst/>
+          <a:extLst>
+            <a:ext uri="{909E8E84-426E-40DD-AFC4-6F175D3DCCD1}">
+              <a14:hiddenFill xmlns:a14="http://schemas.microsoft.com/office/drawing/2010/main">
+                <a:solidFill>
+                  <a:schemeClr val="accent1"/>
+                </a:solidFill>
+              </a14:hiddenFill>
+            </a:ext>
+            <a:ext uri="{91240B29-F687-4F45-9708-019B960494DF}">
+              <a14:hiddenLine xmlns:a14="http://schemas.microsoft.com/office/drawing/2010/main" w="9525">
+                <a:solidFill>
+                  <a:schemeClr val="tx1"/>
+                </a:solidFill>
+                <a:miter lim="800000"/>
+                <a:headEnd/>
+                <a:tailEnd/>
+              </a14:hiddenLine>
+            </a:ext>
+            <a:ext uri="{AF507438-7753-43E0-B8FC-AC1667EBCBE1}">
+              <a14:hiddenEffects xmlns:a14="http://schemas.microsoft.com/office/drawing/2010/main">
+                <a:effectLst>
+                  <a:outerShdw dist="35921" dir="2700000" algn="ctr" rotWithShape="0">
+                    <a:schemeClr val="bg2"/>
+                  </a:outerShdw>
+                </a:effectLst>
+              </a14:hiddenEffects>
+            </a:ext>
+          </a:extLst>
+        </p:spPr>
+      </p:pic>
+    </p:spTree>
+    <p:extLst>
+      <p:ext uri="{BB962C8B-B14F-4D97-AF65-F5344CB8AC3E}">
+        <p14:creationId xmlns:p14="http://schemas.microsoft.com/office/powerpoint/2010/main" val="2046517697"/>
+      </p:ext>
+    </p:extLst>
+  </p:cSld>
+  <p:clrMapOvr>
+    <a:masterClrMapping/>
+  </p:clrMapOvr>
+  <p:timing>
+    <p:tnLst>
+      <p:par>
+        <p:cTn id="1" dur="indefinite" restart="never" nodeType="tmRoot">
+          <p:childTnLst>
+            <p:seq concurrent="1" nextAc="seek">
+              <p:cTn id="2" dur="indefinite" nodeType="mainSeq">
+                <p:childTnLst>
                   <p:par>
-                    <p:cTn id="7" fill="hold">
+                    <p:cTn id="3" fill="hold">
                       <p:stCondLst>
                         <p:cond delay="indefinite"/>
                       </p:stCondLst>
                       <p:childTnLst>
                         <p:par>
-                          <p:cTn id="8" fill="hold">
+                          <p:cTn id="4" fill="hold">
                             <p:stCondLst>
                               <p:cond delay="0"/>
                             </p:stCondLst>
                             <p:childTnLst>
                               <p:par>
-                                <p:cTn id="9" presetID="1" presetClass="entr" presetSubtype="0" fill="hold" nodeType="clickEffect">
+                                <p:cTn id="5" presetID="1" presetClass="entr" presetSubtype="0" fill="hold" nodeType="clickEffect">
                                   <p:stCondLst>
                                     <p:cond delay="0"/>
                                   </p:stCondLst>
                                   <p:childTnLst>
                                     <p:set>
                                       <p:cBhvr>
-                                        <p:cTn id="10" dur="1" fill="hold">
+                                        <p:cTn id="6" dur="1" fill="hold">
                                           <p:stCondLst>
                                             <p:cond delay="0"/>
                                           </p:stCondLst>
                                         </p:cTn>
                                         <p:tgtEl>
-                                          <p:spTgt spid="5"/>
+                                          <p:spTgt spid="4"/>
                                         </p:tgtEl>
                                         <p:attrNameLst>
                                           <p:attrName>style.visibility</p:attrName>
@@ -23461,33 +21939,194 @@
                       </p:childTnLst>
                     </p:cTn>
                   </p:par>
+                </p:childTnLst>
+              </p:cTn>
+              <p:prevCondLst>
+                <p:cond evt="onPrev" delay="0">
+                  <p:tgtEl>
+                    <p:sldTgt/>
+                  </p:tgtEl>
+                </p:cond>
+              </p:prevCondLst>
+              <p:nextCondLst>
+                <p:cond evt="onNext" delay="0">
+                  <p:tgtEl>
+                    <p:sldTgt/>
+                  </p:tgtEl>
+                </p:cond>
+              </p:nextCondLst>
+            </p:seq>
+          </p:childTnLst>
+        </p:cTn>
+      </p:par>
+    </p:tnLst>
+  </p:timing>
+</p:sld>
+</file>
+
+<file path=ppt/slides/slide7.xml><?xml version="1.0" encoding="utf-8"?>
+<p:sld xmlns:a="http://schemas.openxmlformats.org/drawingml/2006/main" xmlns:r="http://schemas.openxmlformats.org/officeDocument/2006/relationships" xmlns:p="http://schemas.openxmlformats.org/presentationml/2006/main">
+  <p:cSld>
+    <p:spTree>
+      <p:nvGrpSpPr>
+        <p:cNvPr id="1" name=""/>
+        <p:cNvGrpSpPr/>
+        <p:nvPr/>
+      </p:nvGrpSpPr>
+      <p:grpSpPr>
+        <a:xfrm>
+          <a:off x="0" y="0"/>
+          <a:ext cx="0" cy="0"/>
+          <a:chOff x="0" y="0"/>
+          <a:chExt cx="0" cy="0"/>
+        </a:xfrm>
+      </p:grpSpPr>
+      <p:sp>
+        <p:nvSpPr>
+          <p:cNvPr id="3" name="Content Placeholder 2">
+            <a:extLst>
+              <a:ext uri="{FF2B5EF4-FFF2-40B4-BE49-F238E27FC236}">
+                <a16:creationId xmlns:a16="http://schemas.microsoft.com/office/drawing/2014/main" id="{0C1E8BD9-0B24-6E61-BCE0-26A7114B634E}"/>
+              </a:ext>
+            </a:extLst>
+          </p:cNvPr>
+          <p:cNvSpPr>
+            <a:spLocks noGrp="1"/>
+          </p:cNvSpPr>
+          <p:nvPr>
+            <p:ph sz="quarter" idx="10"/>
+          </p:nvPr>
+        </p:nvSpPr>
+        <p:spPr/>
+        <p:txBody>
+          <a:bodyPr/>
+          <a:lstStyle/>
+          <a:p>
+            <a:r>
+              <a:rPr lang="en-US" dirty="0"/>
+              <a:t>Step 1.2: make the state table</a:t>
+            </a:r>
+            <a:endParaRPr lang="en-IN" dirty="0"/>
+          </a:p>
+        </p:txBody>
+      </p:sp>
+      <p:pic>
+        <p:nvPicPr>
+          <p:cNvPr id="4" name="Content Placeholder 3">
+            <a:extLst>
+              <a:ext uri="{FF2B5EF4-FFF2-40B4-BE49-F238E27FC236}">
+                <a16:creationId xmlns:a16="http://schemas.microsoft.com/office/drawing/2014/main" id="{1C0D8FA1-66DB-CC8C-9D50-CC1BE1F6E86D}"/>
+              </a:ext>
+            </a:extLst>
+          </p:cNvPr>
+          <p:cNvPicPr>
+            <a:picLocks noGrp="1" noChangeAspect="1" noChangeArrowheads="1"/>
+          </p:cNvPicPr>
+          <p:nvPr>
+            <p:ph idx="1"/>
+          </p:nvPr>
+        </p:nvPicPr>
+        <p:blipFill rotWithShape="1">
+          <a:blip r:embed="rId2">
+            <a:extLst>
+              <a:ext uri="{28A0092B-C50C-407E-A947-70E740481C1C}">
+                <a14:useLocalDpi xmlns:a14="http://schemas.microsoft.com/office/drawing/2010/main" val="0"/>
+              </a:ext>
+            </a:extLst>
+          </a:blip>
+          <a:srcRect t="10768"/>
+          <a:stretch>
+            <a:fillRect/>
+          </a:stretch>
+        </p:blipFill>
+        <p:spPr bwMode="auto">
+          <a:xfrm>
+            <a:off x="639989" y="1524000"/>
+            <a:ext cx="7864022" cy="5010841"/>
+          </a:xfrm>
+          <a:prstGeom prst="rect">
+            <a:avLst/>
+          </a:prstGeom>
+          <a:noFill/>
+          <a:ln>
+            <a:noFill/>
+          </a:ln>
+          <a:effectLst/>
+          <a:extLst>
+            <a:ext uri="{909E8E84-426E-40DD-AFC4-6F175D3DCCD1}">
+              <a14:hiddenFill xmlns:a14="http://schemas.microsoft.com/office/drawing/2010/main">
+                <a:solidFill>
+                  <a:schemeClr val="accent1"/>
+                </a:solidFill>
+              </a14:hiddenFill>
+            </a:ext>
+            <a:ext uri="{91240B29-F687-4F45-9708-019B960494DF}">
+              <a14:hiddenLine xmlns:a14="http://schemas.microsoft.com/office/drawing/2010/main" w="9525">
+                <a:solidFill>
+                  <a:schemeClr val="tx1"/>
+                </a:solidFill>
+                <a:miter lim="800000"/>
+                <a:headEnd/>
+                <a:tailEnd/>
+              </a14:hiddenLine>
+            </a:ext>
+            <a:ext uri="{AF507438-7753-43E0-B8FC-AC1667EBCBE1}">
+              <a14:hiddenEffects xmlns:a14="http://schemas.microsoft.com/office/drawing/2010/main">
+                <a:effectLst>
+                  <a:outerShdw dist="35921" dir="2700000" algn="ctr" rotWithShape="0">
+                    <a:schemeClr val="bg2"/>
+                  </a:outerShdw>
+                </a:effectLst>
+              </a14:hiddenEffects>
+            </a:ext>
+          </a:extLst>
+        </p:spPr>
+      </p:pic>
+    </p:spTree>
+    <p:extLst>
+      <p:ext uri="{BB962C8B-B14F-4D97-AF65-F5344CB8AC3E}">
+        <p14:creationId xmlns:p14="http://schemas.microsoft.com/office/powerpoint/2010/main" val="4141310648"/>
+      </p:ext>
+    </p:extLst>
+  </p:cSld>
+  <p:clrMapOvr>
+    <a:masterClrMapping/>
+  </p:clrMapOvr>
+  <p:timing>
+    <p:tnLst>
+      <p:par>
+        <p:cTn id="1" dur="indefinite" restart="never" nodeType="tmRoot">
+          <p:childTnLst>
+            <p:seq concurrent="1" nextAc="seek">
+              <p:cTn id="2" dur="indefinite" nodeType="mainSeq">
+                <p:childTnLst>
                   <p:par>
-                    <p:cTn id="11" fill="hold">
+                    <p:cTn id="3" fill="hold">
                       <p:stCondLst>
                         <p:cond delay="indefinite"/>
                       </p:stCondLst>
                       <p:childTnLst>
                         <p:par>
-                          <p:cTn id="12" fill="hold">
+                          <p:cTn id="4" fill="hold">
                             <p:stCondLst>
                               <p:cond delay="0"/>
                             </p:stCondLst>
                             <p:childTnLst>
                               <p:par>
-                                <p:cTn id="13" presetID="1" presetClass="entr" presetSubtype="0" fill="hold" nodeType="clickEffect">
+                                <p:cTn id="5" presetID="1" presetClass="entr" presetSubtype="0" fill="hold" nodeType="clickEffect">
                                   <p:stCondLst>
                                     <p:cond delay="0"/>
                                   </p:stCondLst>
                                   <p:childTnLst>
                                     <p:set>
                                       <p:cBhvr>
-                                        <p:cTn id="14" dur="1" fill="hold">
+                                        <p:cTn id="6" dur="1" fill="hold">
                                           <p:stCondLst>
                                             <p:cond delay="0"/>
                                           </p:stCondLst>
                                         </p:cTn>
                                         <p:tgtEl>
-                                          <p:spTgt spid="6"/>
+                                          <p:spTgt spid="4"/>
                                         </p:tgtEl>
                                         <p:attrNameLst>
                                           <p:attrName>style.visibility</p:attrName>
@@ -23506,33 +22145,470 @@
                       </p:childTnLst>
                     </p:cTn>
                   </p:par>
+                </p:childTnLst>
+              </p:cTn>
+              <p:prevCondLst>
+                <p:cond evt="onPrev" delay="0">
+                  <p:tgtEl>
+                    <p:sldTgt/>
+                  </p:tgtEl>
+                </p:cond>
+              </p:prevCondLst>
+              <p:nextCondLst>
+                <p:cond evt="onNext" delay="0">
+                  <p:tgtEl>
+                    <p:sldTgt/>
+                  </p:tgtEl>
+                </p:cond>
+              </p:nextCondLst>
+            </p:seq>
+          </p:childTnLst>
+        </p:cTn>
+      </p:par>
+    </p:tnLst>
+  </p:timing>
+</p:sld>
+</file>
+
+<file path=ppt/slides/slide8.xml><?xml version="1.0" encoding="utf-8"?>
+<p:sld xmlns:a="http://schemas.openxmlformats.org/drawingml/2006/main" xmlns:r="http://schemas.openxmlformats.org/officeDocument/2006/relationships" xmlns:p="http://schemas.openxmlformats.org/presentationml/2006/main">
+  <p:cSld>
+    <p:spTree>
+      <p:nvGrpSpPr>
+        <p:cNvPr id="1" name=""/>
+        <p:cNvGrpSpPr/>
+        <p:nvPr/>
+      </p:nvGrpSpPr>
+      <p:grpSpPr>
+        <a:xfrm>
+          <a:off x="0" y="0"/>
+          <a:ext cx="0" cy="0"/>
+          <a:chOff x="0" y="0"/>
+          <a:chExt cx="0" cy="0"/>
+        </a:xfrm>
+      </p:grpSpPr>
+      <p:sp>
+        <p:nvSpPr>
+          <p:cNvPr id="3" name="Content Placeholder 2">
+            <a:extLst>
+              <a:ext uri="{FF2B5EF4-FFF2-40B4-BE49-F238E27FC236}">
+                <a16:creationId xmlns:a16="http://schemas.microsoft.com/office/drawing/2014/main" id="{6CDB3BCE-F78C-2037-098A-D3507E080A87}"/>
+              </a:ext>
+            </a:extLst>
+          </p:cNvPr>
+          <p:cNvSpPr>
+            <a:spLocks noGrp="1"/>
+          </p:cNvSpPr>
+          <p:nvPr>
+            <p:ph sz="quarter" idx="10"/>
+          </p:nvPr>
+        </p:nvSpPr>
+        <p:spPr/>
+        <p:txBody>
+          <a:bodyPr/>
+          <a:lstStyle/>
+          <a:p>
+            <a:r>
+              <a:rPr lang="en-US" dirty="0"/>
+              <a:t>Step 2: Assign binary codes to states (to store them in flip-flops)</a:t>
+            </a:r>
+            <a:endParaRPr lang="en-IN" dirty="0"/>
+          </a:p>
+        </p:txBody>
+      </p:sp>
+      <p:pic>
+        <p:nvPicPr>
+          <p:cNvPr id="4" name="Content Placeholder 3">
+            <a:extLst>
+              <a:ext uri="{FF2B5EF4-FFF2-40B4-BE49-F238E27FC236}">
+                <a16:creationId xmlns:a16="http://schemas.microsoft.com/office/drawing/2014/main" id="{E2B777B5-7DC9-DDFE-011F-AA1024F68EAB}"/>
+              </a:ext>
+            </a:extLst>
+          </p:cNvPr>
+          <p:cNvPicPr>
+            <a:picLocks noGrp="1" noChangeAspect="1" noChangeArrowheads="1"/>
+          </p:cNvPicPr>
+          <p:nvPr>
+            <p:ph idx="1"/>
+          </p:nvPr>
+        </p:nvPicPr>
+        <p:blipFill rotWithShape="1">
+          <a:blip r:embed="rId2">
+            <a:extLst>
+              <a:ext uri="{28A0092B-C50C-407E-A947-70E740481C1C}">
+                <a14:useLocalDpi xmlns:a14="http://schemas.microsoft.com/office/drawing/2010/main" val="0"/>
+              </a:ext>
+            </a:extLst>
+          </a:blip>
+          <a:srcRect t="10768"/>
+          <a:stretch>
+            <a:fillRect/>
+          </a:stretch>
+        </p:blipFill>
+        <p:spPr bwMode="auto">
+          <a:xfrm>
+            <a:off x="533400" y="1524000"/>
+            <a:ext cx="8077200" cy="5022036"/>
+          </a:xfrm>
+          <a:prstGeom prst="rect">
+            <a:avLst/>
+          </a:prstGeom>
+          <a:noFill/>
+          <a:ln>
+            <a:noFill/>
+          </a:ln>
+          <a:effectLst/>
+          <a:extLst>
+            <a:ext uri="{909E8E84-426E-40DD-AFC4-6F175D3DCCD1}">
+              <a14:hiddenFill xmlns:a14="http://schemas.microsoft.com/office/drawing/2010/main">
+                <a:solidFill>
+                  <a:schemeClr val="accent1"/>
+                </a:solidFill>
+              </a14:hiddenFill>
+            </a:ext>
+            <a:ext uri="{91240B29-F687-4F45-9708-019B960494DF}">
+              <a14:hiddenLine xmlns:a14="http://schemas.microsoft.com/office/drawing/2010/main" w="9525">
+                <a:solidFill>
+                  <a:schemeClr val="tx1"/>
+                </a:solidFill>
+                <a:miter lim="800000"/>
+                <a:headEnd/>
+                <a:tailEnd/>
+              </a14:hiddenLine>
+            </a:ext>
+            <a:ext uri="{AF507438-7753-43E0-B8FC-AC1667EBCBE1}">
+              <a14:hiddenEffects xmlns:a14="http://schemas.microsoft.com/office/drawing/2010/main">
+                <a:effectLst>
+                  <a:outerShdw dist="35921" dir="2700000" algn="ctr" rotWithShape="0">
+                    <a:schemeClr val="bg2"/>
+                  </a:outerShdw>
+                </a:effectLst>
+              </a14:hiddenEffects>
+            </a:ext>
+          </a:extLst>
+        </p:spPr>
+      </p:pic>
+    </p:spTree>
+    <p:extLst>
+      <p:ext uri="{BB962C8B-B14F-4D97-AF65-F5344CB8AC3E}">
+        <p14:creationId xmlns:p14="http://schemas.microsoft.com/office/powerpoint/2010/main" val="3893181007"/>
+      </p:ext>
+    </p:extLst>
+  </p:cSld>
+  <p:clrMapOvr>
+    <a:masterClrMapping/>
+  </p:clrMapOvr>
+  <p:timing>
+    <p:tnLst>
+      <p:par>
+        <p:cTn id="1" dur="indefinite" restart="never" nodeType="tmRoot">
+          <p:childTnLst>
+            <p:seq concurrent="1" nextAc="seek">
+              <p:cTn id="2" dur="indefinite" nodeType="mainSeq">
+                <p:childTnLst>
                   <p:par>
-                    <p:cTn id="15" fill="hold">
+                    <p:cTn id="3" fill="hold">
                       <p:stCondLst>
                         <p:cond delay="indefinite"/>
                       </p:stCondLst>
                       <p:childTnLst>
                         <p:par>
-                          <p:cTn id="16" fill="hold">
+                          <p:cTn id="4" fill="hold">
                             <p:stCondLst>
                               <p:cond delay="0"/>
                             </p:stCondLst>
                             <p:childTnLst>
                               <p:par>
-                                <p:cTn id="17" presetID="1" presetClass="entr" presetSubtype="0" fill="hold" nodeType="clickEffect">
+                                <p:cTn id="5" presetID="1" presetClass="entr" presetSubtype="0" fill="hold" nodeType="clickEffect">
                                   <p:stCondLst>
                                     <p:cond delay="0"/>
                                   </p:stCondLst>
                                   <p:childTnLst>
                                     <p:set>
                                       <p:cBhvr>
-                                        <p:cTn id="18" dur="1" fill="hold">
+                                        <p:cTn id="6" dur="1" fill="hold">
                                           <p:stCondLst>
                                             <p:cond delay="0"/>
                                           </p:stCondLst>
                                         </p:cTn>
                                         <p:tgtEl>
-                                          <p:spTgt spid="7"/>
+                                          <p:spTgt spid="4"/>
+                                        </p:tgtEl>
+                                        <p:attrNameLst>
+                                          <p:attrName>style.visibility</p:attrName>
+                                        </p:attrNameLst>
+                                      </p:cBhvr>
+                                      <p:to>
+                                        <p:strVal val="visible"/>
+                                      </p:to>
+                                    </p:set>
+                                  </p:childTnLst>
+                                </p:cTn>
+                              </p:par>
+                            </p:childTnLst>
+                          </p:cTn>
+                        </p:par>
+                      </p:childTnLst>
+                    </p:cTn>
+                  </p:par>
+                </p:childTnLst>
+              </p:cTn>
+              <p:prevCondLst>
+                <p:cond evt="onPrev" delay="0">
+                  <p:tgtEl>
+                    <p:sldTgt/>
+                  </p:tgtEl>
+                </p:cond>
+              </p:prevCondLst>
+              <p:nextCondLst>
+                <p:cond evt="onNext" delay="0">
+                  <p:tgtEl>
+                    <p:sldTgt/>
+                  </p:tgtEl>
+                </p:cond>
+              </p:nextCondLst>
+            </p:seq>
+          </p:childTnLst>
+        </p:cTn>
+      </p:par>
+    </p:tnLst>
+  </p:timing>
+</p:sld>
+</file>
+
+<file path=ppt/slides/slide9.xml><?xml version="1.0" encoding="utf-8"?>
+<p:sld xmlns:a="http://schemas.openxmlformats.org/drawingml/2006/main" xmlns:r="http://schemas.openxmlformats.org/officeDocument/2006/relationships" xmlns:p="http://schemas.openxmlformats.org/presentationml/2006/main">
+  <p:cSld>
+    <p:spTree>
+      <p:nvGrpSpPr>
+        <p:cNvPr id="1" name=""/>
+        <p:cNvGrpSpPr/>
+        <p:nvPr/>
+      </p:nvGrpSpPr>
+      <p:grpSpPr>
+        <a:xfrm>
+          <a:off x="0" y="0"/>
+          <a:ext cx="0" cy="0"/>
+          <a:chOff x="0" y="0"/>
+          <a:chExt cx="0" cy="0"/>
+        </a:xfrm>
+      </p:grpSpPr>
+      <p:sp>
+        <p:nvSpPr>
+          <p:cNvPr id="3" name="Content Placeholder 2">
+            <a:extLst>
+              <a:ext uri="{FF2B5EF4-FFF2-40B4-BE49-F238E27FC236}">
+                <a16:creationId xmlns:a16="http://schemas.microsoft.com/office/drawing/2014/main" id="{71675B9A-4CD8-A33B-48EF-0F07DDF7969A}"/>
+              </a:ext>
+            </a:extLst>
+          </p:cNvPr>
+          <p:cNvSpPr>
+            <a:spLocks noGrp="1"/>
+          </p:cNvSpPr>
+          <p:nvPr>
+            <p:ph sz="quarter" idx="10"/>
+          </p:nvPr>
+        </p:nvSpPr>
+        <p:spPr/>
+        <p:txBody>
+          <a:bodyPr/>
+          <a:lstStyle/>
+          <a:p>
+            <a:r>
+              <a:rPr lang="en-US" dirty="0"/>
+              <a:t>Step 3: Find flip-flop input values</a:t>
+            </a:r>
+            <a:endParaRPr lang="en-IN" dirty="0"/>
+          </a:p>
+        </p:txBody>
+      </p:sp>
+      <p:pic>
+        <p:nvPicPr>
+          <p:cNvPr id="4" name="Content Placeholder 3">
+            <a:extLst>
+              <a:ext uri="{FF2B5EF4-FFF2-40B4-BE49-F238E27FC236}">
+                <a16:creationId xmlns:a16="http://schemas.microsoft.com/office/drawing/2014/main" id="{24ECB99D-0C58-82B1-684D-875170A1121C}"/>
+              </a:ext>
+            </a:extLst>
+          </p:cNvPr>
+          <p:cNvPicPr>
+            <a:picLocks noGrp="1" noChangeAspect="1" noChangeArrowheads="1"/>
+          </p:cNvPicPr>
+          <p:nvPr>
+            <p:ph idx="1"/>
+          </p:nvPr>
+        </p:nvPicPr>
+        <p:blipFill rotWithShape="1">
+          <a:blip r:embed="rId2">
+            <a:extLst>
+              <a:ext uri="{28A0092B-C50C-407E-A947-70E740481C1C}">
+                <a14:useLocalDpi xmlns:a14="http://schemas.microsoft.com/office/drawing/2010/main" val="0"/>
+              </a:ext>
+            </a:extLst>
+          </a:blip>
+          <a:srcRect t="10666" b="73414"/>
+          <a:stretch>
+            <a:fillRect/>
+          </a:stretch>
+        </p:blipFill>
+        <p:spPr bwMode="auto">
+          <a:xfrm>
+            <a:off x="342900" y="1447800"/>
+            <a:ext cx="8458200" cy="914400"/>
+          </a:xfrm>
+          <a:prstGeom prst="rect">
+            <a:avLst/>
+          </a:prstGeom>
+          <a:noFill/>
+          <a:ln>
+            <a:noFill/>
+          </a:ln>
+          <a:effectLst/>
+          <a:extLst>
+            <a:ext uri="{909E8E84-426E-40DD-AFC4-6F175D3DCCD1}">
+              <a14:hiddenFill xmlns:a14="http://schemas.microsoft.com/office/drawing/2010/main">
+                <a:solidFill>
+                  <a:schemeClr val="accent1"/>
+                </a:solidFill>
+              </a14:hiddenFill>
+            </a:ext>
+            <a:ext uri="{91240B29-F687-4F45-9708-019B960494DF}">
+              <a14:hiddenLine xmlns:a14="http://schemas.microsoft.com/office/drawing/2010/main" w="9525">
+                <a:solidFill>
+                  <a:schemeClr val="tx1"/>
+                </a:solidFill>
+                <a:miter lim="800000"/>
+                <a:headEnd/>
+                <a:tailEnd/>
+              </a14:hiddenLine>
+            </a:ext>
+            <a:ext uri="{AF507438-7753-43E0-B8FC-AC1667EBCBE1}">
+              <a14:hiddenEffects xmlns:a14="http://schemas.microsoft.com/office/drawing/2010/main">
+                <a:effectLst>
+                  <a:outerShdw dist="35921" dir="2700000" algn="ctr" rotWithShape="0">
+                    <a:schemeClr val="bg2"/>
+                  </a:outerShdw>
+                </a:effectLst>
+              </a14:hiddenEffects>
+            </a:ext>
+          </a:extLst>
+        </p:spPr>
+      </p:pic>
+      <p:pic>
+        <p:nvPicPr>
+          <p:cNvPr id="5" name="Content Placeholder 3">
+            <a:extLst>
+              <a:ext uri="{FF2B5EF4-FFF2-40B4-BE49-F238E27FC236}">
+                <a16:creationId xmlns:a16="http://schemas.microsoft.com/office/drawing/2014/main" id="{37926E15-E84C-F67E-A69D-83E8CEB23EFF}"/>
+              </a:ext>
+            </a:extLst>
+          </p:cNvPr>
+          <p:cNvPicPr>
+            <a:picLocks noChangeAspect="1" noChangeArrowheads="1"/>
+          </p:cNvPicPr>
+          <p:nvPr/>
+        </p:nvPicPr>
+        <p:blipFill rotWithShape="1">
+          <a:blip r:embed="rId2">
+            <a:extLst>
+              <a:ext uri="{28A0092B-C50C-407E-A947-70E740481C1C}">
+                <a14:useLocalDpi xmlns:a14="http://schemas.microsoft.com/office/drawing/2010/main" val="0"/>
+              </a:ext>
+            </a:extLst>
+          </a:blip>
+          <a:srcRect t="27015" b="1345"/>
+          <a:stretch>
+            <a:fillRect/>
+          </a:stretch>
+        </p:blipFill>
+        <p:spPr bwMode="auto">
+          <a:xfrm>
+            <a:off x="342900" y="2416366"/>
+            <a:ext cx="8458200" cy="4114800"/>
+          </a:xfrm>
+          <a:prstGeom prst="rect">
+            <a:avLst/>
+          </a:prstGeom>
+          <a:noFill/>
+          <a:ln>
+            <a:noFill/>
+          </a:ln>
+          <a:effectLst/>
+          <a:extLst>
+            <a:ext uri="{909E8E84-426E-40DD-AFC4-6F175D3DCCD1}">
+              <a14:hiddenFill xmlns:a14="http://schemas.microsoft.com/office/drawing/2010/main">
+                <a:solidFill>
+                  <a:schemeClr val="accent1"/>
+                </a:solidFill>
+              </a14:hiddenFill>
+            </a:ext>
+            <a:ext uri="{91240B29-F687-4F45-9708-019B960494DF}">
+              <a14:hiddenLine xmlns:a14="http://schemas.microsoft.com/office/drawing/2010/main" w="9525">
+                <a:solidFill>
+                  <a:schemeClr val="tx1"/>
+                </a:solidFill>
+                <a:miter lim="800000"/>
+                <a:headEnd/>
+                <a:tailEnd/>
+              </a14:hiddenLine>
+            </a:ext>
+            <a:ext uri="{AF507438-7753-43E0-B8FC-AC1667EBCBE1}">
+              <a14:hiddenEffects xmlns:a14="http://schemas.microsoft.com/office/drawing/2010/main">
+                <a:effectLst>
+                  <a:outerShdw dist="35921" dir="2700000" algn="ctr" rotWithShape="0">
+                    <a:schemeClr val="bg2"/>
+                  </a:outerShdw>
+                </a:effectLst>
+              </a14:hiddenEffects>
+            </a:ext>
+          </a:extLst>
+        </p:spPr>
+      </p:pic>
+    </p:spTree>
+    <p:extLst>
+      <p:ext uri="{BB962C8B-B14F-4D97-AF65-F5344CB8AC3E}">
+        <p14:creationId xmlns:p14="http://schemas.microsoft.com/office/powerpoint/2010/main" val="3593508301"/>
+      </p:ext>
+    </p:extLst>
+  </p:cSld>
+  <p:clrMapOvr>
+    <a:masterClrMapping/>
+  </p:clrMapOvr>
+  <p:timing>
+    <p:tnLst>
+      <p:par>
+        <p:cTn id="1" dur="indefinite" restart="never" nodeType="tmRoot">
+          <p:childTnLst>
+            <p:seq concurrent="1" nextAc="seek">
+              <p:cTn id="2" dur="indefinite" nodeType="mainSeq">
+                <p:childTnLst>
+                  <p:par>
+                    <p:cTn id="3" fill="hold">
+                      <p:stCondLst>
+                        <p:cond delay="indefinite"/>
+                      </p:stCondLst>
+                      <p:childTnLst>
+                        <p:par>
+                          <p:cTn id="4" fill="hold">
+                            <p:stCondLst>
+                              <p:cond delay="0"/>
+                            </p:stCondLst>
+                            <p:childTnLst>
+                              <p:par>
+                                <p:cTn id="5" presetID="1" presetClass="entr" presetSubtype="0" fill="hold" nodeType="clickEffect">
+                                  <p:stCondLst>
+                                    <p:cond delay="0"/>
+                                  </p:stCondLst>
+                                  <p:childTnLst>
+                                    <p:set>
+                                      <p:cBhvr>
+                                        <p:cTn id="6" dur="1" fill="hold">
+                                          <p:stCondLst>
+                                            <p:cond delay="0"/>
+                                          </p:stCondLst>
+                                        </p:cTn>
+                                        <p:tgtEl>
+                                          <p:spTgt spid="5"/>
                                         </p:tgtEl>
                                         <p:attrNameLst>
                                           <p:attrName>style.visibility</p:attrName>
